--- a/share/2010/201012_Progressive-Enhancement.pptx
+++ b/share/2010/201012_Progressive-Enhancement.pptx
@@ -5,7 +5,7 @@
     <p:sldMasterId id="2147483696" r:id="rId1"/>
   </p:sldMasterIdLst>
   <p:notesMasterIdLst>
-    <p:notesMasterId r:id="rId31"/>
+    <p:notesMasterId r:id="rId34"/>
   </p:notesMasterIdLst>
   <p:sldIdLst>
     <p:sldId id="256" r:id="rId2"/>
@@ -29,14 +29,17 @@
     <p:sldId id="297" r:id="rId20"/>
     <p:sldId id="309" r:id="rId21"/>
     <p:sldId id="311" r:id="rId22"/>
-    <p:sldId id="299" r:id="rId23"/>
-    <p:sldId id="310" r:id="rId24"/>
-    <p:sldId id="312" r:id="rId25"/>
-    <p:sldId id="286" r:id="rId26"/>
-    <p:sldId id="316" r:id="rId27"/>
-    <p:sldId id="270" r:id="rId28"/>
-    <p:sldId id="285" r:id="rId29"/>
-    <p:sldId id="268" r:id="rId30"/>
+    <p:sldId id="317" r:id="rId23"/>
+    <p:sldId id="319" r:id="rId24"/>
+    <p:sldId id="320" r:id="rId25"/>
+    <p:sldId id="312" r:id="rId26"/>
+    <p:sldId id="318" r:id="rId27"/>
+    <p:sldId id="310" r:id="rId28"/>
+    <p:sldId id="286" r:id="rId29"/>
+    <p:sldId id="316" r:id="rId30"/>
+    <p:sldId id="270" r:id="rId31"/>
+    <p:sldId id="285" r:id="rId32"/>
+    <p:sldId id="268" r:id="rId33"/>
   </p:sldIdLst>
   <p:sldSz cx="9144000" cy="6858000" type="screen4x3"/>
   <p:notesSz cx="6858000" cy="9144000"/>
@@ -4831,788 +4834,6 @@
 </file>
 
 <file path=ppt/diagrams/colors7.xml><?xml version="1.0" encoding="utf-8"?>
-<dgm:colorsDef xmlns:dgm="http://schemas.openxmlformats.org/drawingml/2006/diagram" xmlns:a="http://schemas.openxmlformats.org/drawingml/2006/main" uniqueId="urn:microsoft.com/office/officeart/2005/8/colors/colorful2">
-  <dgm:title val=""/>
-  <dgm:desc val=""/>
-  <dgm:catLst>
-    <dgm:cat type="colorful" pri="10200"/>
-  </dgm:catLst>
-  <dgm:styleLbl name="node0">
-    <dgm:fillClrLst meth="repeat">
-      <a:schemeClr val="accent1"/>
-    </dgm:fillClrLst>
-    <dgm:linClrLst meth="repeat">
-      <a:schemeClr val="lt1"/>
-    </dgm:linClrLst>
-    <dgm:effectClrLst/>
-    <dgm:txLinClrLst/>
-    <dgm:txFillClrLst/>
-    <dgm:txEffectClrLst/>
-  </dgm:styleLbl>
-  <dgm:styleLbl name="node1">
-    <dgm:fillClrLst>
-      <a:schemeClr val="accent2"/>
-      <a:schemeClr val="accent3"/>
-    </dgm:fillClrLst>
-    <dgm:linClrLst meth="repeat">
-      <a:schemeClr val="lt1"/>
-    </dgm:linClrLst>
-    <dgm:effectClrLst/>
-    <dgm:txLinClrLst/>
-    <dgm:txFillClrLst/>
-    <dgm:txEffectClrLst/>
-  </dgm:styleLbl>
-  <dgm:styleLbl name="alignNode1">
-    <dgm:fillClrLst>
-      <a:schemeClr val="accent2"/>
-      <a:schemeClr val="accent3"/>
-    </dgm:fillClrLst>
-    <dgm:linClrLst>
-      <a:schemeClr val="accent2"/>
-      <a:schemeClr val="accent3"/>
-    </dgm:linClrLst>
-    <dgm:effectClrLst/>
-    <dgm:txLinClrLst/>
-    <dgm:txFillClrLst/>
-    <dgm:txEffectClrLst/>
-  </dgm:styleLbl>
-  <dgm:styleLbl name="lnNode1">
-    <dgm:fillClrLst>
-      <a:schemeClr val="accent2"/>
-      <a:schemeClr val="accent3"/>
-    </dgm:fillClrLst>
-    <dgm:linClrLst meth="repeat">
-      <a:schemeClr val="lt1"/>
-    </dgm:linClrLst>
-    <dgm:effectClrLst/>
-    <dgm:txLinClrLst/>
-    <dgm:txFillClrLst/>
-    <dgm:txEffectClrLst/>
-  </dgm:styleLbl>
-  <dgm:styleLbl name="vennNode1">
-    <dgm:fillClrLst>
-      <a:schemeClr val="accent2">
-        <a:alpha val="50000"/>
-      </a:schemeClr>
-      <a:schemeClr val="accent3">
-        <a:alpha val="50000"/>
-      </a:schemeClr>
-    </dgm:fillClrLst>
-    <dgm:linClrLst meth="repeat">
-      <a:schemeClr val="lt1"/>
-    </dgm:linClrLst>
-    <dgm:effectClrLst/>
-    <dgm:txLinClrLst/>
-    <dgm:txFillClrLst/>
-    <dgm:txEffectClrLst/>
-  </dgm:styleLbl>
-  <dgm:styleLbl name="node2">
-    <dgm:fillClrLst>
-      <a:schemeClr val="accent3"/>
-    </dgm:fillClrLst>
-    <dgm:linClrLst meth="repeat">
-      <a:schemeClr val="lt1"/>
-    </dgm:linClrLst>
-    <dgm:effectClrLst/>
-    <dgm:txLinClrLst/>
-    <dgm:txFillClrLst/>
-    <dgm:txEffectClrLst/>
-  </dgm:styleLbl>
-  <dgm:styleLbl name="node3">
-    <dgm:fillClrLst>
-      <a:schemeClr val="accent4"/>
-    </dgm:fillClrLst>
-    <dgm:linClrLst meth="repeat">
-      <a:schemeClr val="lt1"/>
-    </dgm:linClrLst>
-    <dgm:effectClrLst/>
-    <dgm:txLinClrLst/>
-    <dgm:txFillClrLst/>
-    <dgm:txEffectClrLst/>
-  </dgm:styleLbl>
-  <dgm:styleLbl name="node4">
-    <dgm:fillClrLst>
-      <a:schemeClr val="accent5"/>
-    </dgm:fillClrLst>
-    <dgm:linClrLst meth="repeat">
-      <a:schemeClr val="lt1"/>
-    </dgm:linClrLst>
-    <dgm:effectClrLst/>
-    <dgm:txLinClrLst/>
-    <dgm:txFillClrLst/>
-    <dgm:txEffectClrLst/>
-  </dgm:styleLbl>
-  <dgm:styleLbl name="fgImgPlace1">
-    <dgm:fillClrLst>
-      <a:schemeClr val="accent2">
-        <a:tint val="50000"/>
-      </a:schemeClr>
-      <a:schemeClr val="accent3">
-        <a:tint val="50000"/>
-      </a:schemeClr>
-    </dgm:fillClrLst>
-    <dgm:linClrLst meth="repeat">
-      <a:schemeClr val="lt1"/>
-    </dgm:linClrLst>
-    <dgm:effectClrLst/>
-    <dgm:txLinClrLst/>
-    <dgm:txFillClrLst meth="repeat">
-      <a:schemeClr val="lt1"/>
-    </dgm:txFillClrLst>
-    <dgm:txEffectClrLst/>
-  </dgm:styleLbl>
-  <dgm:styleLbl name="alignImgPlace1">
-    <dgm:fillClrLst>
-      <a:schemeClr val="accent2">
-        <a:tint val="50000"/>
-      </a:schemeClr>
-      <a:schemeClr val="accent3">
-        <a:tint val="20000"/>
-      </a:schemeClr>
-    </dgm:fillClrLst>
-    <dgm:linClrLst meth="repeat">
-      <a:schemeClr val="lt1"/>
-    </dgm:linClrLst>
-    <dgm:effectClrLst/>
-    <dgm:txLinClrLst/>
-    <dgm:txFillClrLst meth="repeat">
-      <a:schemeClr val="lt1"/>
-    </dgm:txFillClrLst>
-    <dgm:txEffectClrLst/>
-  </dgm:styleLbl>
-  <dgm:styleLbl name="bgImgPlace1">
-    <dgm:fillClrLst>
-      <a:schemeClr val="accent2">
-        <a:tint val="50000"/>
-      </a:schemeClr>
-      <a:schemeClr val="accent3">
-        <a:tint val="20000"/>
-      </a:schemeClr>
-    </dgm:fillClrLst>
-    <dgm:linClrLst meth="repeat">
-      <a:schemeClr val="lt1"/>
-    </dgm:linClrLst>
-    <dgm:effectClrLst/>
-    <dgm:txLinClrLst/>
-    <dgm:txFillClrLst meth="repeat">
-      <a:schemeClr val="lt1"/>
-    </dgm:txFillClrLst>
-    <dgm:txEffectClrLst/>
-  </dgm:styleLbl>
-  <dgm:styleLbl name="sibTrans2D1">
-    <dgm:fillClrLst>
-      <a:schemeClr val="accent2"/>
-      <a:schemeClr val="accent3"/>
-    </dgm:fillClrLst>
-    <dgm:linClrLst meth="repeat">
-      <a:schemeClr val="lt1"/>
-    </dgm:linClrLst>
-    <dgm:effectClrLst/>
-    <dgm:txLinClrLst/>
-    <dgm:txFillClrLst/>
-    <dgm:txEffectClrLst/>
-  </dgm:styleLbl>
-  <dgm:styleLbl name="fgSibTrans2D1">
-    <dgm:fillClrLst>
-      <a:schemeClr val="accent2"/>
-      <a:schemeClr val="accent3"/>
-    </dgm:fillClrLst>
-    <dgm:linClrLst meth="repeat">
-      <a:schemeClr val="lt1"/>
-    </dgm:linClrLst>
-    <dgm:effectClrLst/>
-    <dgm:txLinClrLst/>
-    <dgm:txFillClrLst meth="repeat">
-      <a:schemeClr val="lt1"/>
-    </dgm:txFillClrLst>
-    <dgm:txEffectClrLst/>
-  </dgm:styleLbl>
-  <dgm:styleLbl name="bgSibTrans2D1">
-    <dgm:fillClrLst>
-      <a:schemeClr val="accent2"/>
-      <a:schemeClr val="accent3"/>
-    </dgm:fillClrLst>
-    <dgm:linClrLst meth="repeat">
-      <a:schemeClr val="lt1"/>
-    </dgm:linClrLst>
-    <dgm:effectClrLst/>
-    <dgm:txLinClrLst/>
-    <dgm:txFillClrLst meth="repeat">
-      <a:schemeClr val="lt1"/>
-    </dgm:txFillClrLst>
-    <dgm:txEffectClrLst/>
-  </dgm:styleLbl>
-  <dgm:styleLbl name="sibTrans1D1">
-    <dgm:fillClrLst/>
-    <dgm:linClrLst>
-      <a:schemeClr val="accent2"/>
-      <a:schemeClr val="accent3"/>
-    </dgm:linClrLst>
-    <dgm:effectClrLst/>
-    <dgm:txLinClrLst/>
-    <dgm:txFillClrLst meth="repeat">
-      <a:schemeClr val="tx1"/>
-    </dgm:txFillClrLst>
-    <dgm:txEffectClrLst/>
-  </dgm:styleLbl>
-  <dgm:styleLbl name="callout">
-    <dgm:fillClrLst meth="repeat">
-      <a:schemeClr val="accent2"/>
-    </dgm:fillClrLst>
-    <dgm:linClrLst meth="repeat">
-      <a:schemeClr val="accent2">
-        <a:tint val="50000"/>
-      </a:schemeClr>
-    </dgm:linClrLst>
-    <dgm:effectClrLst/>
-    <dgm:txLinClrLst/>
-    <dgm:txFillClrLst meth="repeat">
-      <a:schemeClr val="tx1"/>
-    </dgm:txFillClrLst>
-    <dgm:txEffectClrLst/>
-  </dgm:styleLbl>
-  <dgm:styleLbl name="asst0">
-    <dgm:fillClrLst meth="repeat">
-      <a:schemeClr val="accent2"/>
-    </dgm:fillClrLst>
-    <dgm:linClrLst meth="repeat">
-      <a:schemeClr val="lt1">
-        <a:shade val="80000"/>
-      </a:schemeClr>
-    </dgm:linClrLst>
-    <dgm:effectClrLst/>
-    <dgm:txLinClrLst/>
-    <dgm:txFillClrLst/>
-    <dgm:txEffectClrLst/>
-  </dgm:styleLbl>
-  <dgm:styleLbl name="asst1">
-    <dgm:fillClrLst meth="repeat">
-      <a:schemeClr val="accent3"/>
-    </dgm:fillClrLst>
-    <dgm:linClrLst meth="repeat">
-      <a:schemeClr val="lt1">
-        <a:shade val="80000"/>
-      </a:schemeClr>
-    </dgm:linClrLst>
-    <dgm:effectClrLst/>
-    <dgm:txLinClrLst/>
-    <dgm:txFillClrLst/>
-    <dgm:txEffectClrLst/>
-  </dgm:styleLbl>
-  <dgm:styleLbl name="asst2">
-    <dgm:fillClrLst>
-      <a:schemeClr val="accent4"/>
-    </dgm:fillClrLst>
-    <dgm:linClrLst meth="repeat">
-      <a:schemeClr val="lt1"/>
-    </dgm:linClrLst>
-    <dgm:effectClrLst/>
-    <dgm:txLinClrLst/>
-    <dgm:txFillClrLst/>
-    <dgm:txEffectClrLst/>
-  </dgm:styleLbl>
-  <dgm:styleLbl name="asst3">
-    <dgm:fillClrLst>
-      <a:schemeClr val="accent5"/>
-    </dgm:fillClrLst>
-    <dgm:linClrLst meth="repeat">
-      <a:schemeClr val="lt1"/>
-    </dgm:linClrLst>
-    <dgm:effectClrLst/>
-    <dgm:txLinClrLst/>
-    <dgm:txFillClrLst/>
-    <dgm:txEffectClrLst/>
-  </dgm:styleLbl>
-  <dgm:styleLbl name="asst4">
-    <dgm:fillClrLst>
-      <a:schemeClr val="accent6"/>
-    </dgm:fillClrLst>
-    <dgm:linClrLst meth="repeat">
-      <a:schemeClr val="lt1"/>
-    </dgm:linClrLst>
-    <dgm:effectClrLst/>
-    <dgm:txLinClrLst/>
-    <dgm:txFillClrLst/>
-    <dgm:txEffectClrLst/>
-  </dgm:styleLbl>
-  <dgm:styleLbl name="parChTrans2D1">
-    <dgm:fillClrLst meth="repeat">
-      <a:schemeClr val="accent2"/>
-    </dgm:fillClrLst>
-    <dgm:linClrLst meth="repeat">
-      <a:schemeClr val="lt1"/>
-    </dgm:linClrLst>
-    <dgm:effectClrLst/>
-    <dgm:txLinClrLst/>
-    <dgm:txFillClrLst meth="repeat">
-      <a:schemeClr val="lt1"/>
-    </dgm:txFillClrLst>
-    <dgm:txEffectClrLst/>
-  </dgm:styleLbl>
-  <dgm:styleLbl name="parChTrans2D2">
-    <dgm:fillClrLst meth="repeat">
-      <a:schemeClr val="accent3"/>
-    </dgm:fillClrLst>
-    <dgm:linClrLst meth="repeat">
-      <a:schemeClr val="lt1"/>
-    </dgm:linClrLst>
-    <dgm:effectClrLst/>
-    <dgm:txLinClrLst/>
-    <dgm:txFillClrLst/>
-    <dgm:txEffectClrLst/>
-  </dgm:styleLbl>
-  <dgm:styleLbl name="parChTrans2D3">
-    <dgm:fillClrLst meth="repeat">
-      <a:schemeClr val="accent4"/>
-    </dgm:fillClrLst>
-    <dgm:linClrLst meth="repeat">
-      <a:schemeClr val="lt1"/>
-    </dgm:linClrLst>
-    <dgm:effectClrLst/>
-    <dgm:txLinClrLst/>
-    <dgm:txFillClrLst/>
-    <dgm:txEffectClrLst/>
-  </dgm:styleLbl>
-  <dgm:styleLbl name="parChTrans2D4">
-    <dgm:fillClrLst meth="repeat">
-      <a:schemeClr val="accent5"/>
-    </dgm:fillClrLst>
-    <dgm:linClrLst meth="repeat">
-      <a:schemeClr val="lt1"/>
-    </dgm:linClrLst>
-    <dgm:effectClrLst/>
-    <dgm:txLinClrLst/>
-    <dgm:txFillClrLst meth="repeat">
-      <a:schemeClr val="lt1"/>
-    </dgm:txFillClrLst>
-    <dgm:txEffectClrLst/>
-  </dgm:styleLbl>
-  <dgm:styleLbl name="parChTrans1D1">
-    <dgm:fillClrLst meth="repeat">
-      <a:schemeClr val="accent2"/>
-    </dgm:fillClrLst>
-    <dgm:linClrLst meth="repeat">
-      <a:schemeClr val="accent2"/>
-    </dgm:linClrLst>
-    <dgm:effectClrLst/>
-    <dgm:txLinClrLst/>
-    <dgm:txFillClrLst meth="repeat">
-      <a:schemeClr val="tx1"/>
-    </dgm:txFillClrLst>
-    <dgm:txEffectClrLst/>
-  </dgm:styleLbl>
-  <dgm:styleLbl name="parChTrans1D2">
-    <dgm:fillClrLst meth="repeat">
-      <a:schemeClr val="accent2">
-        <a:tint val="90000"/>
-      </a:schemeClr>
-    </dgm:fillClrLst>
-    <dgm:linClrLst meth="repeat">
-      <a:schemeClr val="accent3"/>
-    </dgm:linClrLst>
-    <dgm:effectClrLst/>
-    <dgm:txLinClrLst/>
-    <dgm:txFillClrLst meth="repeat">
-      <a:schemeClr val="tx1"/>
-    </dgm:txFillClrLst>
-    <dgm:txEffectClrLst/>
-  </dgm:styleLbl>
-  <dgm:styleLbl name="parChTrans1D3">
-    <dgm:fillClrLst meth="repeat">
-      <a:schemeClr val="accent2">
-        <a:tint val="70000"/>
-      </a:schemeClr>
-    </dgm:fillClrLst>
-    <dgm:linClrLst meth="repeat">
-      <a:schemeClr val="accent4"/>
-    </dgm:linClrLst>
-    <dgm:effectClrLst/>
-    <dgm:txLinClrLst/>
-    <dgm:txFillClrLst meth="repeat">
-      <a:schemeClr val="tx1"/>
-    </dgm:txFillClrLst>
-    <dgm:txEffectClrLst/>
-  </dgm:styleLbl>
-  <dgm:styleLbl name="parChTrans1D4">
-    <dgm:fillClrLst meth="repeat">
-      <a:schemeClr val="accent2">
-        <a:tint val="50000"/>
-      </a:schemeClr>
-    </dgm:fillClrLst>
-    <dgm:linClrLst meth="repeat">
-      <a:schemeClr val="accent5"/>
-    </dgm:linClrLst>
-    <dgm:effectClrLst/>
-    <dgm:txLinClrLst/>
-    <dgm:txFillClrLst meth="repeat">
-      <a:schemeClr val="tx1"/>
-    </dgm:txFillClrLst>
-    <dgm:txEffectClrLst/>
-  </dgm:styleLbl>
-  <dgm:styleLbl name="fgAcc1">
-    <dgm:fillClrLst meth="repeat">
-      <a:schemeClr val="lt1">
-        <a:alpha val="90000"/>
-      </a:schemeClr>
-    </dgm:fillClrLst>
-    <dgm:linClrLst>
-      <a:schemeClr val="accent2"/>
-      <a:schemeClr val="accent3"/>
-    </dgm:linClrLst>
-    <dgm:effectClrLst/>
-    <dgm:txLinClrLst/>
-    <dgm:txFillClrLst meth="repeat">
-      <a:schemeClr val="dk1"/>
-    </dgm:txFillClrLst>
-    <dgm:txEffectClrLst/>
-  </dgm:styleLbl>
-  <dgm:styleLbl name="conFgAcc1">
-    <dgm:fillClrLst meth="repeat">
-      <a:schemeClr val="lt1">
-        <a:alpha val="90000"/>
-      </a:schemeClr>
-    </dgm:fillClrLst>
-    <dgm:linClrLst>
-      <a:schemeClr val="accent2"/>
-      <a:schemeClr val="accent3"/>
-    </dgm:linClrLst>
-    <dgm:effectClrLst/>
-    <dgm:txLinClrLst/>
-    <dgm:txFillClrLst meth="repeat">
-      <a:schemeClr val="dk1"/>
-    </dgm:txFillClrLst>
-    <dgm:txEffectClrLst/>
-  </dgm:styleLbl>
-  <dgm:styleLbl name="alignAcc1">
-    <dgm:fillClrLst meth="repeat">
-      <a:schemeClr val="lt1">
-        <a:alpha val="90000"/>
-      </a:schemeClr>
-    </dgm:fillClrLst>
-    <dgm:linClrLst>
-      <a:schemeClr val="accent2"/>
-      <a:schemeClr val="accent3"/>
-    </dgm:linClrLst>
-    <dgm:effectClrLst/>
-    <dgm:txLinClrLst/>
-    <dgm:txFillClrLst meth="repeat">
-      <a:schemeClr val="dk1"/>
-    </dgm:txFillClrLst>
-    <dgm:txEffectClrLst/>
-  </dgm:styleLbl>
-  <dgm:styleLbl name="trAlignAcc1">
-    <dgm:fillClrLst meth="repeat">
-      <a:schemeClr val="lt1">
-        <a:alpha val="40000"/>
-      </a:schemeClr>
-    </dgm:fillClrLst>
-    <dgm:linClrLst meth="repeat">
-      <a:schemeClr val="accent2"/>
-    </dgm:linClrLst>
-    <dgm:effectClrLst/>
-    <dgm:txLinClrLst/>
-    <dgm:txFillClrLst meth="repeat">
-      <a:schemeClr val="dk1"/>
-    </dgm:txFillClrLst>
-    <dgm:txEffectClrLst/>
-  </dgm:styleLbl>
-  <dgm:styleLbl name="bgAcc1">
-    <dgm:fillClrLst meth="repeat">
-      <a:schemeClr val="lt1">
-        <a:alpha val="90000"/>
-      </a:schemeClr>
-    </dgm:fillClrLst>
-    <dgm:linClrLst>
-      <a:schemeClr val="accent2"/>
-      <a:schemeClr val="accent3"/>
-    </dgm:linClrLst>
-    <dgm:effectClrLst/>
-    <dgm:txLinClrLst/>
-    <dgm:txFillClrLst meth="repeat">
-      <a:schemeClr val="dk1"/>
-    </dgm:txFillClrLst>
-    <dgm:txEffectClrLst/>
-  </dgm:styleLbl>
-  <dgm:styleLbl name="solidFgAcc1">
-    <dgm:fillClrLst meth="repeat">
-      <a:schemeClr val="lt1"/>
-    </dgm:fillClrLst>
-    <dgm:linClrLst>
-      <a:schemeClr val="accent2"/>
-      <a:schemeClr val="accent3"/>
-    </dgm:linClrLst>
-    <dgm:effectClrLst/>
-    <dgm:txLinClrLst/>
-    <dgm:txFillClrLst meth="repeat">
-      <a:schemeClr val="dk1"/>
-    </dgm:txFillClrLst>
-    <dgm:txEffectClrLst/>
-  </dgm:styleLbl>
-  <dgm:styleLbl name="solidAlignAcc1">
-    <dgm:fillClrLst meth="repeat">
-      <a:schemeClr val="lt1"/>
-    </dgm:fillClrLst>
-    <dgm:linClrLst>
-      <a:schemeClr val="accent2"/>
-      <a:schemeClr val="accent3"/>
-    </dgm:linClrLst>
-    <dgm:effectClrLst/>
-    <dgm:txLinClrLst/>
-    <dgm:txFillClrLst meth="repeat">
-      <a:schemeClr val="dk1"/>
-    </dgm:txFillClrLst>
-    <dgm:txEffectClrLst/>
-  </dgm:styleLbl>
-  <dgm:styleLbl name="solidBgAcc1">
-    <dgm:fillClrLst meth="repeat">
-      <a:schemeClr val="lt1"/>
-    </dgm:fillClrLst>
-    <dgm:linClrLst>
-      <a:schemeClr val="accent2"/>
-      <a:schemeClr val="accent3"/>
-    </dgm:linClrLst>
-    <dgm:effectClrLst/>
-    <dgm:txLinClrLst/>
-    <dgm:txFillClrLst meth="repeat">
-      <a:schemeClr val="dk1"/>
-    </dgm:txFillClrLst>
-    <dgm:txEffectClrLst/>
-  </dgm:styleLbl>
-  <dgm:styleLbl name="fgAccFollowNode1">
-    <dgm:fillClrLst>
-      <a:schemeClr val="accent2">
-        <a:tint val="40000"/>
-        <a:alpha val="90000"/>
-      </a:schemeClr>
-      <a:schemeClr val="accent3">
-        <a:tint val="40000"/>
-        <a:alpha val="90000"/>
-      </a:schemeClr>
-    </dgm:fillClrLst>
-    <dgm:linClrLst>
-      <a:schemeClr val="accent2">
-        <a:tint val="40000"/>
-        <a:alpha val="90000"/>
-      </a:schemeClr>
-      <a:schemeClr val="accent3">
-        <a:tint val="40000"/>
-        <a:alpha val="90000"/>
-      </a:schemeClr>
-    </dgm:linClrLst>
-    <dgm:effectClrLst/>
-    <dgm:txLinClrLst/>
-    <dgm:txFillClrLst meth="repeat">
-      <a:schemeClr val="dk1"/>
-    </dgm:txFillClrLst>
-    <dgm:txEffectClrLst/>
-  </dgm:styleLbl>
-  <dgm:styleLbl name="alignAccFollowNode1">
-    <dgm:fillClrLst>
-      <a:schemeClr val="accent2">
-        <a:tint val="40000"/>
-        <a:alpha val="90000"/>
-      </a:schemeClr>
-      <a:schemeClr val="accent3">
-        <a:tint val="40000"/>
-        <a:alpha val="90000"/>
-      </a:schemeClr>
-    </dgm:fillClrLst>
-    <dgm:linClrLst>
-      <a:schemeClr val="accent2">
-        <a:tint val="40000"/>
-        <a:alpha val="90000"/>
-      </a:schemeClr>
-      <a:schemeClr val="accent3">
-        <a:tint val="40000"/>
-        <a:alpha val="90000"/>
-      </a:schemeClr>
-    </dgm:linClrLst>
-    <dgm:effectClrLst/>
-    <dgm:txLinClrLst/>
-    <dgm:txFillClrLst meth="repeat">
-      <a:schemeClr val="dk1"/>
-    </dgm:txFillClrLst>
-    <dgm:txEffectClrLst/>
-  </dgm:styleLbl>
-  <dgm:styleLbl name="bgAccFollowNode1">
-    <dgm:fillClrLst>
-      <a:schemeClr val="accent2">
-        <a:tint val="40000"/>
-        <a:alpha val="90000"/>
-      </a:schemeClr>
-      <a:schemeClr val="accent3">
-        <a:tint val="40000"/>
-        <a:alpha val="90000"/>
-      </a:schemeClr>
-    </dgm:fillClrLst>
-    <dgm:linClrLst>
-      <a:schemeClr val="accent2">
-        <a:tint val="40000"/>
-        <a:alpha val="90000"/>
-      </a:schemeClr>
-      <a:schemeClr val="accent3">
-        <a:tint val="40000"/>
-        <a:alpha val="90000"/>
-      </a:schemeClr>
-    </dgm:linClrLst>
-    <dgm:effectClrLst/>
-    <dgm:txLinClrLst/>
-    <dgm:txFillClrLst meth="repeat">
-      <a:schemeClr val="dk1"/>
-    </dgm:txFillClrLst>
-    <dgm:txEffectClrLst/>
-  </dgm:styleLbl>
-  <dgm:styleLbl name="fgAcc0">
-    <dgm:fillClrLst meth="repeat">
-      <a:schemeClr val="lt1">
-        <a:alpha val="90000"/>
-      </a:schemeClr>
-    </dgm:fillClrLst>
-    <dgm:linClrLst>
-      <a:schemeClr val="accent1"/>
-    </dgm:linClrLst>
-    <dgm:effectClrLst/>
-    <dgm:txLinClrLst/>
-    <dgm:txFillClrLst meth="repeat">
-      <a:schemeClr val="dk1"/>
-    </dgm:txFillClrLst>
-    <dgm:txEffectClrLst/>
-  </dgm:styleLbl>
-  <dgm:styleLbl name="fgAcc2">
-    <dgm:fillClrLst meth="repeat">
-      <a:schemeClr val="lt1">
-        <a:alpha val="90000"/>
-      </a:schemeClr>
-    </dgm:fillClrLst>
-    <dgm:linClrLst>
-      <a:schemeClr val="accent3"/>
-    </dgm:linClrLst>
-    <dgm:effectClrLst/>
-    <dgm:txLinClrLst/>
-    <dgm:txFillClrLst meth="repeat">
-      <a:schemeClr val="dk1"/>
-    </dgm:txFillClrLst>
-    <dgm:txEffectClrLst/>
-  </dgm:styleLbl>
-  <dgm:styleLbl name="fgAcc3">
-    <dgm:fillClrLst meth="repeat">
-      <a:schemeClr val="lt1">
-        <a:alpha val="90000"/>
-      </a:schemeClr>
-    </dgm:fillClrLst>
-    <dgm:linClrLst>
-      <a:schemeClr val="accent4"/>
-    </dgm:linClrLst>
-    <dgm:effectClrLst/>
-    <dgm:txLinClrLst/>
-    <dgm:txFillClrLst meth="repeat">
-      <a:schemeClr val="dk1"/>
-    </dgm:txFillClrLst>
-    <dgm:txEffectClrLst/>
-  </dgm:styleLbl>
-  <dgm:styleLbl name="fgAcc4">
-    <dgm:fillClrLst meth="repeat">
-      <a:schemeClr val="lt1">
-        <a:alpha val="90000"/>
-      </a:schemeClr>
-    </dgm:fillClrLst>
-    <dgm:linClrLst>
-      <a:schemeClr val="accent5"/>
-    </dgm:linClrLst>
-    <dgm:effectClrLst/>
-    <dgm:txLinClrLst/>
-    <dgm:txFillClrLst meth="repeat">
-      <a:schemeClr val="dk1"/>
-    </dgm:txFillClrLst>
-    <dgm:txEffectClrLst/>
-  </dgm:styleLbl>
-  <dgm:styleLbl name="bgShp">
-    <dgm:fillClrLst meth="repeat">
-      <a:schemeClr val="accent2">
-        <a:tint val="40000"/>
-      </a:schemeClr>
-    </dgm:fillClrLst>
-    <dgm:linClrLst meth="repeat">
-      <a:schemeClr val="dk1"/>
-    </dgm:linClrLst>
-    <dgm:effectClrLst/>
-    <dgm:txLinClrLst/>
-    <dgm:txFillClrLst meth="repeat">
-      <a:schemeClr val="dk1"/>
-    </dgm:txFillClrLst>
-    <dgm:txEffectClrLst/>
-  </dgm:styleLbl>
-  <dgm:styleLbl name="dkBgShp">
-    <dgm:fillClrLst meth="repeat">
-      <a:schemeClr val="accent2">
-        <a:shade val="90000"/>
-      </a:schemeClr>
-    </dgm:fillClrLst>
-    <dgm:linClrLst meth="repeat">
-      <a:schemeClr val="dk1"/>
-    </dgm:linClrLst>
-    <dgm:effectClrLst/>
-    <dgm:txLinClrLst/>
-    <dgm:txFillClrLst meth="repeat">
-      <a:schemeClr val="lt1"/>
-    </dgm:txFillClrLst>
-    <dgm:txEffectClrLst/>
-  </dgm:styleLbl>
-  <dgm:styleLbl name="trBgShp">
-    <dgm:fillClrLst meth="repeat">
-      <a:schemeClr val="accent2">
-        <a:tint val="50000"/>
-        <a:alpha val="40000"/>
-      </a:schemeClr>
-    </dgm:fillClrLst>
-    <dgm:linClrLst meth="repeat">
-      <a:schemeClr val="accent2"/>
-    </dgm:linClrLst>
-    <dgm:effectClrLst/>
-    <dgm:txLinClrLst/>
-    <dgm:txFillClrLst meth="repeat">
-      <a:schemeClr val="lt1"/>
-    </dgm:txFillClrLst>
-    <dgm:txEffectClrLst/>
-  </dgm:styleLbl>
-  <dgm:styleLbl name="fgShp">
-    <dgm:fillClrLst meth="repeat">
-      <a:schemeClr val="accent2">
-        <a:tint val="40000"/>
-      </a:schemeClr>
-    </dgm:fillClrLst>
-    <dgm:linClrLst meth="repeat">
-      <a:schemeClr val="lt1"/>
-    </dgm:linClrLst>
-    <dgm:effectClrLst/>
-    <dgm:txLinClrLst/>
-    <dgm:txFillClrLst meth="repeat">
-      <a:schemeClr val="dk1"/>
-    </dgm:txFillClrLst>
-    <dgm:txEffectClrLst/>
-  </dgm:styleLbl>
-  <dgm:styleLbl name="revTx">
-    <dgm:fillClrLst meth="repeat">
-      <a:schemeClr val="lt1">
-        <a:alpha val="0"/>
-      </a:schemeClr>
-    </dgm:fillClrLst>
-    <dgm:linClrLst meth="repeat">
-      <a:schemeClr val="dk1">
-        <a:alpha val="0"/>
-      </a:schemeClr>
-    </dgm:linClrLst>
-    <dgm:effectClrLst/>
-    <dgm:txLinClrLst/>
-    <dgm:txFillClrLst meth="repeat">
-      <a:schemeClr val="tx1"/>
-    </dgm:txFillClrLst>
-    <dgm:txEffectClrLst/>
-  </dgm:styleLbl>
-</dgm:colorsDef>
-</file>
-
-<file path=ppt/diagrams/colors8.xml><?xml version="1.0" encoding="utf-8"?>
 <dgm:colorsDef xmlns:dgm="http://schemas.openxmlformats.org/drawingml/2006/diagram" xmlns:a="http://schemas.openxmlformats.org/drawingml/2006/main" uniqueId="urn:microsoft.com/office/officeart/2005/8/colors/colorful4">
   <dgm:title val=""/>
   <dgm:desc val=""/>
@@ -6648,13 +5869,13 @@
     </dgm:pt>
   </dgm:ptLst>
   <dgm:cxnLst>
+    <dgm:cxn modelId="{65452028-CCB2-4C39-80F6-9F63CEE510A3}" srcId="{5BBD144F-EDB7-4D37-AB11-FB6CBE6A9061}" destId="{9BD78C4C-190E-43E2-A33C-867CFF7E0108}" srcOrd="0" destOrd="0" parTransId="{9F5BA076-47BB-4162-BA4A-B1631F77914E}" sibTransId="{D6D7934D-3F5E-4203-8BB5-7E029A0190FA}"/>
+    <dgm:cxn modelId="{946702DD-31B2-409C-8299-B0E4455B8327}" type="presOf" srcId="{FB66124C-C4BE-43AD-ACC2-3C5A220DA489}" destId="{6B2B811E-31C0-4AC0-9826-C96A7A5F9EF6}" srcOrd="0" destOrd="0" presId="urn:microsoft.com/office/officeart/2005/8/layout/target1"/>
     <dgm:cxn modelId="{45E22D10-85F3-49E4-BFA6-2CF471A7B926}" type="presOf" srcId="{9BD78C4C-190E-43E2-A33C-867CFF7E0108}" destId="{571000E2-02BC-4ED0-B666-6DF91868C539}" srcOrd="0" destOrd="0" presId="urn:microsoft.com/office/officeart/2005/8/layout/target1"/>
     <dgm:cxn modelId="{1D29C9DF-17E0-4BEE-815A-A3281B11001F}" srcId="{5BBD144F-EDB7-4D37-AB11-FB6CBE6A9061}" destId="{FB66124C-C4BE-43AD-ACC2-3C5A220DA489}" srcOrd="1" destOrd="0" parTransId="{81AE0E8C-DFD7-47AE-9670-71700C96164E}" sibTransId="{88D59A35-645D-418D-B32D-CC098248E67B}"/>
+    <dgm:cxn modelId="{2D092A37-FE64-4D89-A73F-2B43A1665038}" type="presOf" srcId="{CEAF5983-98C2-4893-8EFF-AE5EC4884031}" destId="{DF248E4E-6A11-4CB5-9958-8EF53C8F1C80}" srcOrd="0" destOrd="0" presId="urn:microsoft.com/office/officeart/2005/8/layout/target1"/>
     <dgm:cxn modelId="{8449FC41-AC7B-4A21-A60D-4E4B715B941D}" srcId="{5BBD144F-EDB7-4D37-AB11-FB6CBE6A9061}" destId="{CEAF5983-98C2-4893-8EFF-AE5EC4884031}" srcOrd="2" destOrd="0" parTransId="{B3389974-267C-4A72-80CA-A94B6BC63F05}" sibTransId="{2154803F-2C39-4610-932F-B00677609E80}"/>
-    <dgm:cxn modelId="{2D092A37-FE64-4D89-A73F-2B43A1665038}" type="presOf" srcId="{CEAF5983-98C2-4893-8EFF-AE5EC4884031}" destId="{DF248E4E-6A11-4CB5-9958-8EF53C8F1C80}" srcOrd="0" destOrd="0" presId="urn:microsoft.com/office/officeart/2005/8/layout/target1"/>
-    <dgm:cxn modelId="{65452028-CCB2-4C39-80F6-9F63CEE510A3}" srcId="{5BBD144F-EDB7-4D37-AB11-FB6CBE6A9061}" destId="{9BD78C4C-190E-43E2-A33C-867CFF7E0108}" srcOrd="0" destOrd="0" parTransId="{9F5BA076-47BB-4162-BA4A-B1631F77914E}" sibTransId="{D6D7934D-3F5E-4203-8BB5-7E029A0190FA}"/>
     <dgm:cxn modelId="{6244251C-1E0E-4278-97FB-D416A73CF977}" type="presOf" srcId="{5BBD144F-EDB7-4D37-AB11-FB6CBE6A9061}" destId="{C626F15A-0BF9-47A7-8D15-482C30F15C8B}" srcOrd="0" destOrd="0" presId="urn:microsoft.com/office/officeart/2005/8/layout/target1"/>
-    <dgm:cxn modelId="{946702DD-31B2-409C-8299-B0E4455B8327}" type="presOf" srcId="{FB66124C-C4BE-43AD-ACC2-3C5A220DA489}" destId="{6B2B811E-31C0-4AC0-9826-C96A7A5F9EF6}" srcOrd="0" destOrd="0" presId="urn:microsoft.com/office/officeart/2005/8/layout/target1"/>
     <dgm:cxn modelId="{20F239FF-3576-4A75-A5C2-8CEC5F11677E}" type="presParOf" srcId="{C626F15A-0BF9-47A7-8D15-482C30F15C8B}" destId="{1BC19443-7FEC-486E-B180-5D749C93945B}" srcOrd="0" destOrd="0" presId="urn:microsoft.com/office/officeart/2005/8/layout/target1"/>
     <dgm:cxn modelId="{6DA7968C-FFD2-49FD-BF54-8E0095F06A9F}" type="presParOf" srcId="{C626F15A-0BF9-47A7-8D15-482C30F15C8B}" destId="{571000E2-02BC-4ED0-B666-6DF91868C539}" srcOrd="1" destOrd="0" presId="urn:microsoft.com/office/officeart/2005/8/layout/target1"/>
     <dgm:cxn modelId="{304110CC-9737-43B2-B4B4-71B2DD90AD3C}" type="presParOf" srcId="{C626F15A-0BF9-47A7-8D15-482C30F15C8B}" destId="{64742CA8-C4BB-4309-B785-7E95FE2166C7}" srcOrd="2" destOrd="0" presId="urn:microsoft.com/office/officeart/2005/8/layout/target1"/>
@@ -6672,7 +5893,7 @@
   <dgm:whole/>
   <dgm:extLst>
     <a:ext uri="http://schemas.microsoft.com/office/drawing/2008/diagram">
-      <dsp:dataModelExt xmlns:dsp="http://schemas.microsoft.com/office/drawing/2008/diagram" xmlns="" relId="rId7" minVer="http://schemas.openxmlformats.org/drawingml/2006/diagram"/>
+      <dsp:dataModelExt xmlns:dsp="http://schemas.microsoft.com/office/drawing/2008/diagram" relId="rId7" minVer="http://schemas.openxmlformats.org/drawingml/2006/diagram"/>
     </a:ext>
   </dgm:extLst>
 </dgm:dataModel>
@@ -6978,15 +6199,15 @@
   </dgm:ptLst>
   <dgm:cxnLst>
     <dgm:cxn modelId="{1304E621-ACF0-4E51-AE8F-2BFE77DA17AD}" srcId="{D754D2C1-9DF5-4FF2-BE05-20E6A37CC757}" destId="{418DED1D-02E5-4C5A-9859-0FE51BBAED73}" srcOrd="0" destOrd="0" parTransId="{EC608244-6038-4A39-BA03-0612A84E3045}" sibTransId="{04A2839A-8A52-400F-A00D-3CAE08AD90D2}"/>
+    <dgm:cxn modelId="{377213EC-3EB9-4BB5-BF8D-D54EF91FA81A}" type="presOf" srcId="{B4F4317B-90E1-4DDF-9147-F44B69919347}" destId="{868364E9-716B-4496-88D5-445C2FD81732}" srcOrd="0" destOrd="0" presId="urn:microsoft.com/office/officeart/2005/8/layout/venn2"/>
+    <dgm:cxn modelId="{873368CD-65F2-4D7F-91AA-517576B2CAB4}" srcId="{D754D2C1-9DF5-4FF2-BE05-20E6A37CC757}" destId="{0B1830B9-2D25-40DF-B568-CACE783B999F}" srcOrd="2" destOrd="0" parTransId="{7AC58F20-2597-40E5-AFA2-D7183B5A98E0}" sibTransId="{24D2525D-62AB-4C5A-AC0C-3F13B99531B4}"/>
+    <dgm:cxn modelId="{74763E60-B754-4645-9730-C810F40F210B}" type="presOf" srcId="{B4F4317B-90E1-4DDF-9147-F44B69919347}" destId="{B16ECCED-D4FA-4ABD-B609-382A5372B2F3}" srcOrd="1" destOrd="0" presId="urn:microsoft.com/office/officeart/2005/8/layout/venn2"/>
+    <dgm:cxn modelId="{F787CC8D-A8CC-416F-B277-3E82EA29D85F}" srcId="{D754D2C1-9DF5-4FF2-BE05-20E6A37CC757}" destId="{B4F4317B-90E1-4DDF-9147-F44B69919347}" srcOrd="1" destOrd="0" parTransId="{5F51FD27-6CB3-48AC-883D-FCDE4757BA8F}" sibTransId="{2F090B34-294F-4023-9E71-BFABF900C267}"/>
+    <dgm:cxn modelId="{394FBF00-9717-43DA-A332-A5BCD9619B7B}" type="presOf" srcId="{418DED1D-02E5-4C5A-9859-0FE51BBAED73}" destId="{3B2AC09A-BE24-46BB-8DE9-AF756EB12A60}" srcOrd="1" destOrd="0" presId="urn:microsoft.com/office/officeart/2005/8/layout/venn2"/>
+    <dgm:cxn modelId="{A5B3536C-D0A7-4D22-BCFD-D4ED5E7BD13A}" type="presOf" srcId="{D754D2C1-9DF5-4FF2-BE05-20E6A37CC757}" destId="{281B0D8F-7440-4F56-B896-89DC14B52454}" srcOrd="0" destOrd="0" presId="urn:microsoft.com/office/officeart/2005/8/layout/venn2"/>
+    <dgm:cxn modelId="{3746C38F-ED0D-49C6-B825-C554F3653EB2}" type="presOf" srcId="{0B1830B9-2D25-40DF-B568-CACE783B999F}" destId="{AD687EF9-FA0E-4FBD-BF5B-C6F8F2CDE4EE}" srcOrd="1" destOrd="0" presId="urn:microsoft.com/office/officeart/2005/8/layout/venn2"/>
+    <dgm:cxn modelId="{2066C37C-47E2-4D9B-ABCF-8FB993341EFC}" type="presOf" srcId="{418DED1D-02E5-4C5A-9859-0FE51BBAED73}" destId="{D74DBE5B-8C89-4DF4-8080-D9A7A4FF23BD}" srcOrd="0" destOrd="0" presId="urn:microsoft.com/office/officeart/2005/8/layout/venn2"/>
     <dgm:cxn modelId="{E24F2EA7-2304-4C33-8E49-1C5C61C80831}" type="presOf" srcId="{0B1830B9-2D25-40DF-B568-CACE783B999F}" destId="{371AA96F-0E12-46BC-B3DD-1072FBD6DAB3}" srcOrd="0" destOrd="0" presId="urn:microsoft.com/office/officeart/2005/8/layout/venn2"/>
-    <dgm:cxn modelId="{3746C38F-ED0D-49C6-B825-C554F3653EB2}" type="presOf" srcId="{0B1830B9-2D25-40DF-B568-CACE783B999F}" destId="{AD687EF9-FA0E-4FBD-BF5B-C6F8F2CDE4EE}" srcOrd="1" destOrd="0" presId="urn:microsoft.com/office/officeart/2005/8/layout/venn2"/>
-    <dgm:cxn modelId="{873368CD-65F2-4D7F-91AA-517576B2CAB4}" srcId="{D754D2C1-9DF5-4FF2-BE05-20E6A37CC757}" destId="{0B1830B9-2D25-40DF-B568-CACE783B999F}" srcOrd="2" destOrd="0" parTransId="{7AC58F20-2597-40E5-AFA2-D7183B5A98E0}" sibTransId="{24D2525D-62AB-4C5A-AC0C-3F13B99531B4}"/>
-    <dgm:cxn modelId="{394FBF00-9717-43DA-A332-A5BCD9619B7B}" type="presOf" srcId="{418DED1D-02E5-4C5A-9859-0FE51BBAED73}" destId="{3B2AC09A-BE24-46BB-8DE9-AF756EB12A60}" srcOrd="1" destOrd="0" presId="urn:microsoft.com/office/officeart/2005/8/layout/venn2"/>
-    <dgm:cxn modelId="{74763E60-B754-4645-9730-C810F40F210B}" type="presOf" srcId="{B4F4317B-90E1-4DDF-9147-F44B69919347}" destId="{B16ECCED-D4FA-4ABD-B609-382A5372B2F3}" srcOrd="1" destOrd="0" presId="urn:microsoft.com/office/officeart/2005/8/layout/venn2"/>
-    <dgm:cxn modelId="{A5B3536C-D0A7-4D22-BCFD-D4ED5E7BD13A}" type="presOf" srcId="{D754D2C1-9DF5-4FF2-BE05-20E6A37CC757}" destId="{281B0D8F-7440-4F56-B896-89DC14B52454}" srcOrd="0" destOrd="0" presId="urn:microsoft.com/office/officeart/2005/8/layout/venn2"/>
-    <dgm:cxn modelId="{F787CC8D-A8CC-416F-B277-3E82EA29D85F}" srcId="{D754D2C1-9DF5-4FF2-BE05-20E6A37CC757}" destId="{B4F4317B-90E1-4DDF-9147-F44B69919347}" srcOrd="1" destOrd="0" parTransId="{5F51FD27-6CB3-48AC-883D-FCDE4757BA8F}" sibTransId="{2F090B34-294F-4023-9E71-BFABF900C267}"/>
-    <dgm:cxn modelId="{2066C37C-47E2-4D9B-ABCF-8FB993341EFC}" type="presOf" srcId="{418DED1D-02E5-4C5A-9859-0FE51BBAED73}" destId="{D74DBE5B-8C89-4DF4-8080-D9A7A4FF23BD}" srcOrd="0" destOrd="0" presId="urn:microsoft.com/office/officeart/2005/8/layout/venn2"/>
-    <dgm:cxn modelId="{377213EC-3EB9-4BB5-BF8D-D54EF91FA81A}" type="presOf" srcId="{B4F4317B-90E1-4DDF-9147-F44B69919347}" destId="{868364E9-716B-4496-88D5-445C2FD81732}" srcOrd="0" destOrd="0" presId="urn:microsoft.com/office/officeart/2005/8/layout/venn2"/>
     <dgm:cxn modelId="{9296D930-7357-4468-817A-332CEAE4C9B2}" type="presParOf" srcId="{281B0D8F-7440-4F56-B896-89DC14B52454}" destId="{B4B0D338-56C0-430C-88D1-4F7622AA594A}" srcOrd="0" destOrd="0" presId="urn:microsoft.com/office/officeart/2005/8/layout/venn2"/>
     <dgm:cxn modelId="{884E8FB0-6D7E-4D9A-82A3-A72B2258F668}" type="presParOf" srcId="{B4B0D338-56C0-430C-88D1-4F7622AA594A}" destId="{D74DBE5B-8C89-4DF4-8080-D9A7A4FF23BD}" srcOrd="0" destOrd="0" presId="urn:microsoft.com/office/officeart/2005/8/layout/venn2"/>
     <dgm:cxn modelId="{17F0014F-6B2A-4EA9-9033-B47B3975C9F7}" type="presParOf" srcId="{B4B0D338-56C0-430C-88D1-4F7622AA594A}" destId="{3B2AC09A-BE24-46BB-8DE9-AF756EB12A60}" srcOrd="1" destOrd="0" presId="urn:microsoft.com/office/officeart/2005/8/layout/venn2"/>
@@ -7001,7 +6222,7 @@
   <dgm:whole/>
   <dgm:extLst>
     <a:ext uri="http://schemas.microsoft.com/office/drawing/2008/diagram">
-      <dsp:dataModelExt xmlns:dsp="http://schemas.microsoft.com/office/drawing/2008/diagram" xmlns="" relId="rId8" minVer="http://schemas.openxmlformats.org/drawingml/2006/diagram"/>
+      <dsp:dataModelExt xmlns:dsp="http://schemas.microsoft.com/office/drawing/2008/diagram" relId="rId8" minVer="http://schemas.openxmlformats.org/drawingml/2006/diagram"/>
     </a:ext>
   </dgm:extLst>
 </dgm:dataModel>
@@ -7216,12 +6437,12 @@
   </dgm:ptLst>
   <dgm:cxnLst>
     <dgm:cxn modelId="{6B38A306-AC7A-43A7-8764-F28C8B50262A}" srcId="{51DD5040-62A9-4F2D-BF0C-3E31C0917CC3}" destId="{078DA177-EDDD-442A-A6B1-5B79EC1F7EB8}" srcOrd="1" destOrd="0" parTransId="{3D99C3E6-B937-461D-A9C2-0AF8A31B7FDD}" sibTransId="{21317B92-0922-4F68-847C-B68B7FA084FD}"/>
+    <dgm:cxn modelId="{9ABC47B2-1C62-434B-B175-A2FA357BA235}" type="presOf" srcId="{110EB5D1-921B-43C6-9B14-21D299037DE5}" destId="{6BF151F4-BC4C-41C3-A49F-3B511A639E1C}" srcOrd="0" destOrd="0" presId="urn:microsoft.com/office/officeart/2005/8/layout/hProcess9"/>
+    <dgm:cxn modelId="{C4BABE67-4F2B-4973-9EDF-5758EB2DDA56}" type="presOf" srcId="{DE21E4FA-A01D-49C0-A325-9ED21539C8E5}" destId="{9AF0C40C-4DA0-4C5B-82FD-652296918F14}" srcOrd="0" destOrd="0" presId="urn:microsoft.com/office/officeart/2005/8/layout/hProcess9"/>
     <dgm:cxn modelId="{DFD1BBA5-3532-465C-8F86-6618B8124843}" srcId="{51DD5040-62A9-4F2D-BF0C-3E31C0917CC3}" destId="{110EB5D1-921B-43C6-9B14-21D299037DE5}" srcOrd="2" destOrd="0" parTransId="{674B3FC1-2738-4D9B-89AD-7A52C004CEEE}" sibTransId="{2F1A1553-E5C3-4002-BF01-BCBA0BBA6168}"/>
     <dgm:cxn modelId="{6A7CD748-B60F-4021-AAA6-F4502735BC1B}" srcId="{51DD5040-62A9-4F2D-BF0C-3E31C0917CC3}" destId="{DE21E4FA-A01D-49C0-A325-9ED21539C8E5}" srcOrd="0" destOrd="0" parTransId="{613DBE02-7D9B-4FBF-8A66-7510D3C4F99F}" sibTransId="{5BA47005-0B79-403F-A138-C8A3D2A15990}"/>
-    <dgm:cxn modelId="{C4BABE67-4F2B-4973-9EDF-5758EB2DDA56}" type="presOf" srcId="{DE21E4FA-A01D-49C0-A325-9ED21539C8E5}" destId="{9AF0C40C-4DA0-4C5B-82FD-652296918F14}" srcOrd="0" destOrd="0" presId="urn:microsoft.com/office/officeart/2005/8/layout/hProcess9"/>
-    <dgm:cxn modelId="{9ABC47B2-1C62-434B-B175-A2FA357BA235}" type="presOf" srcId="{110EB5D1-921B-43C6-9B14-21D299037DE5}" destId="{6BF151F4-BC4C-41C3-A49F-3B511A639E1C}" srcOrd="0" destOrd="0" presId="urn:microsoft.com/office/officeart/2005/8/layout/hProcess9"/>
+    <dgm:cxn modelId="{3E1FE1C3-2A90-422A-8E28-43D5945B1190}" type="presOf" srcId="{078DA177-EDDD-442A-A6B1-5B79EC1F7EB8}" destId="{03E62B2F-9F01-4AC1-BF32-CFF95FFF49C5}" srcOrd="0" destOrd="0" presId="urn:microsoft.com/office/officeart/2005/8/layout/hProcess9"/>
     <dgm:cxn modelId="{D3769A39-EE40-402A-AA36-6F2123AEA293}" type="presOf" srcId="{51DD5040-62A9-4F2D-BF0C-3E31C0917CC3}" destId="{532CD1E5-85C0-4119-802C-99FB64197F38}" srcOrd="0" destOrd="0" presId="urn:microsoft.com/office/officeart/2005/8/layout/hProcess9"/>
-    <dgm:cxn modelId="{3E1FE1C3-2A90-422A-8E28-43D5945B1190}" type="presOf" srcId="{078DA177-EDDD-442A-A6B1-5B79EC1F7EB8}" destId="{03E62B2F-9F01-4AC1-BF32-CFF95FFF49C5}" srcOrd="0" destOrd="0" presId="urn:microsoft.com/office/officeart/2005/8/layout/hProcess9"/>
     <dgm:cxn modelId="{C85AABA3-FB28-490B-A1F9-ED456A48F9BB}" type="presParOf" srcId="{532CD1E5-85C0-4119-802C-99FB64197F38}" destId="{FB50D3ED-BDD7-4EEE-9E56-7C30984AB99C}" srcOrd="0" destOrd="0" presId="urn:microsoft.com/office/officeart/2005/8/layout/hProcess9"/>
     <dgm:cxn modelId="{86A213E4-DEDA-4596-A65F-F89C155012C2}" type="presParOf" srcId="{532CD1E5-85C0-4119-802C-99FB64197F38}" destId="{9CF79521-28E6-469E-929C-679D22FE3E8E}" srcOrd="1" destOrd="0" presId="urn:microsoft.com/office/officeart/2005/8/layout/hProcess9"/>
     <dgm:cxn modelId="{EC4F07CA-539D-4027-AB72-55D8B5849FED}" type="presParOf" srcId="{9CF79521-28E6-469E-929C-679D22FE3E8E}" destId="{9AF0C40C-4DA0-4C5B-82FD-652296918F14}" srcOrd="0" destOrd="0" presId="urn:microsoft.com/office/officeart/2005/8/layout/hProcess9"/>
@@ -7234,7 +6455,7 @@
   <dgm:whole/>
   <dgm:extLst>
     <a:ext uri="http://schemas.microsoft.com/office/drawing/2008/diagram">
-      <dsp:dataModelExt xmlns:dsp="http://schemas.microsoft.com/office/drawing/2008/diagram" xmlns="" relId="rId7" minVer="http://schemas.openxmlformats.org/drawingml/2006/diagram"/>
+      <dsp:dataModelExt xmlns:dsp="http://schemas.microsoft.com/office/drawing/2008/diagram" relId="rId7" minVer="http://schemas.openxmlformats.org/drawingml/2006/diagram"/>
     </a:ext>
   </dgm:extLst>
 </dgm:dataModel>
@@ -7451,10 +6672,10 @@
     <dgm:cxn modelId="{6B38A306-AC7A-43A7-8764-F28C8B50262A}" srcId="{51DD5040-62A9-4F2D-BF0C-3E31C0917CC3}" destId="{078DA177-EDDD-442A-A6B1-5B79EC1F7EB8}" srcOrd="1" destOrd="0" parTransId="{3D99C3E6-B937-461D-A9C2-0AF8A31B7FDD}" sibTransId="{21317B92-0922-4F68-847C-B68B7FA084FD}"/>
     <dgm:cxn modelId="{DFD1BBA5-3532-465C-8F86-6618B8124843}" srcId="{51DD5040-62A9-4F2D-BF0C-3E31C0917CC3}" destId="{110EB5D1-921B-43C6-9B14-21D299037DE5}" srcOrd="2" destOrd="0" parTransId="{674B3FC1-2738-4D9B-89AD-7A52C004CEEE}" sibTransId="{2F1A1553-E5C3-4002-BF01-BCBA0BBA6168}"/>
     <dgm:cxn modelId="{6A7CD748-B60F-4021-AAA6-F4502735BC1B}" srcId="{51DD5040-62A9-4F2D-BF0C-3E31C0917CC3}" destId="{DE21E4FA-A01D-49C0-A325-9ED21539C8E5}" srcOrd="0" destOrd="0" parTransId="{613DBE02-7D9B-4FBF-8A66-7510D3C4F99F}" sibTransId="{5BA47005-0B79-403F-A138-C8A3D2A15990}"/>
+    <dgm:cxn modelId="{DD78BAA3-ACA3-4E5E-878D-68E232F0635A}" type="presOf" srcId="{110EB5D1-921B-43C6-9B14-21D299037DE5}" destId="{6BF151F4-BC4C-41C3-A49F-3B511A639E1C}" srcOrd="0" destOrd="0" presId="urn:microsoft.com/office/officeart/2005/8/layout/hProcess9"/>
+    <dgm:cxn modelId="{58A8123A-01A2-4EC3-99DD-0BFED4DCCDEF}" type="presOf" srcId="{DE21E4FA-A01D-49C0-A325-9ED21539C8E5}" destId="{9AF0C40C-4DA0-4C5B-82FD-652296918F14}" srcOrd="0" destOrd="0" presId="urn:microsoft.com/office/officeart/2005/8/layout/hProcess9"/>
     <dgm:cxn modelId="{558814F3-54E7-4042-A4F3-48AE72E8C1F9}" type="presOf" srcId="{51DD5040-62A9-4F2D-BF0C-3E31C0917CC3}" destId="{532CD1E5-85C0-4119-802C-99FB64197F38}" srcOrd="0" destOrd="0" presId="urn:microsoft.com/office/officeart/2005/8/layout/hProcess9"/>
     <dgm:cxn modelId="{D84EE6D2-5617-4C18-A82A-C92B1A2E2B40}" type="presOf" srcId="{078DA177-EDDD-442A-A6B1-5B79EC1F7EB8}" destId="{03E62B2F-9F01-4AC1-BF32-CFF95FFF49C5}" srcOrd="0" destOrd="0" presId="urn:microsoft.com/office/officeart/2005/8/layout/hProcess9"/>
-    <dgm:cxn modelId="{DD78BAA3-ACA3-4E5E-878D-68E232F0635A}" type="presOf" srcId="{110EB5D1-921B-43C6-9B14-21D299037DE5}" destId="{6BF151F4-BC4C-41C3-A49F-3B511A639E1C}" srcOrd="0" destOrd="0" presId="urn:microsoft.com/office/officeart/2005/8/layout/hProcess9"/>
-    <dgm:cxn modelId="{58A8123A-01A2-4EC3-99DD-0BFED4DCCDEF}" type="presOf" srcId="{DE21E4FA-A01D-49C0-A325-9ED21539C8E5}" destId="{9AF0C40C-4DA0-4C5B-82FD-652296918F14}" srcOrd="0" destOrd="0" presId="urn:microsoft.com/office/officeart/2005/8/layout/hProcess9"/>
     <dgm:cxn modelId="{CC50FBAC-D746-4EA8-8D58-09B585826259}" type="presParOf" srcId="{532CD1E5-85C0-4119-802C-99FB64197F38}" destId="{FB50D3ED-BDD7-4EEE-9E56-7C30984AB99C}" srcOrd="0" destOrd="0" presId="urn:microsoft.com/office/officeart/2005/8/layout/hProcess9"/>
     <dgm:cxn modelId="{DD9E01B6-1FCA-44DD-B881-8FC14999BC1C}" type="presParOf" srcId="{532CD1E5-85C0-4119-802C-99FB64197F38}" destId="{9CF79521-28E6-469E-929C-679D22FE3E8E}" srcOrd="1" destOrd="0" presId="urn:microsoft.com/office/officeart/2005/8/layout/hProcess9"/>
     <dgm:cxn modelId="{3E95149E-1165-4558-A44C-3813E4564397}" type="presParOf" srcId="{9CF79521-28E6-469E-929C-679D22FE3E8E}" destId="{9AF0C40C-4DA0-4C5B-82FD-652296918F14}" srcOrd="0" destOrd="0" presId="urn:microsoft.com/office/officeart/2005/8/layout/hProcess9"/>
@@ -7467,7 +6688,7 @@
   <dgm:whole/>
   <dgm:extLst>
     <a:ext uri="http://schemas.microsoft.com/office/drawing/2008/diagram">
-      <dsp:dataModelExt xmlns:dsp="http://schemas.microsoft.com/office/drawing/2008/diagram" xmlns="" relId="rId7" minVer="http://schemas.openxmlformats.org/drawingml/2006/diagram"/>
+      <dsp:dataModelExt xmlns:dsp="http://schemas.microsoft.com/office/drawing/2008/diagram" relId="rId7" minVer="http://schemas.openxmlformats.org/drawingml/2006/diagram"/>
     </a:ext>
   </dgm:extLst>
 </dgm:dataModel>
@@ -7492,7 +6713,14 @@
               <a:latin typeface="微软雅黑" pitchFamily="34" charset="-122"/>
               <a:ea typeface="微软雅黑" pitchFamily="34" charset="-122"/>
             </a:rPr>
-            <a:t>高级体验</a:t>
+            <a:t>基本</a:t>
+          </a:r>
+          <a:r>
+            <a:rPr lang="zh-CN" altLang="en-US" sz="2800" dirty="0" smtClean="0">
+              <a:latin typeface="微软雅黑" pitchFamily="34" charset="-122"/>
+              <a:ea typeface="微软雅黑" pitchFamily="34" charset="-122"/>
+            </a:rPr>
+            <a:t>体验</a:t>
           </a:r>
           <a:endParaRPr lang="zh-CN" altLang="en-US" sz="2800" dirty="0">
             <a:latin typeface="微软雅黑" pitchFamily="34" charset="-122"/>
@@ -7535,7 +6763,14 @@
               <a:latin typeface="微软雅黑" pitchFamily="34" charset="-122"/>
               <a:ea typeface="微软雅黑" pitchFamily="34" charset="-122"/>
             </a:rPr>
-            <a:t>基本体验</a:t>
+            <a:t>降级</a:t>
+          </a:r>
+          <a:r>
+            <a:rPr lang="zh-CN" altLang="en-US" sz="2800" dirty="0" smtClean="0">
+              <a:latin typeface="微软雅黑" pitchFamily="34" charset="-122"/>
+              <a:ea typeface="微软雅黑" pitchFamily="34" charset="-122"/>
+            </a:rPr>
+            <a:t>体验</a:t>
           </a:r>
           <a:endParaRPr lang="zh-CN" altLang="en-US" sz="2800" dirty="0">
             <a:latin typeface="微软雅黑" pitchFamily="34" charset="-122"/>
@@ -7619,10 +6854,10 @@
     </dgm:pt>
   </dgm:ptLst>
   <dgm:cxnLst>
+    <dgm:cxn modelId="{2076491E-11C1-46D4-A59F-468339F121E5}" type="presOf" srcId="{DE21E4FA-A01D-49C0-A325-9ED21539C8E5}" destId="{9AF0C40C-4DA0-4C5B-82FD-652296918F14}" srcOrd="0" destOrd="0" presId="urn:microsoft.com/office/officeart/2005/8/layout/hProcess9"/>
+    <dgm:cxn modelId="{63CAA0BB-8F15-4574-81F0-52674BB174E6}" type="presOf" srcId="{110EB5D1-921B-43C6-9B14-21D299037DE5}" destId="{6BF151F4-BC4C-41C3-A49F-3B511A639E1C}" srcOrd="0" destOrd="0" presId="urn:microsoft.com/office/officeart/2005/8/layout/hProcess9"/>
     <dgm:cxn modelId="{DFD1BBA5-3532-465C-8F86-6618B8124843}" srcId="{51DD5040-62A9-4F2D-BF0C-3E31C0917CC3}" destId="{110EB5D1-921B-43C6-9B14-21D299037DE5}" srcOrd="1" destOrd="0" parTransId="{674B3FC1-2738-4D9B-89AD-7A52C004CEEE}" sibTransId="{2F1A1553-E5C3-4002-BF01-BCBA0BBA6168}"/>
     <dgm:cxn modelId="{6A7CD748-B60F-4021-AAA6-F4502735BC1B}" srcId="{51DD5040-62A9-4F2D-BF0C-3E31C0917CC3}" destId="{DE21E4FA-A01D-49C0-A325-9ED21539C8E5}" srcOrd="0" destOrd="0" parTransId="{613DBE02-7D9B-4FBF-8A66-7510D3C4F99F}" sibTransId="{5BA47005-0B79-403F-A138-C8A3D2A15990}"/>
-    <dgm:cxn modelId="{63CAA0BB-8F15-4574-81F0-52674BB174E6}" type="presOf" srcId="{110EB5D1-921B-43C6-9B14-21D299037DE5}" destId="{6BF151F4-BC4C-41C3-A49F-3B511A639E1C}" srcOrd="0" destOrd="0" presId="urn:microsoft.com/office/officeart/2005/8/layout/hProcess9"/>
-    <dgm:cxn modelId="{2076491E-11C1-46D4-A59F-468339F121E5}" type="presOf" srcId="{DE21E4FA-A01D-49C0-A325-9ED21539C8E5}" destId="{9AF0C40C-4DA0-4C5B-82FD-652296918F14}" srcOrd="0" destOrd="0" presId="urn:microsoft.com/office/officeart/2005/8/layout/hProcess9"/>
     <dgm:cxn modelId="{46917C83-F9F0-43C5-83BC-B68B735AADDF}" type="presOf" srcId="{51DD5040-62A9-4F2D-BF0C-3E31C0917CC3}" destId="{532CD1E5-85C0-4119-802C-99FB64197F38}" srcOrd="0" destOrd="0" presId="urn:microsoft.com/office/officeart/2005/8/layout/hProcess9"/>
     <dgm:cxn modelId="{F1169E94-9CD2-4161-A54F-01B4ECB4D7C1}" type="presParOf" srcId="{532CD1E5-85C0-4119-802C-99FB64197F38}" destId="{FB50D3ED-BDD7-4EEE-9E56-7C30984AB99C}" srcOrd="0" destOrd="0" presId="urn:microsoft.com/office/officeart/2005/8/layout/hProcess9"/>
     <dgm:cxn modelId="{3A39DA19-A5AF-41DD-BB76-3829EBE35158}" type="presParOf" srcId="{532CD1E5-85C0-4119-802C-99FB64197F38}" destId="{9CF79521-28E6-469E-929C-679D22FE3E8E}" srcOrd="1" destOrd="0" presId="urn:microsoft.com/office/officeart/2005/8/layout/hProcess9"/>
@@ -7634,7 +6869,7 @@
   <dgm:whole/>
   <dgm:extLst>
     <a:ext uri="http://schemas.microsoft.com/office/drawing/2008/diagram">
-      <dsp:dataModelExt xmlns:dsp="http://schemas.microsoft.com/office/drawing/2008/diagram" xmlns="" relId="rId7" minVer="http://schemas.openxmlformats.org/drawingml/2006/diagram"/>
+      <dsp:dataModelExt xmlns:dsp="http://schemas.microsoft.com/office/drawing/2008/diagram" relId="rId7" minVer="http://schemas.openxmlformats.org/drawingml/2006/diagram"/>
     </a:ext>
   </dgm:extLst>
 </dgm:dataModel>
@@ -7659,7 +6894,14 @@
               <a:latin typeface="微软雅黑" pitchFamily="34" charset="-122"/>
               <a:ea typeface="微软雅黑" pitchFamily="34" charset="-122"/>
             </a:rPr>
-            <a:t>高级体验</a:t>
+            <a:t>基本</a:t>
+          </a:r>
+          <a:r>
+            <a:rPr lang="zh-CN" altLang="en-US" sz="2800" dirty="0" smtClean="0">
+              <a:latin typeface="微软雅黑" pitchFamily="34" charset="-122"/>
+              <a:ea typeface="微软雅黑" pitchFamily="34" charset="-122"/>
+            </a:rPr>
+            <a:t>体验</a:t>
           </a:r>
           <a:endParaRPr lang="zh-CN" altLang="en-US" sz="2800" dirty="0">
             <a:latin typeface="微软雅黑" pitchFamily="34" charset="-122"/>
@@ -7702,7 +6944,14 @@
               <a:latin typeface="微软雅黑" pitchFamily="34" charset="-122"/>
               <a:ea typeface="微软雅黑" pitchFamily="34" charset="-122"/>
             </a:rPr>
-            <a:t>基本体验</a:t>
+            <a:t>降级</a:t>
+          </a:r>
+          <a:r>
+            <a:rPr lang="zh-CN" altLang="en-US" sz="2800" dirty="0" smtClean="0">
+              <a:latin typeface="微软雅黑" pitchFamily="34" charset="-122"/>
+              <a:ea typeface="微软雅黑" pitchFamily="34" charset="-122"/>
+            </a:rPr>
+            <a:t>体验</a:t>
           </a:r>
           <a:endParaRPr lang="zh-CN" altLang="en-US" sz="2800" dirty="0">
             <a:latin typeface="微软雅黑" pitchFamily="34" charset="-122"/>
@@ -7786,11 +7035,11 @@
     </dgm:pt>
   </dgm:ptLst>
   <dgm:cxnLst>
+    <dgm:cxn modelId="{DFD1BBA5-3532-465C-8F86-6618B8124843}" srcId="{51DD5040-62A9-4F2D-BF0C-3E31C0917CC3}" destId="{110EB5D1-921B-43C6-9B14-21D299037DE5}" srcOrd="1" destOrd="0" parTransId="{674B3FC1-2738-4D9B-89AD-7A52C004CEEE}" sibTransId="{2F1A1553-E5C3-4002-BF01-BCBA0BBA6168}"/>
+    <dgm:cxn modelId="{CD7FA66E-7253-44AE-807F-D288D01E0E08}" type="presOf" srcId="{DE21E4FA-A01D-49C0-A325-9ED21539C8E5}" destId="{9AF0C40C-4DA0-4C5B-82FD-652296918F14}" srcOrd="0" destOrd="0" presId="urn:microsoft.com/office/officeart/2005/8/layout/hProcess9"/>
     <dgm:cxn modelId="{767DFCCA-DB34-4454-86F4-1040F861A595}" type="presOf" srcId="{51DD5040-62A9-4F2D-BF0C-3E31C0917CC3}" destId="{532CD1E5-85C0-4119-802C-99FB64197F38}" srcOrd="0" destOrd="0" presId="urn:microsoft.com/office/officeart/2005/8/layout/hProcess9"/>
-    <dgm:cxn modelId="{DFD1BBA5-3532-465C-8F86-6618B8124843}" srcId="{51DD5040-62A9-4F2D-BF0C-3E31C0917CC3}" destId="{110EB5D1-921B-43C6-9B14-21D299037DE5}" srcOrd="1" destOrd="0" parTransId="{674B3FC1-2738-4D9B-89AD-7A52C004CEEE}" sibTransId="{2F1A1553-E5C3-4002-BF01-BCBA0BBA6168}"/>
+    <dgm:cxn modelId="{454E9E32-4C15-4589-9FEB-A2C14B99C787}" type="presOf" srcId="{110EB5D1-921B-43C6-9B14-21D299037DE5}" destId="{6BF151F4-BC4C-41C3-A49F-3B511A639E1C}" srcOrd="0" destOrd="0" presId="urn:microsoft.com/office/officeart/2005/8/layout/hProcess9"/>
     <dgm:cxn modelId="{6A7CD748-B60F-4021-AAA6-F4502735BC1B}" srcId="{51DD5040-62A9-4F2D-BF0C-3E31C0917CC3}" destId="{DE21E4FA-A01D-49C0-A325-9ED21539C8E5}" srcOrd="0" destOrd="0" parTransId="{613DBE02-7D9B-4FBF-8A66-7510D3C4F99F}" sibTransId="{5BA47005-0B79-403F-A138-C8A3D2A15990}"/>
-    <dgm:cxn modelId="{454E9E32-4C15-4589-9FEB-A2C14B99C787}" type="presOf" srcId="{110EB5D1-921B-43C6-9B14-21D299037DE5}" destId="{6BF151F4-BC4C-41C3-A49F-3B511A639E1C}" srcOrd="0" destOrd="0" presId="urn:microsoft.com/office/officeart/2005/8/layout/hProcess9"/>
-    <dgm:cxn modelId="{CD7FA66E-7253-44AE-807F-D288D01E0E08}" type="presOf" srcId="{DE21E4FA-A01D-49C0-A325-9ED21539C8E5}" destId="{9AF0C40C-4DA0-4C5B-82FD-652296918F14}" srcOrd="0" destOrd="0" presId="urn:microsoft.com/office/officeart/2005/8/layout/hProcess9"/>
     <dgm:cxn modelId="{B64E6EB6-433E-4278-852E-A22D7DD8F440}" type="presParOf" srcId="{532CD1E5-85C0-4119-802C-99FB64197F38}" destId="{FB50D3ED-BDD7-4EEE-9E56-7C30984AB99C}" srcOrd="0" destOrd="0" presId="urn:microsoft.com/office/officeart/2005/8/layout/hProcess9"/>
     <dgm:cxn modelId="{D19FF9EA-9EA8-4EAE-8F16-23B20FCB3CF2}" type="presParOf" srcId="{532CD1E5-85C0-4119-802C-99FB64197F38}" destId="{9CF79521-28E6-469E-929C-679D22FE3E8E}" srcOrd="1" destOrd="0" presId="urn:microsoft.com/office/officeart/2005/8/layout/hProcess9"/>
     <dgm:cxn modelId="{13AA7E50-086A-4DF7-B2E9-763FB3772A8D}" type="presParOf" srcId="{9CF79521-28E6-469E-929C-679D22FE3E8E}" destId="{9AF0C40C-4DA0-4C5B-82FD-652296918F14}" srcOrd="0" destOrd="0" presId="urn:microsoft.com/office/officeart/2005/8/layout/hProcess9"/>
@@ -7801,180 +7050,13 @@
   <dgm:whole/>
   <dgm:extLst>
     <a:ext uri="http://schemas.microsoft.com/office/drawing/2008/diagram">
-      <dsp:dataModelExt xmlns:dsp="http://schemas.microsoft.com/office/drawing/2008/diagram" xmlns="" relId="rId7" minVer="http://schemas.openxmlformats.org/drawingml/2006/diagram"/>
+      <dsp:dataModelExt xmlns:dsp="http://schemas.microsoft.com/office/drawing/2008/diagram" relId="rId7" minVer="http://schemas.openxmlformats.org/drawingml/2006/diagram"/>
     </a:ext>
   </dgm:extLst>
 </dgm:dataModel>
 </file>
 
 <file path=ppt/diagrams/data7.xml><?xml version="1.0" encoding="utf-8"?>
-<dgm:dataModel xmlns:dgm="http://schemas.openxmlformats.org/drawingml/2006/diagram" xmlns:a="http://schemas.openxmlformats.org/drawingml/2006/main">
-  <dgm:ptLst>
-    <dgm:pt modelId="{51DD5040-62A9-4F2D-BF0C-3E31C0917CC3}" type="doc">
-      <dgm:prSet loTypeId="urn:microsoft.com/office/officeart/2005/8/layout/hProcess9" loCatId="process" qsTypeId="urn:microsoft.com/office/officeart/2005/8/quickstyle/simple3" qsCatId="simple" csTypeId="urn:microsoft.com/office/officeart/2005/8/colors/colorful2" csCatId="colorful" phldr="1"/>
-      <dgm:spPr/>
-    </dgm:pt>
-    <dgm:pt modelId="{DE21E4FA-A01D-49C0-A325-9ED21539C8E5}">
-      <dgm:prSet phldrT="[Text]" custT="1"/>
-      <dgm:spPr/>
-      <dgm:t>
-        <a:bodyPr/>
-        <a:lstStyle/>
-        <a:p>
-          <a:r>
-            <a:rPr lang="zh-CN" altLang="en-US" sz="1800" dirty="0" smtClean="0">
-              <a:latin typeface="微软雅黑" pitchFamily="34" charset="-122"/>
-              <a:ea typeface="微软雅黑" pitchFamily="34" charset="-122"/>
-            </a:rPr>
-            <a:t>高级体验</a:t>
-          </a:r>
-          <a:endParaRPr lang="zh-CN" altLang="en-US" sz="1800" dirty="0">
-            <a:latin typeface="微软雅黑" pitchFamily="34" charset="-122"/>
-            <a:ea typeface="微软雅黑" pitchFamily="34" charset="-122"/>
-          </a:endParaRPr>
-        </a:p>
-      </dgm:t>
-    </dgm:pt>
-    <dgm:pt modelId="{613DBE02-7D9B-4FBF-8A66-7510D3C4F99F}" type="parTrans" cxnId="{6A7CD748-B60F-4021-AAA6-F4502735BC1B}">
-      <dgm:prSet/>
-      <dgm:spPr/>
-      <dgm:t>
-        <a:bodyPr/>
-        <a:lstStyle/>
-        <a:p>
-          <a:endParaRPr lang="zh-CN" altLang="en-US"/>
-        </a:p>
-      </dgm:t>
-    </dgm:pt>
-    <dgm:pt modelId="{5BA47005-0B79-403F-A138-C8A3D2A15990}" type="sibTrans" cxnId="{6A7CD748-B60F-4021-AAA6-F4502735BC1B}">
-      <dgm:prSet/>
-      <dgm:spPr/>
-      <dgm:t>
-        <a:bodyPr/>
-        <a:lstStyle/>
-        <a:p>
-          <a:endParaRPr lang="zh-CN" altLang="en-US"/>
-        </a:p>
-      </dgm:t>
-    </dgm:pt>
-    <dgm:pt modelId="{110EB5D1-921B-43C6-9B14-21D299037DE5}">
-      <dgm:prSet phldrT="[Text]" custT="1"/>
-      <dgm:spPr/>
-      <dgm:t>
-        <a:bodyPr/>
-        <a:lstStyle/>
-        <a:p>
-          <a:r>
-            <a:rPr lang="zh-CN" altLang="en-US" sz="1800" dirty="0" smtClean="0">
-              <a:latin typeface="微软雅黑" pitchFamily="34" charset="-122"/>
-              <a:ea typeface="微软雅黑" pitchFamily="34" charset="-122"/>
-            </a:rPr>
-            <a:t>基本体验</a:t>
-          </a:r>
-          <a:endParaRPr lang="zh-CN" altLang="en-US" sz="1800" dirty="0">
-            <a:latin typeface="微软雅黑" pitchFamily="34" charset="-122"/>
-            <a:ea typeface="微软雅黑" pitchFamily="34" charset="-122"/>
-          </a:endParaRPr>
-        </a:p>
-      </dgm:t>
-    </dgm:pt>
-    <dgm:pt modelId="{674B3FC1-2738-4D9B-89AD-7A52C004CEEE}" type="parTrans" cxnId="{DFD1BBA5-3532-465C-8F86-6618B8124843}">
-      <dgm:prSet/>
-      <dgm:spPr/>
-      <dgm:t>
-        <a:bodyPr/>
-        <a:lstStyle/>
-        <a:p>
-          <a:endParaRPr lang="zh-CN" altLang="en-US"/>
-        </a:p>
-      </dgm:t>
-    </dgm:pt>
-    <dgm:pt modelId="{2F1A1553-E5C3-4002-BF01-BCBA0BBA6168}" type="sibTrans" cxnId="{DFD1BBA5-3532-465C-8F86-6618B8124843}">
-      <dgm:prSet/>
-      <dgm:spPr/>
-      <dgm:t>
-        <a:bodyPr/>
-        <a:lstStyle/>
-        <a:p>
-          <a:endParaRPr lang="zh-CN" altLang="en-US"/>
-        </a:p>
-      </dgm:t>
-    </dgm:pt>
-    <dgm:pt modelId="{532CD1E5-85C0-4119-802C-99FB64197F38}" type="pres">
-      <dgm:prSet presAssocID="{51DD5040-62A9-4F2D-BF0C-3E31C0917CC3}" presName="CompostProcess" presStyleCnt="0">
-        <dgm:presLayoutVars>
-          <dgm:dir/>
-          <dgm:resizeHandles val="exact"/>
-        </dgm:presLayoutVars>
-      </dgm:prSet>
-      <dgm:spPr/>
-    </dgm:pt>
-    <dgm:pt modelId="{FB50D3ED-BDD7-4EEE-9E56-7C30984AB99C}" type="pres">
-      <dgm:prSet presAssocID="{51DD5040-62A9-4F2D-BF0C-3E31C0917CC3}" presName="arrow" presStyleLbl="bgShp" presStyleIdx="0" presStyleCnt="1"/>
-      <dgm:spPr/>
-    </dgm:pt>
-    <dgm:pt modelId="{9CF79521-28E6-469E-929C-679D22FE3E8E}" type="pres">
-      <dgm:prSet presAssocID="{51DD5040-62A9-4F2D-BF0C-3E31C0917CC3}" presName="linearProcess" presStyleCnt="0"/>
-      <dgm:spPr/>
-    </dgm:pt>
-    <dgm:pt modelId="{9AF0C40C-4DA0-4C5B-82FD-652296918F14}" type="pres">
-      <dgm:prSet presAssocID="{DE21E4FA-A01D-49C0-A325-9ED21539C8E5}" presName="textNode" presStyleLbl="node1" presStyleIdx="0" presStyleCnt="2" custScaleX="90976" custScaleY="65854" custLinFactX="-6148" custLinFactNeighborX="-100000" custLinFactNeighborY="-1">
-        <dgm:presLayoutVars>
-          <dgm:bulletEnabled val="1"/>
-        </dgm:presLayoutVars>
-      </dgm:prSet>
-      <dgm:spPr/>
-      <dgm:t>
-        <a:bodyPr/>
-        <a:lstStyle/>
-        <a:p>
-          <a:endParaRPr lang="zh-CN" altLang="en-US"/>
-        </a:p>
-      </dgm:t>
-    </dgm:pt>
-    <dgm:pt modelId="{7C76BD28-FFFE-4BE4-A538-AE7681DC98F7}" type="pres">
-      <dgm:prSet presAssocID="{5BA47005-0B79-403F-A138-C8A3D2A15990}" presName="sibTrans" presStyleCnt="0"/>
-      <dgm:spPr/>
-    </dgm:pt>
-    <dgm:pt modelId="{6BF151F4-BC4C-41C3-A49F-3B511A639E1C}" type="pres">
-      <dgm:prSet presAssocID="{110EB5D1-921B-43C6-9B14-21D299037DE5}" presName="textNode" presStyleLbl="node1" presStyleIdx="1" presStyleCnt="2" custScaleX="83070" custScaleY="65856" custLinFactNeighborX="-74018" custLinFactNeighborY="-2556">
-        <dgm:presLayoutVars>
-          <dgm:bulletEnabled val="1"/>
-        </dgm:presLayoutVars>
-      </dgm:prSet>
-      <dgm:spPr/>
-      <dgm:t>
-        <a:bodyPr/>
-        <a:lstStyle/>
-        <a:p>
-          <a:endParaRPr lang="zh-CN" altLang="en-US"/>
-        </a:p>
-      </dgm:t>
-    </dgm:pt>
-  </dgm:ptLst>
-  <dgm:cxnLst>
-    <dgm:cxn modelId="{FE5A989C-434B-4954-8E9A-9830D8CA996C}" type="presOf" srcId="{DE21E4FA-A01D-49C0-A325-9ED21539C8E5}" destId="{9AF0C40C-4DA0-4C5B-82FD-652296918F14}" srcOrd="0" destOrd="0" presId="urn:microsoft.com/office/officeart/2005/8/layout/hProcess9"/>
-    <dgm:cxn modelId="{DFD1BBA5-3532-465C-8F86-6618B8124843}" srcId="{51DD5040-62A9-4F2D-BF0C-3E31C0917CC3}" destId="{110EB5D1-921B-43C6-9B14-21D299037DE5}" srcOrd="1" destOrd="0" parTransId="{674B3FC1-2738-4D9B-89AD-7A52C004CEEE}" sibTransId="{2F1A1553-E5C3-4002-BF01-BCBA0BBA6168}"/>
-    <dgm:cxn modelId="{6A7CD748-B60F-4021-AAA6-F4502735BC1B}" srcId="{51DD5040-62A9-4F2D-BF0C-3E31C0917CC3}" destId="{DE21E4FA-A01D-49C0-A325-9ED21539C8E5}" srcOrd="0" destOrd="0" parTransId="{613DBE02-7D9B-4FBF-8A66-7510D3C4F99F}" sibTransId="{5BA47005-0B79-403F-A138-C8A3D2A15990}"/>
-    <dgm:cxn modelId="{00A16D1E-5A96-4850-95D1-64470755BACE}" type="presOf" srcId="{51DD5040-62A9-4F2D-BF0C-3E31C0917CC3}" destId="{532CD1E5-85C0-4119-802C-99FB64197F38}" srcOrd="0" destOrd="0" presId="urn:microsoft.com/office/officeart/2005/8/layout/hProcess9"/>
-    <dgm:cxn modelId="{0E295659-C94C-4ACE-9457-0ED58E9D0B5E}" type="presOf" srcId="{110EB5D1-921B-43C6-9B14-21D299037DE5}" destId="{6BF151F4-BC4C-41C3-A49F-3B511A639E1C}" srcOrd="0" destOrd="0" presId="urn:microsoft.com/office/officeart/2005/8/layout/hProcess9"/>
-    <dgm:cxn modelId="{5850A7DA-E3B3-455C-AC3D-3CF8ED2E60F9}" type="presParOf" srcId="{532CD1E5-85C0-4119-802C-99FB64197F38}" destId="{FB50D3ED-BDD7-4EEE-9E56-7C30984AB99C}" srcOrd="0" destOrd="0" presId="urn:microsoft.com/office/officeart/2005/8/layout/hProcess9"/>
-    <dgm:cxn modelId="{E3394075-BAB0-4ABC-BF8C-DD146D967F5B}" type="presParOf" srcId="{532CD1E5-85C0-4119-802C-99FB64197F38}" destId="{9CF79521-28E6-469E-929C-679D22FE3E8E}" srcOrd="1" destOrd="0" presId="urn:microsoft.com/office/officeart/2005/8/layout/hProcess9"/>
-    <dgm:cxn modelId="{F2F9E73A-3400-43C0-92FF-DDF427BE7BEA}" type="presParOf" srcId="{9CF79521-28E6-469E-929C-679D22FE3E8E}" destId="{9AF0C40C-4DA0-4C5B-82FD-652296918F14}" srcOrd="0" destOrd="0" presId="urn:microsoft.com/office/officeart/2005/8/layout/hProcess9"/>
-    <dgm:cxn modelId="{05BD4893-F106-42FD-9695-09C382EC2A3E}" type="presParOf" srcId="{9CF79521-28E6-469E-929C-679D22FE3E8E}" destId="{7C76BD28-FFFE-4BE4-A538-AE7681DC98F7}" srcOrd="1" destOrd="0" presId="urn:microsoft.com/office/officeart/2005/8/layout/hProcess9"/>
-    <dgm:cxn modelId="{C24D3483-0A1A-42D0-BE8D-976552CE8E0D}" type="presParOf" srcId="{9CF79521-28E6-469E-929C-679D22FE3E8E}" destId="{6BF151F4-BC4C-41C3-A49F-3B511A639E1C}" srcOrd="2" destOrd="0" presId="urn:microsoft.com/office/officeart/2005/8/layout/hProcess9"/>
-  </dgm:cxnLst>
-  <dgm:bg/>
-  <dgm:whole/>
-  <dgm:extLst>
-    <a:ext uri="http://schemas.microsoft.com/office/drawing/2008/diagram">
-      <dsp:dataModelExt xmlns:dsp="http://schemas.microsoft.com/office/drawing/2008/diagram" xmlns="" relId="rId7" minVer="http://schemas.openxmlformats.org/drawingml/2006/diagram"/>
-    </a:ext>
-  </dgm:extLst>
-</dgm:dataModel>
-</file>
-
-<file path=ppt/diagrams/data8.xml><?xml version="1.0" encoding="utf-8"?>
 <dgm:dataModel xmlns:dgm="http://schemas.openxmlformats.org/drawingml/2006/diagram" xmlns:a="http://schemas.openxmlformats.org/drawingml/2006/main">
   <dgm:ptLst>
     <dgm:pt modelId="{D754D2C1-9DF5-4FF2-BE05-20E6A37CC757}" type="doc">
@@ -8246,38 +7328,38 @@
     </dgm:pt>
   </dgm:ptLst>
   <dgm:cxnLst>
-    <dgm:cxn modelId="{DDBD70B9-59DB-4F48-B735-0443C9F486A6}" type="presOf" srcId="{B4F4317B-90E1-4DDF-9147-F44B69919347}" destId="{868364E9-716B-4496-88D5-445C2FD81732}" srcOrd="0" destOrd="0" presId="urn:microsoft.com/office/officeart/2005/8/layout/venn2"/>
-    <dgm:cxn modelId="{C0FA369D-204C-4148-B180-F5F516AFEA87}" type="presOf" srcId="{B4F4317B-90E1-4DDF-9147-F44B69919347}" destId="{B16ECCED-D4FA-4ABD-B609-382A5372B2F3}" srcOrd="1" destOrd="0" presId="urn:microsoft.com/office/officeart/2005/8/layout/venn2"/>
-    <dgm:cxn modelId="{6A75023D-87B3-4845-A994-0AC6D44B8E15}" type="presOf" srcId="{418DED1D-02E5-4C5A-9859-0FE51BBAED73}" destId="{3B2AC09A-BE24-46BB-8DE9-AF756EB12A60}" srcOrd="1" destOrd="0" presId="urn:microsoft.com/office/officeart/2005/8/layout/venn2"/>
-    <dgm:cxn modelId="{AE232B55-E491-456B-A254-DF00DA5D5A77}" type="presOf" srcId="{0B1830B9-2D25-40DF-B568-CACE783B999F}" destId="{371AA96F-0E12-46BC-B3DD-1072FBD6DAB3}" srcOrd="0" destOrd="0" presId="urn:microsoft.com/office/officeart/2005/8/layout/venn2"/>
+    <dgm:cxn modelId="{76785D23-FC0A-3543-B52E-C8405C649490}" type="presOf" srcId="{B4F4317B-90E1-4DDF-9147-F44B69919347}" destId="{868364E9-716B-4496-88D5-445C2FD81732}" srcOrd="0" destOrd="0" presId="urn:microsoft.com/office/officeart/2005/8/layout/venn2"/>
     <dgm:cxn modelId="{1304E621-ACF0-4E51-AE8F-2BFE77DA17AD}" srcId="{D754D2C1-9DF5-4FF2-BE05-20E6A37CC757}" destId="{418DED1D-02E5-4C5A-9859-0FE51BBAED73}" srcOrd="0" destOrd="0" parTransId="{EC608244-6038-4A39-BA03-0612A84E3045}" sibTransId="{04A2839A-8A52-400F-A00D-3CAE08AD90D2}"/>
+    <dgm:cxn modelId="{C3962792-1D43-4F41-BCD5-B3D46BEFB776}" type="presOf" srcId="{D754D2C1-9DF5-4FF2-BE05-20E6A37CC757}" destId="{281B0D8F-7440-4F56-B896-89DC14B52454}" srcOrd="0" destOrd="0" presId="urn:microsoft.com/office/officeart/2005/8/layout/venn2"/>
+    <dgm:cxn modelId="{07CE6DF8-893B-D042-B20B-0C0A08F63DAB}" type="presOf" srcId="{418DED1D-02E5-4C5A-9859-0FE51BBAED73}" destId="{3B2AC09A-BE24-46BB-8DE9-AF756EB12A60}" srcOrd="1" destOrd="0" presId="urn:microsoft.com/office/officeart/2005/8/layout/venn2"/>
+    <dgm:cxn modelId="{873368CD-65F2-4D7F-91AA-517576B2CAB4}" srcId="{D754D2C1-9DF5-4FF2-BE05-20E6A37CC757}" destId="{0B1830B9-2D25-40DF-B568-CACE783B999F}" srcOrd="2" destOrd="0" parTransId="{7AC58F20-2597-40E5-AFA2-D7183B5A98E0}" sibTransId="{24D2525D-62AB-4C5A-AC0C-3F13B99531B4}"/>
+    <dgm:cxn modelId="{02D17AC3-A74B-CD4F-905A-81461CC7F84E}" type="presOf" srcId="{0B1830B9-2D25-40DF-B568-CACE783B999F}" destId="{371AA96F-0E12-46BC-B3DD-1072FBD6DAB3}" srcOrd="0" destOrd="0" presId="urn:microsoft.com/office/officeart/2005/8/layout/venn2"/>
     <dgm:cxn modelId="{F787CC8D-A8CC-416F-B277-3E82EA29D85F}" srcId="{D754D2C1-9DF5-4FF2-BE05-20E6A37CC757}" destId="{B4F4317B-90E1-4DDF-9147-F44B69919347}" srcOrd="1" destOrd="0" parTransId="{5F51FD27-6CB3-48AC-883D-FCDE4757BA8F}" sibTransId="{2F090B34-294F-4023-9E71-BFABF900C267}"/>
-    <dgm:cxn modelId="{A752C7AE-4C74-4B03-A783-398A1783B8F7}" type="presOf" srcId="{D754D2C1-9DF5-4FF2-BE05-20E6A37CC757}" destId="{281B0D8F-7440-4F56-B896-89DC14B52454}" srcOrd="0" destOrd="0" presId="urn:microsoft.com/office/officeart/2005/8/layout/venn2"/>
-    <dgm:cxn modelId="{EE87FF07-D642-40AC-A73E-6BC99EE50D36}" type="presOf" srcId="{418DED1D-02E5-4C5A-9859-0FE51BBAED73}" destId="{D74DBE5B-8C89-4DF4-8080-D9A7A4FF23BD}" srcOrd="0" destOrd="0" presId="urn:microsoft.com/office/officeart/2005/8/layout/venn2"/>
-    <dgm:cxn modelId="{873368CD-65F2-4D7F-91AA-517576B2CAB4}" srcId="{D754D2C1-9DF5-4FF2-BE05-20E6A37CC757}" destId="{0B1830B9-2D25-40DF-B568-CACE783B999F}" srcOrd="2" destOrd="0" parTransId="{7AC58F20-2597-40E5-AFA2-D7183B5A98E0}" sibTransId="{24D2525D-62AB-4C5A-AC0C-3F13B99531B4}"/>
-    <dgm:cxn modelId="{8EC9CC44-F84E-4C8B-8EBA-BE4931F56D41}" type="presOf" srcId="{0B1830B9-2D25-40DF-B568-CACE783B999F}" destId="{AD687EF9-FA0E-4FBD-BF5B-C6F8F2CDE4EE}" srcOrd="1" destOrd="0" presId="urn:microsoft.com/office/officeart/2005/8/layout/venn2"/>
-    <dgm:cxn modelId="{C51BCB45-26D2-49F7-9A43-6FB1247E350F}" type="presParOf" srcId="{281B0D8F-7440-4F56-B896-89DC14B52454}" destId="{B4B0D338-56C0-430C-88D1-4F7622AA594A}" srcOrd="0" destOrd="0" presId="urn:microsoft.com/office/officeart/2005/8/layout/venn2"/>
-    <dgm:cxn modelId="{F36FA8FD-6BA4-4F58-8033-44996A393F40}" type="presParOf" srcId="{B4B0D338-56C0-430C-88D1-4F7622AA594A}" destId="{D74DBE5B-8C89-4DF4-8080-D9A7A4FF23BD}" srcOrd="0" destOrd="0" presId="urn:microsoft.com/office/officeart/2005/8/layout/venn2"/>
-    <dgm:cxn modelId="{90344CE3-2ADC-4252-A751-8D40FC0DBAFB}" type="presParOf" srcId="{B4B0D338-56C0-430C-88D1-4F7622AA594A}" destId="{3B2AC09A-BE24-46BB-8DE9-AF756EB12A60}" srcOrd="1" destOrd="0" presId="urn:microsoft.com/office/officeart/2005/8/layout/venn2"/>
-    <dgm:cxn modelId="{B3893DD6-A9AC-4726-AF3E-074C48B53BD6}" type="presParOf" srcId="{281B0D8F-7440-4F56-B896-89DC14B52454}" destId="{BA6B5155-F208-4838-A51C-F408F9DEE4D8}" srcOrd="1" destOrd="0" presId="urn:microsoft.com/office/officeart/2005/8/layout/venn2"/>
-    <dgm:cxn modelId="{01C697A6-082A-4750-990F-895549E2AC03}" type="presParOf" srcId="{BA6B5155-F208-4838-A51C-F408F9DEE4D8}" destId="{868364E9-716B-4496-88D5-445C2FD81732}" srcOrd="0" destOrd="0" presId="urn:microsoft.com/office/officeart/2005/8/layout/venn2"/>
-    <dgm:cxn modelId="{B637C3E5-7B91-44A8-A945-5D92503B1071}" type="presParOf" srcId="{BA6B5155-F208-4838-A51C-F408F9DEE4D8}" destId="{B16ECCED-D4FA-4ABD-B609-382A5372B2F3}" srcOrd="1" destOrd="0" presId="urn:microsoft.com/office/officeart/2005/8/layout/venn2"/>
-    <dgm:cxn modelId="{AAA8F2B7-88A4-4C59-9088-4E5D7463D90F}" type="presParOf" srcId="{281B0D8F-7440-4F56-B896-89DC14B52454}" destId="{B8C02D75-84C9-4D5E-AC40-69EA157458CA}" srcOrd="2" destOrd="0" presId="urn:microsoft.com/office/officeart/2005/8/layout/venn2"/>
-    <dgm:cxn modelId="{8D6EAD04-89E6-47C2-9888-DD2DE07ABAE9}" type="presParOf" srcId="{B8C02D75-84C9-4D5E-AC40-69EA157458CA}" destId="{371AA96F-0E12-46BC-B3DD-1072FBD6DAB3}" srcOrd="0" destOrd="0" presId="urn:microsoft.com/office/officeart/2005/8/layout/venn2"/>
-    <dgm:cxn modelId="{B5BDB04D-B479-4BE8-9ADE-5A7AF54A9B18}" type="presParOf" srcId="{B8C02D75-84C9-4D5E-AC40-69EA157458CA}" destId="{AD687EF9-FA0E-4FBD-BF5B-C6F8F2CDE4EE}" srcOrd="1" destOrd="0" presId="urn:microsoft.com/office/officeart/2005/8/layout/venn2"/>
+    <dgm:cxn modelId="{2B7DB1DB-5ADE-B447-86B4-D0EB5507477A}" type="presOf" srcId="{0B1830B9-2D25-40DF-B568-CACE783B999F}" destId="{AD687EF9-FA0E-4FBD-BF5B-C6F8F2CDE4EE}" srcOrd="1" destOrd="0" presId="urn:microsoft.com/office/officeart/2005/8/layout/venn2"/>
+    <dgm:cxn modelId="{02BDF2D0-961D-3B49-9CBC-113A3F34DBAA}" type="presOf" srcId="{B4F4317B-90E1-4DDF-9147-F44B69919347}" destId="{B16ECCED-D4FA-4ABD-B609-382A5372B2F3}" srcOrd="1" destOrd="0" presId="urn:microsoft.com/office/officeart/2005/8/layout/venn2"/>
+    <dgm:cxn modelId="{33378420-68D5-0341-8CAB-EAAA84CE6592}" type="presOf" srcId="{418DED1D-02E5-4C5A-9859-0FE51BBAED73}" destId="{D74DBE5B-8C89-4DF4-8080-D9A7A4FF23BD}" srcOrd="0" destOrd="0" presId="urn:microsoft.com/office/officeart/2005/8/layout/venn2"/>
+    <dgm:cxn modelId="{D64C8EAA-0BBC-6F4C-A8FC-46FD24A23181}" type="presParOf" srcId="{281B0D8F-7440-4F56-B896-89DC14B52454}" destId="{B4B0D338-56C0-430C-88D1-4F7622AA594A}" srcOrd="0" destOrd="0" presId="urn:microsoft.com/office/officeart/2005/8/layout/venn2"/>
+    <dgm:cxn modelId="{7989F697-D24B-AE49-A092-7709C312A19C}" type="presParOf" srcId="{B4B0D338-56C0-430C-88D1-4F7622AA594A}" destId="{D74DBE5B-8C89-4DF4-8080-D9A7A4FF23BD}" srcOrd="0" destOrd="0" presId="urn:microsoft.com/office/officeart/2005/8/layout/venn2"/>
+    <dgm:cxn modelId="{C79E5E7C-4E96-CE41-B60B-7D9D0FFC3112}" type="presParOf" srcId="{B4B0D338-56C0-430C-88D1-4F7622AA594A}" destId="{3B2AC09A-BE24-46BB-8DE9-AF756EB12A60}" srcOrd="1" destOrd="0" presId="urn:microsoft.com/office/officeart/2005/8/layout/venn2"/>
+    <dgm:cxn modelId="{AA52923B-82F6-7B46-AD77-4A62A7FCC0AA}" type="presParOf" srcId="{281B0D8F-7440-4F56-B896-89DC14B52454}" destId="{BA6B5155-F208-4838-A51C-F408F9DEE4D8}" srcOrd="1" destOrd="0" presId="urn:microsoft.com/office/officeart/2005/8/layout/venn2"/>
+    <dgm:cxn modelId="{A303C9E2-3551-8749-883D-9B08DE92BABC}" type="presParOf" srcId="{BA6B5155-F208-4838-A51C-F408F9DEE4D8}" destId="{868364E9-716B-4496-88D5-445C2FD81732}" srcOrd="0" destOrd="0" presId="urn:microsoft.com/office/officeart/2005/8/layout/venn2"/>
+    <dgm:cxn modelId="{28D58678-3964-BF43-ADEE-3397CFF07C69}" type="presParOf" srcId="{BA6B5155-F208-4838-A51C-F408F9DEE4D8}" destId="{B16ECCED-D4FA-4ABD-B609-382A5372B2F3}" srcOrd="1" destOrd="0" presId="urn:microsoft.com/office/officeart/2005/8/layout/venn2"/>
+    <dgm:cxn modelId="{E9BBB247-C63F-B44B-BC24-9532D4E0753A}" type="presParOf" srcId="{281B0D8F-7440-4F56-B896-89DC14B52454}" destId="{B8C02D75-84C9-4D5E-AC40-69EA157458CA}" srcOrd="2" destOrd="0" presId="urn:microsoft.com/office/officeart/2005/8/layout/venn2"/>
+    <dgm:cxn modelId="{1B45E532-E645-6F4E-B07B-6A8E8A516E06}" type="presParOf" srcId="{B8C02D75-84C9-4D5E-AC40-69EA157458CA}" destId="{371AA96F-0E12-46BC-B3DD-1072FBD6DAB3}" srcOrd="0" destOrd="0" presId="urn:microsoft.com/office/officeart/2005/8/layout/venn2"/>
+    <dgm:cxn modelId="{E5C363F6-AC8C-6E4C-9EB6-CFBC50F603B9}" type="presParOf" srcId="{B8C02D75-84C9-4D5E-AC40-69EA157458CA}" destId="{AD687EF9-FA0E-4FBD-BF5B-C6F8F2CDE4EE}" srcOrd="1" destOrd="0" presId="urn:microsoft.com/office/officeart/2005/8/layout/venn2"/>
   </dgm:cxnLst>
   <dgm:bg/>
   <dgm:whole/>
   <dgm:extLst>
     <a:ext uri="http://schemas.microsoft.com/office/drawing/2008/diagram">
-      <dsp:dataModelExt xmlns:dsp="http://schemas.microsoft.com/office/drawing/2008/diagram" xmlns="" relId="rId7" minVer="http://schemas.openxmlformats.org/drawingml/2006/diagram"/>
+      <dsp:dataModelExt xmlns:dsp="http://schemas.microsoft.com/office/drawing/2008/diagram" relId="rId7" minVer="http://schemas.openxmlformats.org/drawingml/2006/diagram"/>
     </a:ext>
   </dgm:extLst>
 </dgm:dataModel>
 </file>
 
 <file path=ppt/diagrams/drawing1.xml><?xml version="1.0" encoding="utf-8"?>
-<dsp:drawing xmlns:dgm="http://schemas.openxmlformats.org/drawingml/2006/diagram" xmlns:a="http://schemas.openxmlformats.org/drawingml/2006/main" xmlns:dsp="http://schemas.microsoft.com/office/drawing/2008/diagram">
+<dsp:drawing xmlns:dgm="http://schemas.openxmlformats.org/drawingml/2006/diagram" xmlns:dsp="http://schemas.microsoft.com/office/drawing/2008/diagram" xmlns:a="http://schemas.openxmlformats.org/drawingml/2006/main">
   <dsp:spTree>
     <dsp:nvGrpSpPr>
       <dsp:cNvPr id="0" name=""/>
@@ -8299,7 +7381,7 @@
         </a:prstGeom>
         <a:solidFill>
           <a:schemeClr val="accent3">
-            <a:hueOff val="11250264"/>
+            <a:hueOff val="11250266"/>
             <a:satOff val="-16880"/>
             <a:lumOff val="-2745"/>
             <a:alphaOff val="0"/>
@@ -8348,7 +7430,7 @@
         </a:prstGeom>
         <a:solidFill>
           <a:schemeClr val="accent3">
-            <a:hueOff val="5625132"/>
+            <a:hueOff val="5625133"/>
             <a:satOff val="-8440"/>
             <a:lumOff val="-1373"/>
             <a:alphaOff val="0"/>
@@ -8940,7 +8022,7 @@
 </file>
 
 <file path=ppt/diagrams/drawing2.xml><?xml version="1.0" encoding="utf-8"?>
-<dsp:drawing xmlns:dgm="http://schemas.openxmlformats.org/drawingml/2006/diagram" xmlns:a="http://schemas.openxmlformats.org/drawingml/2006/main" xmlns:dsp="http://schemas.microsoft.com/office/drawing/2008/diagram">
+<dsp:drawing xmlns:dgm="http://schemas.openxmlformats.org/drawingml/2006/diagram" xmlns:dsp="http://schemas.microsoft.com/office/drawing/2008/diagram" xmlns:a="http://schemas.openxmlformats.org/drawingml/2006/main">
   <dsp:spTree>
     <dsp:nvGrpSpPr>
       <dsp:cNvPr id="0" name=""/>
@@ -9052,7 +8134,7 @@
         </a:prstGeom>
         <a:solidFill>
           <a:schemeClr val="accent4">
-            <a:hueOff val="-2232385"/>
+            <a:hueOff val="-2232386"/>
             <a:satOff val="13449"/>
             <a:lumOff val="1078"/>
             <a:alphaOff val="0"/>
@@ -9142,7 +8224,7 @@
         </a:prstGeom>
         <a:solidFill>
           <a:schemeClr val="accent4">
-            <a:hueOff val="-4464770"/>
+            <a:hueOff val="-4464771"/>
             <a:satOff val="26899"/>
             <a:lumOff val="2156"/>
             <a:alphaOff val="0"/>
@@ -9260,7 +8342,7 @@
 </file>
 
 <file path=ppt/diagrams/drawing3.xml><?xml version="1.0" encoding="utf-8"?>
-<dsp:drawing xmlns:dgm="http://schemas.openxmlformats.org/drawingml/2006/diagram" xmlns:a="http://schemas.openxmlformats.org/drawingml/2006/main" xmlns:dsp="http://schemas.microsoft.com/office/drawing/2008/diagram">
+<dsp:drawing xmlns:dgm="http://schemas.openxmlformats.org/drawingml/2006/diagram" xmlns:dsp="http://schemas.microsoft.com/office/drawing/2008/diagram" xmlns:a="http://schemas.openxmlformats.org/drawingml/2006/main">
   <dsp:spTree>
     <dsp:nvGrpSpPr>
       <dsp:cNvPr id="0" name=""/>
@@ -9424,8 +8506,8 @@
         </a:p>
       </dsp:txBody>
       <dsp:txXfrm>
-        <a:off x="0" y="1219199"/>
-        <a:ext cx="1828800" cy="1625600"/>
+        <a:off x="79355" y="1298554"/>
+        <a:ext cx="1670090" cy="1466890"/>
       </dsp:txXfrm>
     </dsp:sp>
     <dsp:sp modelId="{03E62B2F-9F01-4AC1-BF32-CFF95FFF49C5}">
@@ -9539,8 +8621,8 @@
         </a:p>
       </dsp:txBody>
       <dsp:txXfrm>
-        <a:off x="2133600" y="1219199"/>
-        <a:ext cx="1828800" cy="1625600"/>
+        <a:off x="2212955" y="1298554"/>
+        <a:ext cx="1670090" cy="1466890"/>
       </dsp:txXfrm>
     </dsp:sp>
     <dsp:sp modelId="{6BF151F4-BC4C-41C3-A49F-3B511A639E1C}">
@@ -9654,8 +8736,8 @@
         </a:p>
       </dsp:txBody>
       <dsp:txXfrm>
-        <a:off x="4267200" y="1219199"/>
-        <a:ext cx="1828800" cy="1625600"/>
+        <a:off x="4346555" y="1298554"/>
+        <a:ext cx="1670090" cy="1466890"/>
       </dsp:txXfrm>
     </dsp:sp>
   </dsp:spTree>
@@ -9663,7 +8745,7 @@
 </file>
 
 <file path=ppt/diagrams/drawing4.xml><?xml version="1.0" encoding="utf-8"?>
-<dsp:drawing xmlns:dgm="http://schemas.openxmlformats.org/drawingml/2006/diagram" xmlns:a="http://schemas.openxmlformats.org/drawingml/2006/main" xmlns:dsp="http://schemas.microsoft.com/office/drawing/2008/diagram">
+<dsp:drawing xmlns:dgm="http://schemas.openxmlformats.org/drawingml/2006/diagram" xmlns:dsp="http://schemas.microsoft.com/office/drawing/2008/diagram" xmlns:a="http://schemas.openxmlformats.org/drawingml/2006/main">
   <dsp:spTree>
     <dsp:nvGrpSpPr>
       <dsp:cNvPr id="0" name=""/>
@@ -9827,8 +8909,8 @@
         </a:p>
       </dsp:txBody>
       <dsp:txXfrm>
-        <a:off x="0" y="1219199"/>
-        <a:ext cx="1828800" cy="1625600"/>
+        <a:off x="79355" y="1298554"/>
+        <a:ext cx="1670090" cy="1466890"/>
       </dsp:txXfrm>
     </dsp:sp>
     <dsp:sp modelId="{03E62B2F-9F01-4AC1-BF32-CFF95FFF49C5}">
@@ -9942,8 +9024,8 @@
         </a:p>
       </dsp:txBody>
       <dsp:txXfrm>
-        <a:off x="2133600" y="1219199"/>
-        <a:ext cx="1828800" cy="1625600"/>
+        <a:off x="2212955" y="1298554"/>
+        <a:ext cx="1670090" cy="1466890"/>
       </dsp:txXfrm>
     </dsp:sp>
     <dsp:sp modelId="{6BF151F4-BC4C-41C3-A49F-3B511A639E1C}">
@@ -10057,8 +9139,8 @@
         </a:p>
       </dsp:txBody>
       <dsp:txXfrm>
-        <a:off x="4267200" y="1219199"/>
-        <a:ext cx="1828800" cy="1625600"/>
+        <a:off x="4346555" y="1298554"/>
+        <a:ext cx="1670090" cy="1466890"/>
       </dsp:txXfrm>
     </dsp:sp>
   </dsp:spTree>
@@ -10066,7 +9148,7 @@
 </file>
 
 <file path=ppt/diagrams/drawing5.xml><?xml version="1.0" encoding="utf-8"?>
-<dsp:drawing xmlns:dgm="http://schemas.openxmlformats.org/drawingml/2006/diagram" xmlns:a="http://schemas.openxmlformats.org/drawingml/2006/main" xmlns:dsp="http://schemas.microsoft.com/office/drawing/2008/diagram">
+<dsp:drawing xmlns:dgm="http://schemas.openxmlformats.org/drawingml/2006/diagram" xmlns:dsp="http://schemas.microsoft.com/office/drawing/2008/diagram" xmlns:a="http://schemas.openxmlformats.org/drawingml/2006/main">
   <dsp:spTree>
     <dsp:nvGrpSpPr>
       <dsp:cNvPr id="0" name=""/>
@@ -10221,7 +9303,14 @@
               <a:latin typeface="微软雅黑" pitchFamily="34" charset="-122"/>
               <a:ea typeface="微软雅黑" pitchFamily="34" charset="-122"/>
             </a:rPr>
-            <a:t>高级体验</a:t>
+            <a:t>基本</a:t>
+          </a:r>
+          <a:r>
+            <a:rPr lang="zh-CN" altLang="en-US" sz="2800" kern="1200" dirty="0" smtClean="0">
+              <a:latin typeface="微软雅黑" pitchFamily="34" charset="-122"/>
+              <a:ea typeface="微软雅黑" pitchFamily="34" charset="-122"/>
+            </a:rPr>
+            <a:t>体验</a:t>
           </a:r>
           <a:endParaRPr lang="zh-CN" altLang="en-US" sz="2800" kern="1200" dirty="0">
             <a:latin typeface="微软雅黑" pitchFamily="34" charset="-122"/>
@@ -10230,8 +9319,8 @@
         </a:p>
       </dsp:txBody>
       <dsp:txXfrm>
-        <a:off x="593132" y="1214446"/>
-        <a:ext cx="2407274" cy="1174713"/>
+        <a:off x="650477" y="1271791"/>
+        <a:ext cx="2292584" cy="1060023"/>
       </dsp:txXfrm>
     </dsp:sp>
     <dsp:sp modelId="{6BF151F4-BC4C-41C3-A49F-3B511A639E1C}">
@@ -10251,7 +9340,7 @@
           <a:gsLst>
             <a:gs pos="0">
               <a:schemeClr val="accent2">
-                <a:hueOff val="4681519"/>
+                <a:hueOff val="4681520"/>
                 <a:satOff val="-5839"/>
                 <a:lumOff val="1373"/>
                 <a:alphaOff val="0"/>
@@ -10261,7 +9350,7 @@
             </a:gs>
             <a:gs pos="35000">
               <a:schemeClr val="accent2">
-                <a:hueOff val="4681519"/>
+                <a:hueOff val="4681520"/>
                 <a:satOff val="-5839"/>
                 <a:lumOff val="1373"/>
                 <a:alphaOff val="0"/>
@@ -10271,7 +9360,7 @@
             </a:gs>
             <a:gs pos="100000">
               <a:schemeClr val="accent2">
-                <a:hueOff val="4681519"/>
+                <a:hueOff val="4681520"/>
                 <a:satOff val="-5839"/>
                 <a:lumOff val="1373"/>
                 <a:alphaOff val="0"/>
@@ -10336,7 +9425,14 @@
               <a:latin typeface="微软雅黑" pitchFamily="34" charset="-122"/>
               <a:ea typeface="微软雅黑" pitchFamily="34" charset="-122"/>
             </a:rPr>
-            <a:t>基本体验</a:t>
+            <a:t>降级</a:t>
+          </a:r>
+          <a:r>
+            <a:rPr lang="zh-CN" altLang="en-US" sz="2800" kern="1200" dirty="0" smtClean="0">
+              <a:latin typeface="微软雅黑" pitchFamily="34" charset="-122"/>
+              <a:ea typeface="微软雅黑" pitchFamily="34" charset="-122"/>
+            </a:rPr>
+            <a:t>体验</a:t>
           </a:r>
           <a:endParaRPr lang="zh-CN" altLang="en-US" sz="2800" kern="1200" dirty="0">
             <a:latin typeface="微软雅黑" pitchFamily="34" charset="-122"/>
@@ -10345,8 +9441,8 @@
         </a:p>
       </dsp:txBody>
       <dsp:txXfrm>
-        <a:off x="3372243" y="1214446"/>
-        <a:ext cx="2342796" cy="1174742"/>
+        <a:off x="3429589" y="1271792"/>
+        <a:ext cx="2228104" cy="1060050"/>
       </dsp:txXfrm>
     </dsp:sp>
   </dsp:spTree>
@@ -10354,7 +9450,7 @@
 </file>
 
 <file path=ppt/diagrams/drawing6.xml><?xml version="1.0" encoding="utf-8"?>
-<dsp:drawing xmlns:dgm="http://schemas.openxmlformats.org/drawingml/2006/diagram" xmlns:a="http://schemas.openxmlformats.org/drawingml/2006/main" xmlns:dsp="http://schemas.microsoft.com/office/drawing/2008/diagram">
+<dsp:drawing xmlns:dgm="http://schemas.openxmlformats.org/drawingml/2006/diagram" xmlns:dsp="http://schemas.microsoft.com/office/drawing/2008/diagram" xmlns:a="http://schemas.openxmlformats.org/drawingml/2006/main">
   <dsp:spTree>
     <dsp:nvGrpSpPr>
       <dsp:cNvPr id="0" name=""/>
@@ -10509,7 +9605,14 @@
               <a:latin typeface="微软雅黑" pitchFamily="34" charset="-122"/>
               <a:ea typeface="微软雅黑" pitchFamily="34" charset="-122"/>
             </a:rPr>
-            <a:t>高级体验</a:t>
+            <a:t>基本</a:t>
+          </a:r>
+          <a:r>
+            <a:rPr lang="zh-CN" altLang="en-US" sz="2800" kern="1200" dirty="0" smtClean="0">
+              <a:latin typeface="微软雅黑" pitchFamily="34" charset="-122"/>
+              <a:ea typeface="微软雅黑" pitchFamily="34" charset="-122"/>
+            </a:rPr>
+            <a:t>体验</a:t>
           </a:r>
           <a:endParaRPr lang="zh-CN" altLang="en-US" sz="2800" kern="1200" dirty="0">
             <a:latin typeface="微软雅黑" pitchFamily="34" charset="-122"/>
@@ -10518,8 +9621,8 @@
         </a:p>
       </dsp:txBody>
       <dsp:txXfrm>
-        <a:off x="593132" y="1214446"/>
-        <a:ext cx="2407274" cy="1174713"/>
+        <a:off x="650477" y="1271791"/>
+        <a:ext cx="2292584" cy="1060023"/>
       </dsp:txXfrm>
     </dsp:sp>
     <dsp:sp modelId="{6BF151F4-BC4C-41C3-A49F-3B511A639E1C}">
@@ -10539,7 +9642,7 @@
           <a:gsLst>
             <a:gs pos="0">
               <a:schemeClr val="accent2">
-                <a:hueOff val="4681519"/>
+                <a:hueOff val="4681520"/>
                 <a:satOff val="-5839"/>
                 <a:lumOff val="1373"/>
                 <a:alphaOff val="0"/>
@@ -10549,7 +9652,7 @@
             </a:gs>
             <a:gs pos="35000">
               <a:schemeClr val="accent2">
-                <a:hueOff val="4681519"/>
+                <a:hueOff val="4681520"/>
                 <a:satOff val="-5839"/>
                 <a:lumOff val="1373"/>
                 <a:alphaOff val="0"/>
@@ -10559,7 +9662,7 @@
             </a:gs>
             <a:gs pos="100000">
               <a:schemeClr val="accent2">
-                <a:hueOff val="4681519"/>
+                <a:hueOff val="4681520"/>
                 <a:satOff val="-5839"/>
                 <a:lumOff val="1373"/>
                 <a:alphaOff val="0"/>
@@ -10624,7 +9727,14 @@
               <a:latin typeface="微软雅黑" pitchFamily="34" charset="-122"/>
               <a:ea typeface="微软雅黑" pitchFamily="34" charset="-122"/>
             </a:rPr>
-            <a:t>基本体验</a:t>
+            <a:t>降级</a:t>
+          </a:r>
+          <a:r>
+            <a:rPr lang="zh-CN" altLang="en-US" sz="2800" kern="1200" dirty="0" smtClean="0">
+              <a:latin typeface="微软雅黑" pitchFamily="34" charset="-122"/>
+              <a:ea typeface="微软雅黑" pitchFamily="34" charset="-122"/>
+            </a:rPr>
+            <a:t>体验</a:t>
           </a:r>
           <a:endParaRPr lang="zh-CN" altLang="en-US" sz="2800" kern="1200" dirty="0">
             <a:latin typeface="微软雅黑" pitchFamily="34" charset="-122"/>
@@ -10633,8 +9743,8 @@
         </a:p>
       </dsp:txBody>
       <dsp:txXfrm>
-        <a:off x="3372243" y="1214446"/>
-        <a:ext cx="2342796" cy="1174742"/>
+        <a:off x="3429589" y="1271792"/>
+        <a:ext cx="2228104" cy="1060050"/>
       </dsp:txXfrm>
     </dsp:sp>
   </dsp:spTree>
@@ -10642,295 +9752,7 @@
 </file>
 
 <file path=ppt/diagrams/drawing7.xml><?xml version="1.0" encoding="utf-8"?>
-<dsp:drawing xmlns:dgm="http://schemas.openxmlformats.org/drawingml/2006/diagram" xmlns:a="http://schemas.openxmlformats.org/drawingml/2006/main" xmlns:dsp="http://schemas.microsoft.com/office/drawing/2008/diagram">
-  <dsp:spTree>
-    <dsp:nvGrpSpPr>
-      <dsp:cNvPr id="0" name=""/>
-      <dsp:cNvGrpSpPr/>
-    </dsp:nvGrpSpPr>
-    <dsp:grpSpPr/>
-    <dsp:sp modelId="{FB50D3ED-BDD7-4EEE-9E56-7C30984AB99C}">
-      <dsp:nvSpPr>
-        <dsp:cNvPr id="0" name=""/>
-        <dsp:cNvSpPr/>
-      </dsp:nvSpPr>
-      <dsp:spPr>
-        <a:xfrm>
-          <a:off x="332186" y="0"/>
-          <a:ext cx="3764782" cy="2714644"/>
-        </a:xfrm>
-        <a:prstGeom prst="rightArrow">
-          <a:avLst/>
-        </a:prstGeom>
-        <a:solidFill>
-          <a:schemeClr val="accent2">
-            <a:tint val="40000"/>
-            <a:hueOff val="0"/>
-            <a:satOff val="0"/>
-            <a:lumOff val="0"/>
-            <a:alphaOff val="0"/>
-          </a:schemeClr>
-        </a:solidFill>
-        <a:ln>
-          <a:noFill/>
-        </a:ln>
-        <a:effectLst>
-          <a:outerShdw blurRad="40000" dist="20000" dir="5400000" rotWithShape="0">
-            <a:srgbClr val="000000">
-              <a:alpha val="38000"/>
-            </a:srgbClr>
-          </a:outerShdw>
-        </a:effectLst>
-      </dsp:spPr>
-      <dsp:style>
-        <a:lnRef idx="0">
-          <a:scrgbClr r="0" g="0" b="0"/>
-        </a:lnRef>
-        <a:fillRef idx="1">
-          <a:scrgbClr r="0" g="0" b="0"/>
-        </a:fillRef>
-        <a:effectRef idx="1">
-          <a:scrgbClr r="0" g="0" b="0"/>
-        </a:effectRef>
-        <a:fontRef idx="minor"/>
-      </dsp:style>
-    </dsp:sp>
-    <dsp:sp modelId="{9AF0C40C-4DA0-4C5B-82FD-652296918F14}">
-      <dsp:nvSpPr>
-        <dsp:cNvPr id="0" name=""/>
-        <dsp:cNvSpPr/>
-      </dsp:nvSpPr>
-      <dsp:spPr>
-        <a:xfrm>
-          <a:off x="554113" y="999770"/>
-          <a:ext cx="1296985" cy="715080"/>
-        </a:xfrm>
-        <a:prstGeom prst="roundRect">
-          <a:avLst/>
-        </a:prstGeom>
-        <a:gradFill rotWithShape="0">
-          <a:gsLst>
-            <a:gs pos="0">
-              <a:schemeClr val="accent2">
-                <a:hueOff val="0"/>
-                <a:satOff val="0"/>
-                <a:lumOff val="0"/>
-                <a:alphaOff val="0"/>
-                <a:tint val="50000"/>
-                <a:satMod val="300000"/>
-              </a:schemeClr>
-            </a:gs>
-            <a:gs pos="35000">
-              <a:schemeClr val="accent2">
-                <a:hueOff val="0"/>
-                <a:satOff val="0"/>
-                <a:lumOff val="0"/>
-                <a:alphaOff val="0"/>
-                <a:tint val="37000"/>
-                <a:satMod val="300000"/>
-              </a:schemeClr>
-            </a:gs>
-            <a:gs pos="100000">
-              <a:schemeClr val="accent2">
-                <a:hueOff val="0"/>
-                <a:satOff val="0"/>
-                <a:lumOff val="0"/>
-                <a:alphaOff val="0"/>
-                <a:tint val="15000"/>
-                <a:satMod val="350000"/>
-              </a:schemeClr>
-            </a:gs>
-          </a:gsLst>
-          <a:lin ang="16200000" scaled="1"/>
-        </a:gradFill>
-        <a:ln>
-          <a:noFill/>
-        </a:ln>
-        <a:effectLst>
-          <a:outerShdw blurRad="40000" dist="20000" dir="5400000" rotWithShape="0">
-            <a:srgbClr val="000000">
-              <a:alpha val="38000"/>
-            </a:srgbClr>
-          </a:outerShdw>
-        </a:effectLst>
-        <a:scene3d>
-          <a:camera prst="orthographicFront"/>
-          <a:lightRig rig="flat" dir="t"/>
-        </a:scene3d>
-        <a:sp3d prstMaterial="dkEdge">
-          <a:bevelT w="8200" h="38100"/>
-        </a:sp3d>
-      </dsp:spPr>
-      <dsp:style>
-        <a:lnRef idx="0">
-          <a:scrgbClr r="0" g="0" b="0"/>
-        </a:lnRef>
-        <a:fillRef idx="2">
-          <a:scrgbClr r="0" g="0" b="0"/>
-        </a:fillRef>
-        <a:effectRef idx="1">
-          <a:scrgbClr r="0" g="0" b="0"/>
-        </a:effectRef>
-        <a:fontRef idx="minor">
-          <a:schemeClr val="dk1"/>
-        </a:fontRef>
-      </dsp:style>
-      <dsp:txBody>
-        <a:bodyPr spcFirstLastPara="0" vert="horz" wrap="square" lIns="68580" tIns="68580" rIns="68580" bIns="68580" numCol="1" spcCol="1270" anchor="ctr" anchorCtr="0">
-          <a:noAutofit/>
-        </a:bodyPr>
-        <a:lstStyle/>
-        <a:p>
-          <a:pPr lvl="0" algn="ctr" defTabSz="800100">
-            <a:lnSpc>
-              <a:spcPct val="90000"/>
-            </a:lnSpc>
-            <a:spcBef>
-              <a:spcPct val="0"/>
-            </a:spcBef>
-            <a:spcAft>
-              <a:spcPct val="35000"/>
-            </a:spcAft>
-          </a:pPr>
-          <a:r>
-            <a:rPr lang="zh-CN" altLang="en-US" sz="1800" kern="1200" dirty="0" smtClean="0">
-              <a:latin typeface="微软雅黑" pitchFamily="34" charset="-122"/>
-              <a:ea typeface="微软雅黑" pitchFamily="34" charset="-122"/>
-            </a:rPr>
-            <a:t>高级体验</a:t>
-          </a:r>
-          <a:endParaRPr lang="zh-CN" altLang="en-US" sz="1800" kern="1200" dirty="0">
-            <a:latin typeface="微软雅黑" pitchFamily="34" charset="-122"/>
-            <a:ea typeface="微软雅黑" pitchFamily="34" charset="-122"/>
-          </a:endParaRPr>
-        </a:p>
-      </dsp:txBody>
-      <dsp:txXfrm>
-        <a:off x="554113" y="999770"/>
-        <a:ext cx="1296985" cy="715080"/>
-      </dsp:txXfrm>
-    </dsp:sp>
-    <dsp:sp modelId="{6BF151F4-BC4C-41C3-A49F-3B511A639E1C}">
-      <dsp:nvSpPr>
-        <dsp:cNvPr id="0" name=""/>
-        <dsp:cNvSpPr/>
-      </dsp:nvSpPr>
-      <dsp:spPr>
-        <a:xfrm>
-          <a:off x="2217743" y="972016"/>
-          <a:ext cx="1184274" cy="715102"/>
-        </a:xfrm>
-        <a:prstGeom prst="roundRect">
-          <a:avLst/>
-        </a:prstGeom>
-        <a:gradFill rotWithShape="0">
-          <a:gsLst>
-            <a:gs pos="0">
-              <a:schemeClr val="accent2">
-                <a:hueOff val="4681519"/>
-                <a:satOff val="-5839"/>
-                <a:lumOff val="1373"/>
-                <a:alphaOff val="0"/>
-                <a:tint val="50000"/>
-                <a:satMod val="300000"/>
-              </a:schemeClr>
-            </a:gs>
-            <a:gs pos="35000">
-              <a:schemeClr val="accent2">
-                <a:hueOff val="4681519"/>
-                <a:satOff val="-5839"/>
-                <a:lumOff val="1373"/>
-                <a:alphaOff val="0"/>
-                <a:tint val="37000"/>
-                <a:satMod val="300000"/>
-              </a:schemeClr>
-            </a:gs>
-            <a:gs pos="100000">
-              <a:schemeClr val="accent2">
-                <a:hueOff val="4681519"/>
-                <a:satOff val="-5839"/>
-                <a:lumOff val="1373"/>
-                <a:alphaOff val="0"/>
-                <a:tint val="15000"/>
-                <a:satMod val="350000"/>
-              </a:schemeClr>
-            </a:gs>
-          </a:gsLst>
-          <a:lin ang="16200000" scaled="1"/>
-        </a:gradFill>
-        <a:ln>
-          <a:noFill/>
-        </a:ln>
-        <a:effectLst>
-          <a:outerShdw blurRad="40000" dist="20000" dir="5400000" rotWithShape="0">
-            <a:srgbClr val="000000">
-              <a:alpha val="38000"/>
-            </a:srgbClr>
-          </a:outerShdw>
-        </a:effectLst>
-        <a:scene3d>
-          <a:camera prst="orthographicFront"/>
-          <a:lightRig rig="flat" dir="t"/>
-        </a:scene3d>
-        <a:sp3d prstMaterial="dkEdge">
-          <a:bevelT w="8200" h="38100"/>
-        </a:sp3d>
-      </dsp:spPr>
-      <dsp:style>
-        <a:lnRef idx="0">
-          <a:scrgbClr r="0" g="0" b="0"/>
-        </a:lnRef>
-        <a:fillRef idx="2">
-          <a:scrgbClr r="0" g="0" b="0"/>
-        </a:fillRef>
-        <a:effectRef idx="1">
-          <a:scrgbClr r="0" g="0" b="0"/>
-        </a:effectRef>
-        <a:fontRef idx="minor">
-          <a:schemeClr val="dk1"/>
-        </a:fontRef>
-      </dsp:style>
-      <dsp:txBody>
-        <a:bodyPr spcFirstLastPara="0" vert="horz" wrap="square" lIns="68580" tIns="68580" rIns="68580" bIns="68580" numCol="1" spcCol="1270" anchor="ctr" anchorCtr="0">
-          <a:noAutofit/>
-        </a:bodyPr>
-        <a:lstStyle/>
-        <a:p>
-          <a:pPr lvl="0" algn="ctr" defTabSz="800100">
-            <a:lnSpc>
-              <a:spcPct val="90000"/>
-            </a:lnSpc>
-            <a:spcBef>
-              <a:spcPct val="0"/>
-            </a:spcBef>
-            <a:spcAft>
-              <a:spcPct val="35000"/>
-            </a:spcAft>
-          </a:pPr>
-          <a:r>
-            <a:rPr lang="zh-CN" altLang="en-US" sz="1800" kern="1200" dirty="0" smtClean="0">
-              <a:latin typeface="微软雅黑" pitchFamily="34" charset="-122"/>
-              <a:ea typeface="微软雅黑" pitchFamily="34" charset="-122"/>
-            </a:rPr>
-            <a:t>基本体验</a:t>
-          </a:r>
-          <a:endParaRPr lang="zh-CN" altLang="en-US" sz="1800" kern="1200" dirty="0">
-            <a:latin typeface="微软雅黑" pitchFamily="34" charset="-122"/>
-            <a:ea typeface="微软雅黑" pitchFamily="34" charset="-122"/>
-          </a:endParaRPr>
-        </a:p>
-      </dsp:txBody>
-      <dsp:txXfrm>
-        <a:off x="2217743" y="972016"/>
-        <a:ext cx="1184274" cy="715102"/>
-      </dsp:txXfrm>
-    </dsp:sp>
-  </dsp:spTree>
-</dsp:drawing>
-</file>
-
-<file path=ppt/diagrams/drawing8.xml><?xml version="1.0" encoding="utf-8"?>
-<dsp:drawing xmlns:dgm="http://schemas.openxmlformats.org/drawingml/2006/diagram" xmlns:a="http://schemas.openxmlformats.org/drawingml/2006/main" xmlns:dsp="http://schemas.microsoft.com/office/drawing/2008/diagram">
+<dsp:drawing xmlns:dgm="http://schemas.openxmlformats.org/drawingml/2006/diagram" xmlns:dsp="http://schemas.microsoft.com/office/drawing/2008/diagram" xmlns:a="http://schemas.openxmlformats.org/drawingml/2006/main">
   <dsp:spTree>
     <dsp:nvGrpSpPr>
       <dsp:cNvPr id="0" name=""/>
@@ -11035,7 +9857,7 @@
         </a:prstGeom>
         <a:solidFill>
           <a:schemeClr val="accent4">
-            <a:hueOff val="-2232385"/>
+            <a:hueOff val="-2232386"/>
             <a:satOff val="13449"/>
             <a:lumOff val="1078"/>
             <a:alphaOff val="0"/>
@@ -11125,7 +9947,7 @@
         </a:prstGeom>
         <a:solidFill>
           <a:schemeClr val="accent4">
-            <a:hueOff val="-4464770"/>
+            <a:hueOff val="-4464771"/>
             <a:satOff val="26899"/>
             <a:lumOff val="2156"/>
             <a:alphaOff val="0"/>
@@ -13605,160 +12427,6 @@
 </file>
 
 <file path=ppt/diagrams/layout7.xml><?xml version="1.0" encoding="utf-8"?>
-<dgm:layoutDef xmlns:dgm="http://schemas.openxmlformats.org/drawingml/2006/diagram" xmlns:a="http://schemas.openxmlformats.org/drawingml/2006/main" uniqueId="urn:microsoft.com/office/officeart/2005/8/layout/hProcess9">
-  <dgm:title val=""/>
-  <dgm:desc val=""/>
-  <dgm:catLst>
-    <dgm:cat type="process" pri="5000"/>
-    <dgm:cat type="convert" pri="13000"/>
-  </dgm:catLst>
-  <dgm:sampData useDef="1">
-    <dgm:dataModel>
-      <dgm:ptLst/>
-      <dgm:bg/>
-      <dgm:whole/>
-    </dgm:dataModel>
-  </dgm:sampData>
-  <dgm:styleData>
-    <dgm:dataModel>
-      <dgm:ptLst>
-        <dgm:pt modelId="0" type="doc"/>
-        <dgm:pt modelId="1"/>
-        <dgm:pt modelId="2"/>
-      </dgm:ptLst>
-      <dgm:cxnLst>
-        <dgm:cxn modelId="3" srcId="0" destId="1" srcOrd="0" destOrd="0"/>
-        <dgm:cxn modelId="4" srcId="0" destId="2" srcOrd="1" destOrd="0"/>
-      </dgm:cxnLst>
-      <dgm:bg/>
-      <dgm:whole/>
-    </dgm:dataModel>
-  </dgm:styleData>
-  <dgm:clrData>
-    <dgm:dataModel>
-      <dgm:ptLst>
-        <dgm:pt modelId="0" type="doc"/>
-        <dgm:pt modelId="1"/>
-        <dgm:pt modelId="2"/>
-        <dgm:pt modelId="3"/>
-        <dgm:pt modelId="4"/>
-      </dgm:ptLst>
-      <dgm:cxnLst>
-        <dgm:cxn modelId="5" srcId="0" destId="1" srcOrd="0" destOrd="0"/>
-        <dgm:cxn modelId="6" srcId="0" destId="2" srcOrd="1" destOrd="0"/>
-        <dgm:cxn modelId="7" srcId="0" destId="3" srcOrd="2" destOrd="0"/>
-        <dgm:cxn modelId="8" srcId="0" destId="4" srcOrd="3" destOrd="0"/>
-      </dgm:cxnLst>
-      <dgm:bg/>
-      <dgm:whole/>
-    </dgm:dataModel>
-  </dgm:clrData>
-  <dgm:layoutNode name="CompostProcess">
-    <dgm:varLst>
-      <dgm:dir/>
-      <dgm:resizeHandles val="exact"/>
-    </dgm:varLst>
-    <dgm:alg type="composite">
-      <dgm:param type="horzAlign" val="ctr"/>
-      <dgm:param type="vertAlign" val="mid"/>
-    </dgm:alg>
-    <dgm:shape xmlns:r="http://schemas.openxmlformats.org/officeDocument/2006/relationships" r:blip="">
-      <dgm:adjLst/>
-    </dgm:shape>
-    <dgm:presOf/>
-    <dgm:constrLst>
-      <dgm:constr type="w" for="ch" forName="arrow" refType="w" fact="0.85"/>
-      <dgm:constr type="h" for="ch" forName="arrow" refType="h"/>
-      <dgm:constr type="ctrX" for="ch" forName="arrow" refType="w" fact="0.5"/>
-      <dgm:constr type="ctrY" for="ch" forName="arrow" refType="h" fact="0.5"/>
-      <dgm:constr type="w" for="ch" forName="linearProcess" refType="w"/>
-      <dgm:constr type="h" for="ch" forName="linearProcess" refType="h" fact="0.4"/>
-      <dgm:constr type="ctrX" for="ch" forName="linearProcess" refType="w" fact="0.5"/>
-      <dgm:constr type="ctrY" for="ch" forName="linearProcess" refType="h" fact="0.5"/>
-    </dgm:constrLst>
-    <dgm:ruleLst/>
-    <dgm:layoutNode name="arrow" styleLbl="bgShp">
-      <dgm:alg type="sp"/>
-      <dgm:choose name="Name0">
-        <dgm:if name="Name1" func="var" arg="dir" op="equ" val="norm">
-          <dgm:shape xmlns:r="http://schemas.openxmlformats.org/officeDocument/2006/relationships" type="rightArrow" r:blip="">
-            <dgm:adjLst/>
-          </dgm:shape>
-        </dgm:if>
-        <dgm:else name="Name2">
-          <dgm:shape xmlns:r="http://schemas.openxmlformats.org/officeDocument/2006/relationships" type="leftArrow" r:blip="">
-            <dgm:adjLst/>
-          </dgm:shape>
-        </dgm:else>
-      </dgm:choose>
-      <dgm:presOf/>
-      <dgm:constrLst/>
-      <dgm:ruleLst/>
-    </dgm:layoutNode>
-    <dgm:layoutNode name="linearProcess">
-      <dgm:choose name="Name3">
-        <dgm:if name="Name4" func="var" arg="dir" op="equ" val="norm">
-          <dgm:alg type="lin"/>
-        </dgm:if>
-        <dgm:else name="Name5">
-          <dgm:alg type="lin">
-            <dgm:param type="linDir" val="fromR"/>
-          </dgm:alg>
-        </dgm:else>
-      </dgm:choose>
-      <dgm:shape xmlns:r="http://schemas.openxmlformats.org/officeDocument/2006/relationships" r:blip="">
-        <dgm:adjLst/>
-      </dgm:shape>
-      <dgm:presOf/>
-      <dgm:constrLst>
-        <dgm:constr type="userA" for="ch" ptType="node" refType="w"/>
-        <dgm:constr type="h" for="ch" ptType="node" refType="h"/>
-        <dgm:constr type="w" for="ch" ptType="node" op="equ"/>
-        <dgm:constr type="w" for="ch" forName="sibTrans" refType="w" fact="0.05"/>
-        <dgm:constr type="primFontSz" for="ch" ptType="node" op="equ" val="65"/>
-      </dgm:constrLst>
-      <dgm:ruleLst/>
-      <dgm:forEach name="Name6" axis="ch" ptType="node">
-        <dgm:layoutNode name="textNode" styleLbl="node1">
-          <dgm:varLst>
-            <dgm:bulletEnabled val="1"/>
-          </dgm:varLst>
-          <dgm:alg type="tx"/>
-          <dgm:shape xmlns:r="http://schemas.openxmlformats.org/officeDocument/2006/relationships" type="roundRect" r:blip="">
-            <dgm:adjLst/>
-          </dgm:shape>
-          <dgm:presOf axis="desOrSelf" ptType="node"/>
-          <dgm:constrLst>
-            <dgm:constr type="userA"/>
-            <dgm:constr type="w" refType="userA" fact="0.3"/>
-            <dgm:constr type="tMarg" refType="primFontSz" fact="0.3"/>
-            <dgm:constr type="bMarg" refType="primFontSz" fact="0.3"/>
-            <dgm:constr type="lMarg" refType="primFontSz" fact="0.3"/>
-            <dgm:constr type="rMarg" refType="primFontSz" fact="0.3"/>
-          </dgm:constrLst>
-          <dgm:ruleLst>
-            <dgm:rule type="w" val="NaN" fact="1" max="NaN"/>
-            <dgm:rule type="primFontSz" val="5" fact="NaN" max="NaN"/>
-          </dgm:ruleLst>
-        </dgm:layoutNode>
-        <dgm:forEach name="Name7" axis="followSib" ptType="sibTrans" cnt="1">
-          <dgm:layoutNode name="sibTrans">
-            <dgm:alg type="sp"/>
-            <dgm:shape xmlns:r="http://schemas.openxmlformats.org/officeDocument/2006/relationships" r:blip="">
-              <dgm:adjLst/>
-            </dgm:shape>
-            <dgm:presOf/>
-            <dgm:constrLst/>
-            <dgm:ruleLst/>
-          </dgm:layoutNode>
-        </dgm:forEach>
-      </dgm:forEach>
-    </dgm:layoutNode>
-  </dgm:layoutNode>
-</dgm:layoutDef>
-</file>
-
-<file path=ppt/diagrams/layout8.xml><?xml version="1.0" encoding="utf-8"?>
 <dgm:layoutDef xmlns:dgm="http://schemas.openxmlformats.org/drawingml/2006/diagram" xmlns:a="http://schemas.openxmlformats.org/drawingml/2006/main" uniqueId="urn:microsoft.com/office/officeart/2005/8/layout/venn2">
   <dgm:title val=""/>
   <dgm:desc val=""/>
@@ -20729,1066 +19397,6 @@
 </file>
 
 <file path=ppt/diagrams/quickStyle7.xml><?xml version="1.0" encoding="utf-8"?>
-<dgm:styleDef xmlns:dgm="http://schemas.openxmlformats.org/drawingml/2006/diagram" xmlns:a="http://schemas.openxmlformats.org/drawingml/2006/main" uniqueId="urn:microsoft.com/office/officeart/2005/8/quickstyle/simple3">
-  <dgm:title val=""/>
-  <dgm:desc val=""/>
-  <dgm:catLst>
-    <dgm:cat type="simple" pri="10300"/>
-  </dgm:catLst>
-  <dgm:scene3d>
-    <a:camera prst="orthographicFront"/>
-    <a:lightRig rig="threePt" dir="t"/>
-  </dgm:scene3d>
-  <dgm:styleLbl name="node0">
-    <dgm:scene3d>
-      <a:camera prst="orthographicFront"/>
-      <a:lightRig rig="flat" dir="t"/>
-    </dgm:scene3d>
-    <dgm:sp3d prstMaterial="dkEdge">
-      <a:bevelT w="8200" h="38100"/>
-    </dgm:sp3d>
-    <dgm:txPr/>
-    <dgm:style>
-      <a:lnRef idx="0">
-        <a:scrgbClr r="0" g="0" b="0"/>
-      </a:lnRef>
-      <a:fillRef idx="2">
-        <a:scrgbClr r="0" g="0" b="0"/>
-      </a:fillRef>
-      <a:effectRef idx="1">
-        <a:scrgbClr r="0" g="0" b="0"/>
-      </a:effectRef>
-      <a:fontRef idx="minor">
-        <a:schemeClr val="dk1"/>
-      </a:fontRef>
-    </dgm:style>
-  </dgm:styleLbl>
-  <dgm:styleLbl name="lnNode1">
-    <dgm:scene3d>
-      <a:camera prst="orthographicFront"/>
-      <a:lightRig rig="flat" dir="t"/>
-    </dgm:scene3d>
-    <dgm:sp3d prstMaterial="dkEdge">
-      <a:bevelT w="8200" h="38100"/>
-    </dgm:sp3d>
-    <dgm:txPr/>
-    <dgm:style>
-      <a:lnRef idx="1">
-        <a:scrgbClr r="0" g="0" b="0"/>
-      </a:lnRef>
-      <a:fillRef idx="2">
-        <a:scrgbClr r="0" g="0" b="0"/>
-      </a:fillRef>
-      <a:effectRef idx="0">
-        <a:scrgbClr r="0" g="0" b="0"/>
-      </a:effectRef>
-      <a:fontRef idx="minor">
-        <a:schemeClr val="dk1"/>
-      </a:fontRef>
-    </dgm:style>
-  </dgm:styleLbl>
-  <dgm:styleLbl name="vennNode1">
-    <dgm:scene3d>
-      <a:camera prst="orthographicFront"/>
-      <a:lightRig rig="flat" dir="t"/>
-    </dgm:scene3d>
-    <dgm:sp3d prstMaterial="dkEdge">
-      <a:bevelT w="8200" h="38100"/>
-    </dgm:sp3d>
-    <dgm:txPr/>
-    <dgm:style>
-      <a:lnRef idx="0">
-        <a:scrgbClr r="0" g="0" b="0"/>
-      </a:lnRef>
-      <a:fillRef idx="2">
-        <a:scrgbClr r="0" g="0" b="0"/>
-      </a:fillRef>
-      <a:effectRef idx="0">
-        <a:scrgbClr r="0" g="0" b="0"/>
-      </a:effectRef>
-      <a:fontRef idx="minor">
-        <a:schemeClr val="tx1"/>
-      </a:fontRef>
-    </dgm:style>
-  </dgm:styleLbl>
-  <dgm:styleLbl name="alignNode1">
-    <dgm:scene3d>
-      <a:camera prst="orthographicFront"/>
-      <a:lightRig rig="threePt" dir="t"/>
-    </dgm:scene3d>
-    <dgm:sp3d/>
-    <dgm:txPr/>
-    <dgm:style>
-      <a:lnRef idx="1">
-        <a:scrgbClr r="0" g="0" b="0"/>
-      </a:lnRef>
-      <a:fillRef idx="2">
-        <a:scrgbClr r="0" g="0" b="0"/>
-      </a:fillRef>
-      <a:effectRef idx="1">
-        <a:scrgbClr r="0" g="0" b="0"/>
-      </a:effectRef>
-      <a:fontRef idx="minor">
-        <a:schemeClr val="dk1"/>
-      </a:fontRef>
-    </dgm:style>
-  </dgm:styleLbl>
-  <dgm:styleLbl name="node1">
-    <dgm:scene3d>
-      <a:camera prst="orthographicFront"/>
-      <a:lightRig rig="flat" dir="t"/>
-    </dgm:scene3d>
-    <dgm:sp3d prstMaterial="dkEdge">
-      <a:bevelT w="8200" h="38100"/>
-    </dgm:sp3d>
-    <dgm:txPr/>
-    <dgm:style>
-      <a:lnRef idx="0">
-        <a:scrgbClr r="0" g="0" b="0"/>
-      </a:lnRef>
-      <a:fillRef idx="2">
-        <a:scrgbClr r="0" g="0" b="0"/>
-      </a:fillRef>
-      <a:effectRef idx="1">
-        <a:scrgbClr r="0" g="0" b="0"/>
-      </a:effectRef>
-      <a:fontRef idx="minor">
-        <a:schemeClr val="dk1"/>
-      </a:fontRef>
-    </dgm:style>
-  </dgm:styleLbl>
-  <dgm:styleLbl name="node2">
-    <dgm:scene3d>
-      <a:camera prst="orthographicFront"/>
-      <a:lightRig rig="flat" dir="t"/>
-    </dgm:scene3d>
-    <dgm:sp3d prstMaterial="dkEdge">
-      <a:bevelT w="8200" h="38100"/>
-    </dgm:sp3d>
-    <dgm:txPr/>
-    <dgm:style>
-      <a:lnRef idx="0">
-        <a:scrgbClr r="0" g="0" b="0"/>
-      </a:lnRef>
-      <a:fillRef idx="2">
-        <a:scrgbClr r="0" g="0" b="0"/>
-      </a:fillRef>
-      <a:effectRef idx="1">
-        <a:scrgbClr r="0" g="0" b="0"/>
-      </a:effectRef>
-      <a:fontRef idx="minor">
-        <a:schemeClr val="dk1"/>
-      </a:fontRef>
-    </dgm:style>
-  </dgm:styleLbl>
-  <dgm:styleLbl name="node3">
-    <dgm:scene3d>
-      <a:camera prst="orthographicFront"/>
-      <a:lightRig rig="flat" dir="t"/>
-    </dgm:scene3d>
-    <dgm:sp3d prstMaterial="dkEdge">
-      <a:bevelT w="8200" h="38100"/>
-    </dgm:sp3d>
-    <dgm:txPr/>
-    <dgm:style>
-      <a:lnRef idx="0">
-        <a:scrgbClr r="0" g="0" b="0"/>
-      </a:lnRef>
-      <a:fillRef idx="2">
-        <a:scrgbClr r="0" g="0" b="0"/>
-      </a:fillRef>
-      <a:effectRef idx="1">
-        <a:scrgbClr r="0" g="0" b="0"/>
-      </a:effectRef>
-      <a:fontRef idx="minor">
-        <a:schemeClr val="dk1"/>
-      </a:fontRef>
-    </dgm:style>
-  </dgm:styleLbl>
-  <dgm:styleLbl name="node4">
-    <dgm:scene3d>
-      <a:camera prst="orthographicFront"/>
-      <a:lightRig rig="flat" dir="t"/>
-    </dgm:scene3d>
-    <dgm:sp3d prstMaterial="dkEdge">
-      <a:bevelT w="8200" h="38100"/>
-    </dgm:sp3d>
-    <dgm:txPr/>
-    <dgm:style>
-      <a:lnRef idx="0">
-        <a:scrgbClr r="0" g="0" b="0"/>
-      </a:lnRef>
-      <a:fillRef idx="2">
-        <a:scrgbClr r="0" g="0" b="0"/>
-      </a:fillRef>
-      <a:effectRef idx="1">
-        <a:scrgbClr r="0" g="0" b="0"/>
-      </a:effectRef>
-      <a:fontRef idx="minor">
-        <a:schemeClr val="dk1"/>
-      </a:fontRef>
-    </dgm:style>
-  </dgm:styleLbl>
-  <dgm:styleLbl name="fgImgPlace1">
-    <dgm:scene3d>
-      <a:camera prst="orthographicFront"/>
-      <a:lightRig rig="threePt" dir="t"/>
-    </dgm:scene3d>
-    <dgm:sp3d/>
-    <dgm:txPr/>
-    <dgm:style>
-      <a:lnRef idx="1">
-        <a:scrgbClr r="0" g="0" b="0"/>
-      </a:lnRef>
-      <a:fillRef idx="1">
-        <a:scrgbClr r="0" g="0" b="0"/>
-      </a:fillRef>
-      <a:effectRef idx="1">
-        <a:scrgbClr r="0" g="0" b="0"/>
-      </a:effectRef>
-      <a:fontRef idx="minor"/>
-    </dgm:style>
-  </dgm:styleLbl>
-  <dgm:styleLbl name="alignImgPlace1">
-    <dgm:scene3d>
-      <a:camera prst="orthographicFront"/>
-      <a:lightRig rig="threePt" dir="t"/>
-    </dgm:scene3d>
-    <dgm:sp3d/>
-    <dgm:txPr/>
-    <dgm:style>
-      <a:lnRef idx="1">
-        <a:scrgbClr r="0" g="0" b="0"/>
-      </a:lnRef>
-      <a:fillRef idx="1">
-        <a:scrgbClr r="0" g="0" b="0"/>
-      </a:fillRef>
-      <a:effectRef idx="1">
-        <a:scrgbClr r="0" g="0" b="0"/>
-      </a:effectRef>
-      <a:fontRef idx="minor"/>
-    </dgm:style>
-  </dgm:styleLbl>
-  <dgm:styleLbl name="bgImgPlace1">
-    <dgm:scene3d>
-      <a:camera prst="orthographicFront"/>
-      <a:lightRig rig="threePt" dir="t"/>
-    </dgm:scene3d>
-    <dgm:sp3d/>
-    <dgm:txPr/>
-    <dgm:style>
-      <a:lnRef idx="1">
-        <a:scrgbClr r="0" g="0" b="0"/>
-      </a:lnRef>
-      <a:fillRef idx="1">
-        <a:scrgbClr r="0" g="0" b="0"/>
-      </a:fillRef>
-      <a:effectRef idx="1">
-        <a:scrgbClr r="0" g="0" b="0"/>
-      </a:effectRef>
-      <a:fontRef idx="minor"/>
-    </dgm:style>
-  </dgm:styleLbl>
-  <dgm:styleLbl name="sibTrans2D1">
-    <dgm:scene3d>
-      <a:camera prst="orthographicFront"/>
-      <a:lightRig rig="threePt" dir="t"/>
-    </dgm:scene3d>
-    <dgm:sp3d/>
-    <dgm:txPr/>
-    <dgm:style>
-      <a:lnRef idx="0">
-        <a:scrgbClr r="0" g="0" b="0"/>
-      </a:lnRef>
-      <a:fillRef idx="2">
-        <a:scrgbClr r="0" g="0" b="0"/>
-      </a:fillRef>
-      <a:effectRef idx="1">
-        <a:scrgbClr r="0" g="0" b="0"/>
-      </a:effectRef>
-      <a:fontRef idx="minor">
-        <a:schemeClr val="dk1"/>
-      </a:fontRef>
-    </dgm:style>
-  </dgm:styleLbl>
-  <dgm:styleLbl name="fgSibTrans2D1">
-    <dgm:scene3d>
-      <a:camera prst="orthographicFront"/>
-      <a:lightRig rig="threePt" dir="t"/>
-    </dgm:scene3d>
-    <dgm:sp3d/>
-    <dgm:txPr/>
-    <dgm:style>
-      <a:lnRef idx="0">
-        <a:scrgbClr r="0" g="0" b="0"/>
-      </a:lnRef>
-      <a:fillRef idx="2">
-        <a:scrgbClr r="0" g="0" b="0"/>
-      </a:fillRef>
-      <a:effectRef idx="1">
-        <a:scrgbClr r="0" g="0" b="0"/>
-      </a:effectRef>
-      <a:fontRef idx="minor">
-        <a:schemeClr val="dk1"/>
-      </a:fontRef>
-    </dgm:style>
-  </dgm:styleLbl>
-  <dgm:styleLbl name="bgSibTrans2D1">
-    <dgm:scene3d>
-      <a:camera prst="orthographicFront"/>
-      <a:lightRig rig="threePt" dir="t"/>
-    </dgm:scene3d>
-    <dgm:sp3d/>
-    <dgm:txPr/>
-    <dgm:style>
-      <a:lnRef idx="0">
-        <a:scrgbClr r="0" g="0" b="0"/>
-      </a:lnRef>
-      <a:fillRef idx="2">
-        <a:scrgbClr r="0" g="0" b="0"/>
-      </a:fillRef>
-      <a:effectRef idx="1">
-        <a:scrgbClr r="0" g="0" b="0"/>
-      </a:effectRef>
-      <a:fontRef idx="minor">
-        <a:schemeClr val="dk1"/>
-      </a:fontRef>
-    </dgm:style>
-  </dgm:styleLbl>
-  <dgm:styleLbl name="sibTrans1D1">
-    <dgm:scene3d>
-      <a:camera prst="orthographicFront"/>
-      <a:lightRig rig="threePt" dir="t"/>
-    </dgm:scene3d>
-    <dgm:sp3d/>
-    <dgm:txPr/>
-    <dgm:style>
-      <a:lnRef idx="1">
-        <a:scrgbClr r="0" g="0" b="0"/>
-      </a:lnRef>
-      <a:fillRef idx="0">
-        <a:scrgbClr r="0" g="0" b="0"/>
-      </a:fillRef>
-      <a:effectRef idx="0">
-        <a:scrgbClr r="0" g="0" b="0"/>
-      </a:effectRef>
-      <a:fontRef idx="minor"/>
-    </dgm:style>
-  </dgm:styleLbl>
-  <dgm:styleLbl name="callout">
-    <dgm:scene3d>
-      <a:camera prst="orthographicFront"/>
-      <a:lightRig rig="threePt" dir="t"/>
-    </dgm:scene3d>
-    <dgm:sp3d/>
-    <dgm:txPr/>
-    <dgm:style>
-      <a:lnRef idx="1">
-        <a:scrgbClr r="0" g="0" b="0"/>
-      </a:lnRef>
-      <a:fillRef idx="2">
-        <a:scrgbClr r="0" g="0" b="0"/>
-      </a:fillRef>
-      <a:effectRef idx="1">
-        <a:scrgbClr r="0" g="0" b="0"/>
-      </a:effectRef>
-      <a:fontRef idx="minor"/>
-    </dgm:style>
-  </dgm:styleLbl>
-  <dgm:styleLbl name="asst0">
-    <dgm:scene3d>
-      <a:camera prst="orthographicFront"/>
-      <a:lightRig rig="flat" dir="t"/>
-    </dgm:scene3d>
-    <dgm:sp3d prstMaterial="dkEdge">
-      <a:bevelT w="8200" h="38100"/>
-    </dgm:sp3d>
-    <dgm:txPr/>
-    <dgm:style>
-      <a:lnRef idx="0">
-        <a:scrgbClr r="0" g="0" b="0"/>
-      </a:lnRef>
-      <a:fillRef idx="2">
-        <a:scrgbClr r="0" g="0" b="0"/>
-      </a:fillRef>
-      <a:effectRef idx="1">
-        <a:scrgbClr r="0" g="0" b="0"/>
-      </a:effectRef>
-      <a:fontRef idx="minor">
-        <a:schemeClr val="dk1"/>
-      </a:fontRef>
-    </dgm:style>
-  </dgm:styleLbl>
-  <dgm:styleLbl name="asst1">
-    <dgm:scene3d>
-      <a:camera prst="orthographicFront"/>
-      <a:lightRig rig="flat" dir="t"/>
-    </dgm:scene3d>
-    <dgm:sp3d prstMaterial="dkEdge">
-      <a:bevelT w="8200" h="38100"/>
-    </dgm:sp3d>
-    <dgm:txPr/>
-    <dgm:style>
-      <a:lnRef idx="0">
-        <a:scrgbClr r="0" g="0" b="0"/>
-      </a:lnRef>
-      <a:fillRef idx="2">
-        <a:scrgbClr r="0" g="0" b="0"/>
-      </a:fillRef>
-      <a:effectRef idx="1">
-        <a:scrgbClr r="0" g="0" b="0"/>
-      </a:effectRef>
-      <a:fontRef idx="minor">
-        <a:schemeClr val="dk1"/>
-      </a:fontRef>
-    </dgm:style>
-  </dgm:styleLbl>
-  <dgm:styleLbl name="asst2">
-    <dgm:scene3d>
-      <a:camera prst="orthographicFront"/>
-      <a:lightRig rig="flat" dir="t"/>
-    </dgm:scene3d>
-    <dgm:sp3d prstMaterial="dkEdge">
-      <a:bevelT w="8200" h="38100"/>
-    </dgm:sp3d>
-    <dgm:txPr/>
-    <dgm:style>
-      <a:lnRef idx="0">
-        <a:scrgbClr r="0" g="0" b="0"/>
-      </a:lnRef>
-      <a:fillRef idx="2">
-        <a:scrgbClr r="0" g="0" b="0"/>
-      </a:fillRef>
-      <a:effectRef idx="1">
-        <a:scrgbClr r="0" g="0" b="0"/>
-      </a:effectRef>
-      <a:fontRef idx="minor">
-        <a:schemeClr val="dk1"/>
-      </a:fontRef>
-    </dgm:style>
-  </dgm:styleLbl>
-  <dgm:styleLbl name="asst3">
-    <dgm:scene3d>
-      <a:camera prst="orthographicFront"/>
-      <a:lightRig rig="flat" dir="t"/>
-    </dgm:scene3d>
-    <dgm:sp3d prstMaterial="dkEdge">
-      <a:bevelT w="8200" h="38100"/>
-    </dgm:sp3d>
-    <dgm:txPr/>
-    <dgm:style>
-      <a:lnRef idx="0">
-        <a:scrgbClr r="0" g="0" b="0"/>
-      </a:lnRef>
-      <a:fillRef idx="2">
-        <a:scrgbClr r="0" g="0" b="0"/>
-      </a:fillRef>
-      <a:effectRef idx="1">
-        <a:scrgbClr r="0" g="0" b="0"/>
-      </a:effectRef>
-      <a:fontRef idx="minor">
-        <a:schemeClr val="dk1"/>
-      </a:fontRef>
-    </dgm:style>
-  </dgm:styleLbl>
-  <dgm:styleLbl name="asst4">
-    <dgm:scene3d>
-      <a:camera prst="orthographicFront"/>
-      <a:lightRig rig="flat" dir="t"/>
-    </dgm:scene3d>
-    <dgm:sp3d prstMaterial="dkEdge">
-      <a:bevelT w="8200" h="38100"/>
-    </dgm:sp3d>
-    <dgm:txPr/>
-    <dgm:style>
-      <a:lnRef idx="0">
-        <a:scrgbClr r="0" g="0" b="0"/>
-      </a:lnRef>
-      <a:fillRef idx="2">
-        <a:scrgbClr r="0" g="0" b="0"/>
-      </a:fillRef>
-      <a:effectRef idx="1">
-        <a:scrgbClr r="0" g="0" b="0"/>
-      </a:effectRef>
-      <a:fontRef idx="minor">
-        <a:schemeClr val="dk1"/>
-      </a:fontRef>
-    </dgm:style>
-  </dgm:styleLbl>
-  <dgm:styleLbl name="parChTrans2D1">
-    <dgm:scene3d>
-      <a:camera prst="orthographicFront"/>
-      <a:lightRig rig="threePt" dir="t"/>
-    </dgm:scene3d>
-    <dgm:sp3d/>
-    <dgm:txPr/>
-    <dgm:style>
-      <a:lnRef idx="1">
-        <a:scrgbClr r="0" g="0" b="0"/>
-      </a:lnRef>
-      <a:fillRef idx="2">
-        <a:scrgbClr r="0" g="0" b="0"/>
-      </a:fillRef>
-      <a:effectRef idx="1">
-        <a:scrgbClr r="0" g="0" b="0"/>
-      </a:effectRef>
-      <a:fontRef idx="minor">
-        <a:schemeClr val="dk1"/>
-      </a:fontRef>
-    </dgm:style>
-  </dgm:styleLbl>
-  <dgm:styleLbl name="parChTrans2D2">
-    <dgm:scene3d>
-      <a:camera prst="orthographicFront"/>
-      <a:lightRig rig="threePt" dir="t"/>
-    </dgm:scene3d>
-    <dgm:sp3d/>
-    <dgm:txPr/>
-    <dgm:style>
-      <a:lnRef idx="1">
-        <a:scrgbClr r="0" g="0" b="0"/>
-      </a:lnRef>
-      <a:fillRef idx="2">
-        <a:scrgbClr r="0" g="0" b="0"/>
-      </a:fillRef>
-      <a:effectRef idx="1">
-        <a:scrgbClr r="0" g="0" b="0"/>
-      </a:effectRef>
-      <a:fontRef idx="minor">
-        <a:schemeClr val="dk1"/>
-      </a:fontRef>
-    </dgm:style>
-  </dgm:styleLbl>
-  <dgm:styleLbl name="parChTrans2D3">
-    <dgm:scene3d>
-      <a:camera prst="orthographicFront"/>
-      <a:lightRig rig="threePt" dir="t"/>
-    </dgm:scene3d>
-    <dgm:sp3d/>
-    <dgm:txPr/>
-    <dgm:style>
-      <a:lnRef idx="1">
-        <a:scrgbClr r="0" g="0" b="0"/>
-      </a:lnRef>
-      <a:fillRef idx="2">
-        <a:scrgbClr r="0" g="0" b="0"/>
-      </a:fillRef>
-      <a:effectRef idx="1">
-        <a:scrgbClr r="0" g="0" b="0"/>
-      </a:effectRef>
-      <a:fontRef idx="minor">
-        <a:schemeClr val="dk1"/>
-      </a:fontRef>
-    </dgm:style>
-  </dgm:styleLbl>
-  <dgm:styleLbl name="parChTrans2D4">
-    <dgm:scene3d>
-      <a:camera prst="orthographicFront"/>
-      <a:lightRig rig="threePt" dir="t"/>
-    </dgm:scene3d>
-    <dgm:sp3d/>
-    <dgm:txPr/>
-    <dgm:style>
-      <a:lnRef idx="1">
-        <a:scrgbClr r="0" g="0" b="0"/>
-      </a:lnRef>
-      <a:fillRef idx="2">
-        <a:scrgbClr r="0" g="0" b="0"/>
-      </a:fillRef>
-      <a:effectRef idx="1">
-        <a:scrgbClr r="0" g="0" b="0"/>
-      </a:effectRef>
-      <a:fontRef idx="minor">
-        <a:schemeClr val="dk1"/>
-      </a:fontRef>
-    </dgm:style>
-  </dgm:styleLbl>
-  <dgm:styleLbl name="parChTrans1D1">
-    <dgm:scene3d>
-      <a:camera prst="orthographicFront"/>
-      <a:lightRig rig="threePt" dir="t"/>
-    </dgm:scene3d>
-    <dgm:sp3d/>
-    <dgm:txPr/>
-    <dgm:style>
-      <a:lnRef idx="2">
-        <a:scrgbClr r="0" g="0" b="0"/>
-      </a:lnRef>
-      <a:fillRef idx="0">
-        <a:scrgbClr r="0" g="0" b="0"/>
-      </a:fillRef>
-      <a:effectRef idx="0">
-        <a:scrgbClr r="0" g="0" b="0"/>
-      </a:effectRef>
-      <a:fontRef idx="minor"/>
-    </dgm:style>
-  </dgm:styleLbl>
-  <dgm:styleLbl name="parChTrans1D2">
-    <dgm:scene3d>
-      <a:camera prst="orthographicFront"/>
-      <a:lightRig rig="threePt" dir="t"/>
-    </dgm:scene3d>
-    <dgm:sp3d/>
-    <dgm:txPr/>
-    <dgm:style>
-      <a:lnRef idx="2">
-        <a:scrgbClr r="0" g="0" b="0"/>
-      </a:lnRef>
-      <a:fillRef idx="0">
-        <a:scrgbClr r="0" g="0" b="0"/>
-      </a:fillRef>
-      <a:effectRef idx="0">
-        <a:scrgbClr r="0" g="0" b="0"/>
-      </a:effectRef>
-      <a:fontRef idx="minor"/>
-    </dgm:style>
-  </dgm:styleLbl>
-  <dgm:styleLbl name="parChTrans1D3">
-    <dgm:scene3d>
-      <a:camera prst="orthographicFront"/>
-      <a:lightRig rig="threePt" dir="t"/>
-    </dgm:scene3d>
-    <dgm:sp3d/>
-    <dgm:txPr/>
-    <dgm:style>
-      <a:lnRef idx="2">
-        <a:scrgbClr r="0" g="0" b="0"/>
-      </a:lnRef>
-      <a:fillRef idx="0">
-        <a:scrgbClr r="0" g="0" b="0"/>
-      </a:fillRef>
-      <a:effectRef idx="0">
-        <a:scrgbClr r="0" g="0" b="0"/>
-      </a:effectRef>
-      <a:fontRef idx="minor"/>
-    </dgm:style>
-  </dgm:styleLbl>
-  <dgm:styleLbl name="parChTrans1D4">
-    <dgm:scene3d>
-      <a:camera prst="orthographicFront"/>
-      <a:lightRig rig="threePt" dir="t"/>
-    </dgm:scene3d>
-    <dgm:sp3d/>
-    <dgm:txPr/>
-    <dgm:style>
-      <a:lnRef idx="2">
-        <a:scrgbClr r="0" g="0" b="0"/>
-      </a:lnRef>
-      <a:fillRef idx="0">
-        <a:scrgbClr r="0" g="0" b="0"/>
-      </a:fillRef>
-      <a:effectRef idx="0">
-        <a:scrgbClr r="0" g="0" b="0"/>
-      </a:effectRef>
-      <a:fontRef idx="minor"/>
-    </dgm:style>
-  </dgm:styleLbl>
-  <dgm:styleLbl name="fgAcc1">
-    <dgm:scene3d>
-      <a:camera prst="orthographicFront"/>
-      <a:lightRig rig="threePt" dir="t"/>
-    </dgm:scene3d>
-    <dgm:sp3d/>
-    <dgm:txPr/>
-    <dgm:style>
-      <a:lnRef idx="1">
-        <a:scrgbClr r="0" g="0" b="0"/>
-      </a:lnRef>
-      <a:fillRef idx="1">
-        <a:scrgbClr r="0" g="0" b="0"/>
-      </a:fillRef>
-      <a:effectRef idx="0">
-        <a:scrgbClr r="0" g="0" b="0"/>
-      </a:effectRef>
-      <a:fontRef idx="minor"/>
-    </dgm:style>
-  </dgm:styleLbl>
-  <dgm:styleLbl name="conFgAcc1">
-    <dgm:scene3d>
-      <a:camera prst="orthographicFront"/>
-      <a:lightRig rig="threePt" dir="t"/>
-    </dgm:scene3d>
-    <dgm:sp3d/>
-    <dgm:txPr/>
-    <dgm:style>
-      <a:lnRef idx="1">
-        <a:scrgbClr r="0" g="0" b="0"/>
-      </a:lnRef>
-      <a:fillRef idx="1">
-        <a:scrgbClr r="0" g="0" b="0"/>
-      </a:fillRef>
-      <a:effectRef idx="0">
-        <a:scrgbClr r="0" g="0" b="0"/>
-      </a:effectRef>
-      <a:fontRef idx="minor"/>
-    </dgm:style>
-  </dgm:styleLbl>
-  <dgm:styleLbl name="alignAcc1">
-    <dgm:scene3d>
-      <a:camera prst="orthographicFront"/>
-      <a:lightRig rig="threePt" dir="t"/>
-    </dgm:scene3d>
-    <dgm:sp3d/>
-    <dgm:txPr/>
-    <dgm:style>
-      <a:lnRef idx="1">
-        <a:scrgbClr r="0" g="0" b="0"/>
-      </a:lnRef>
-      <a:fillRef idx="1">
-        <a:scrgbClr r="0" g="0" b="0"/>
-      </a:fillRef>
-      <a:effectRef idx="0">
-        <a:scrgbClr r="0" g="0" b="0"/>
-      </a:effectRef>
-      <a:fontRef idx="minor"/>
-    </dgm:style>
-  </dgm:styleLbl>
-  <dgm:styleLbl name="trAlignAcc1">
-    <dgm:scene3d>
-      <a:camera prst="orthographicFront"/>
-      <a:lightRig rig="threePt" dir="t"/>
-    </dgm:scene3d>
-    <dgm:sp3d/>
-    <dgm:txPr/>
-    <dgm:style>
-      <a:lnRef idx="1">
-        <a:scrgbClr r="0" g="0" b="0"/>
-      </a:lnRef>
-      <a:fillRef idx="1">
-        <a:scrgbClr r="0" g="0" b="0"/>
-      </a:fillRef>
-      <a:effectRef idx="0">
-        <a:scrgbClr r="0" g="0" b="0"/>
-      </a:effectRef>
-      <a:fontRef idx="minor"/>
-    </dgm:style>
-  </dgm:styleLbl>
-  <dgm:styleLbl name="bgAcc1">
-    <dgm:scene3d>
-      <a:camera prst="orthographicFront"/>
-      <a:lightRig rig="threePt" dir="t"/>
-    </dgm:scene3d>
-    <dgm:sp3d/>
-    <dgm:txPr/>
-    <dgm:style>
-      <a:lnRef idx="1">
-        <a:scrgbClr r="0" g="0" b="0"/>
-      </a:lnRef>
-      <a:fillRef idx="1">
-        <a:scrgbClr r="0" g="0" b="0"/>
-      </a:fillRef>
-      <a:effectRef idx="0">
-        <a:scrgbClr r="0" g="0" b="0"/>
-      </a:effectRef>
-      <a:fontRef idx="minor"/>
-    </dgm:style>
-  </dgm:styleLbl>
-  <dgm:styleLbl name="solidFgAcc1">
-    <dgm:scene3d>
-      <a:camera prst="orthographicFront"/>
-      <a:lightRig rig="threePt" dir="t"/>
-    </dgm:scene3d>
-    <dgm:sp3d/>
-    <dgm:txPr/>
-    <dgm:style>
-      <a:lnRef idx="1">
-        <a:scrgbClr r="0" g="0" b="0"/>
-      </a:lnRef>
-      <a:fillRef idx="2">
-        <a:scrgbClr r="0" g="0" b="0"/>
-      </a:fillRef>
-      <a:effectRef idx="0">
-        <a:scrgbClr r="0" g="0" b="0"/>
-      </a:effectRef>
-      <a:fontRef idx="minor"/>
-    </dgm:style>
-  </dgm:styleLbl>
-  <dgm:styleLbl name="solidAlignAcc1">
-    <dgm:scene3d>
-      <a:camera prst="orthographicFront"/>
-      <a:lightRig rig="threePt" dir="t"/>
-    </dgm:scene3d>
-    <dgm:sp3d/>
-    <dgm:txPr/>
-    <dgm:style>
-      <a:lnRef idx="1">
-        <a:scrgbClr r="0" g="0" b="0"/>
-      </a:lnRef>
-      <a:fillRef idx="1">
-        <a:scrgbClr r="0" g="0" b="0"/>
-      </a:fillRef>
-      <a:effectRef idx="0">
-        <a:scrgbClr r="0" g="0" b="0"/>
-      </a:effectRef>
-      <a:fontRef idx="minor"/>
-    </dgm:style>
-  </dgm:styleLbl>
-  <dgm:styleLbl name="solidBgAcc1">
-    <dgm:scene3d>
-      <a:camera prst="orthographicFront"/>
-      <a:lightRig rig="threePt" dir="t"/>
-    </dgm:scene3d>
-    <dgm:sp3d/>
-    <dgm:txPr/>
-    <dgm:style>
-      <a:lnRef idx="1">
-        <a:scrgbClr r="0" g="0" b="0"/>
-      </a:lnRef>
-      <a:fillRef idx="1">
-        <a:scrgbClr r="0" g="0" b="0"/>
-      </a:fillRef>
-      <a:effectRef idx="0">
-        <a:scrgbClr r="0" g="0" b="0"/>
-      </a:effectRef>
-      <a:fontRef idx="minor"/>
-    </dgm:style>
-  </dgm:styleLbl>
-  <dgm:styleLbl name="fgAccFollowNode1">
-    <dgm:scene3d>
-      <a:camera prst="orthographicFront"/>
-      <a:lightRig rig="threePt" dir="t"/>
-    </dgm:scene3d>
-    <dgm:sp3d/>
-    <dgm:txPr/>
-    <dgm:style>
-      <a:lnRef idx="1">
-        <a:scrgbClr r="0" g="0" b="0"/>
-      </a:lnRef>
-      <a:fillRef idx="1">
-        <a:scrgbClr r="0" g="0" b="0"/>
-      </a:fillRef>
-      <a:effectRef idx="0">
-        <a:scrgbClr r="0" g="0" b="0"/>
-      </a:effectRef>
-      <a:fontRef idx="minor"/>
-    </dgm:style>
-  </dgm:styleLbl>
-  <dgm:styleLbl name="alignAccFollowNode1">
-    <dgm:scene3d>
-      <a:camera prst="orthographicFront"/>
-      <a:lightRig rig="threePt" dir="t"/>
-    </dgm:scene3d>
-    <dgm:sp3d/>
-    <dgm:txPr/>
-    <dgm:style>
-      <a:lnRef idx="1">
-        <a:scrgbClr r="0" g="0" b="0"/>
-      </a:lnRef>
-      <a:fillRef idx="1">
-        <a:scrgbClr r="0" g="0" b="0"/>
-      </a:fillRef>
-      <a:effectRef idx="0">
-        <a:scrgbClr r="0" g="0" b="0"/>
-      </a:effectRef>
-      <a:fontRef idx="minor"/>
-    </dgm:style>
-  </dgm:styleLbl>
-  <dgm:styleLbl name="bgAccFollowNode1">
-    <dgm:scene3d>
-      <a:camera prst="orthographicFront"/>
-      <a:lightRig rig="threePt" dir="t"/>
-    </dgm:scene3d>
-    <dgm:sp3d/>
-    <dgm:txPr/>
-    <dgm:style>
-      <a:lnRef idx="1">
-        <a:scrgbClr r="0" g="0" b="0"/>
-      </a:lnRef>
-      <a:fillRef idx="1">
-        <a:scrgbClr r="0" g="0" b="0"/>
-      </a:fillRef>
-      <a:effectRef idx="0">
-        <a:scrgbClr r="0" g="0" b="0"/>
-      </a:effectRef>
-      <a:fontRef idx="minor"/>
-    </dgm:style>
-  </dgm:styleLbl>
-  <dgm:styleLbl name="fgAcc0">
-    <dgm:scene3d>
-      <a:camera prst="orthographicFront"/>
-      <a:lightRig rig="threePt" dir="t"/>
-    </dgm:scene3d>
-    <dgm:sp3d/>
-    <dgm:txPr/>
-    <dgm:style>
-      <a:lnRef idx="1">
-        <a:scrgbClr r="0" g="0" b="0"/>
-      </a:lnRef>
-      <a:fillRef idx="1">
-        <a:scrgbClr r="0" g="0" b="0"/>
-      </a:fillRef>
-      <a:effectRef idx="0">
-        <a:scrgbClr r="0" g="0" b="0"/>
-      </a:effectRef>
-      <a:fontRef idx="minor"/>
-    </dgm:style>
-  </dgm:styleLbl>
-  <dgm:styleLbl name="fgAcc2">
-    <dgm:scene3d>
-      <a:camera prst="orthographicFront"/>
-      <a:lightRig rig="threePt" dir="t"/>
-    </dgm:scene3d>
-    <dgm:sp3d/>
-    <dgm:txPr/>
-    <dgm:style>
-      <a:lnRef idx="1">
-        <a:scrgbClr r="0" g="0" b="0"/>
-      </a:lnRef>
-      <a:fillRef idx="1">
-        <a:scrgbClr r="0" g="0" b="0"/>
-      </a:fillRef>
-      <a:effectRef idx="0">
-        <a:scrgbClr r="0" g="0" b="0"/>
-      </a:effectRef>
-      <a:fontRef idx="minor"/>
-    </dgm:style>
-  </dgm:styleLbl>
-  <dgm:styleLbl name="fgAcc3">
-    <dgm:scene3d>
-      <a:camera prst="orthographicFront"/>
-      <a:lightRig rig="threePt" dir="t"/>
-    </dgm:scene3d>
-    <dgm:sp3d/>
-    <dgm:txPr/>
-    <dgm:style>
-      <a:lnRef idx="1">
-        <a:scrgbClr r="0" g="0" b="0"/>
-      </a:lnRef>
-      <a:fillRef idx="1">
-        <a:scrgbClr r="0" g="0" b="0"/>
-      </a:fillRef>
-      <a:effectRef idx="0">
-        <a:scrgbClr r="0" g="0" b="0"/>
-      </a:effectRef>
-      <a:fontRef idx="minor"/>
-    </dgm:style>
-  </dgm:styleLbl>
-  <dgm:styleLbl name="fgAcc4">
-    <dgm:scene3d>
-      <a:camera prst="orthographicFront"/>
-      <a:lightRig rig="threePt" dir="t"/>
-    </dgm:scene3d>
-    <dgm:sp3d/>
-    <dgm:txPr/>
-    <dgm:style>
-      <a:lnRef idx="1">
-        <a:scrgbClr r="0" g="0" b="0"/>
-      </a:lnRef>
-      <a:fillRef idx="1">
-        <a:scrgbClr r="0" g="0" b="0"/>
-      </a:fillRef>
-      <a:effectRef idx="0">
-        <a:scrgbClr r="0" g="0" b="0"/>
-      </a:effectRef>
-      <a:fontRef idx="minor"/>
-    </dgm:style>
-  </dgm:styleLbl>
-  <dgm:styleLbl name="bgShp">
-    <dgm:scene3d>
-      <a:camera prst="orthographicFront"/>
-      <a:lightRig rig="threePt" dir="t"/>
-    </dgm:scene3d>
-    <dgm:sp3d/>
-    <dgm:txPr/>
-    <dgm:style>
-      <a:lnRef idx="0">
-        <a:scrgbClr r="0" g="0" b="0"/>
-      </a:lnRef>
-      <a:fillRef idx="1">
-        <a:scrgbClr r="0" g="0" b="0"/>
-      </a:fillRef>
-      <a:effectRef idx="1">
-        <a:scrgbClr r="0" g="0" b="0"/>
-      </a:effectRef>
-      <a:fontRef idx="minor"/>
-    </dgm:style>
-  </dgm:styleLbl>
-  <dgm:styleLbl name="dkBgShp">
-    <dgm:scene3d>
-      <a:camera prst="orthographicFront"/>
-      <a:lightRig rig="threePt" dir="t"/>
-    </dgm:scene3d>
-    <dgm:sp3d/>
-    <dgm:txPr/>
-    <dgm:style>
-      <a:lnRef idx="0">
-        <a:scrgbClr r="0" g="0" b="0"/>
-      </a:lnRef>
-      <a:fillRef idx="1">
-        <a:scrgbClr r="0" g="0" b="0"/>
-      </a:fillRef>
-      <a:effectRef idx="1">
-        <a:scrgbClr r="0" g="0" b="0"/>
-      </a:effectRef>
-      <a:fontRef idx="minor"/>
-    </dgm:style>
-  </dgm:styleLbl>
-  <dgm:styleLbl name="trBgShp">
-    <dgm:scene3d>
-      <a:camera prst="orthographicFront"/>
-      <a:lightRig rig="threePt" dir="t"/>
-    </dgm:scene3d>
-    <dgm:sp3d/>
-    <dgm:txPr/>
-    <dgm:style>
-      <a:lnRef idx="0">
-        <a:scrgbClr r="0" g="0" b="0"/>
-      </a:lnRef>
-      <a:fillRef idx="1">
-        <a:scrgbClr r="0" g="0" b="0"/>
-      </a:fillRef>
-      <a:effectRef idx="0">
-        <a:scrgbClr r="0" g="0" b="0"/>
-      </a:effectRef>
-      <a:fontRef idx="minor"/>
-    </dgm:style>
-  </dgm:styleLbl>
-  <dgm:styleLbl name="fgShp">
-    <dgm:scene3d>
-      <a:camera prst="orthographicFront"/>
-      <a:lightRig rig="flat" dir="t"/>
-    </dgm:scene3d>
-    <dgm:sp3d prstMaterial="dkEdge">
-      <a:bevelT w="8200" h="38100"/>
-    </dgm:sp3d>
-    <dgm:txPr/>
-    <dgm:style>
-      <a:lnRef idx="1">
-        <a:scrgbClr r="0" g="0" b="0"/>
-      </a:lnRef>
-      <a:fillRef idx="2">
-        <a:scrgbClr r="0" g="0" b="0"/>
-      </a:fillRef>
-      <a:effectRef idx="1">
-        <a:scrgbClr r="0" g="0" b="0"/>
-      </a:effectRef>
-      <a:fontRef idx="minor"/>
-    </dgm:style>
-  </dgm:styleLbl>
-  <dgm:styleLbl name="revTx">
-    <dgm:scene3d>
-      <a:camera prst="orthographicFront"/>
-      <a:lightRig rig="threePt" dir="t"/>
-    </dgm:scene3d>
-    <dgm:sp3d/>
-    <dgm:txPr/>
-    <dgm:style>
-      <a:lnRef idx="0">
-        <a:scrgbClr r="0" g="0" b="0"/>
-      </a:lnRef>
-      <a:fillRef idx="0">
-        <a:scrgbClr r="0" g="0" b="0"/>
-      </a:fillRef>
-      <a:effectRef idx="0">
-        <a:scrgbClr r="0" g="0" b="0"/>
-      </a:effectRef>
-      <a:fontRef idx="minor"/>
-    </dgm:style>
-  </dgm:styleLbl>
-</dgm:styleDef>
-</file>
-
-<file path=ppt/diagrams/quickStyle8.xml><?xml version="1.0" encoding="utf-8"?>
 <dgm:styleDef xmlns:dgm="http://schemas.openxmlformats.org/drawingml/2006/diagram" xmlns:a="http://schemas.openxmlformats.org/drawingml/2006/main" uniqueId="urn:microsoft.com/office/officeart/2005/8/quickstyle/simple1">
   <dgm:title val=""/>
   <dgm:desc val=""/>
@@ -22905,7 +20513,7 @@
             <a:fld id="{012CC798-95E6-4C6B-A6AD-866E56D3EDC7}" type="datetimeFigureOut">
               <a:rPr lang="zh-CN" altLang="en-US" smtClean="0"/>
               <a:pPr/>
-              <a:t>2010/12/25</a:t>
+              <a:t>3/17/11</a:t>
             </a:fld>
             <a:endParaRPr lang="zh-CN" altLang="en-US"/>
           </a:p>
@@ -23074,6 +20682,11 @@
         </p:txBody>
       </p:sp>
     </p:spTree>
+    <p:extLst>
+      <p:ext uri="{BB962C8B-B14F-4D97-AF65-F5344CB8AC3E}">
+        <p14:creationId xmlns:p14="http://schemas.microsoft.com/office/powerpoint/2010/main" val="1026892795"/>
+      </p:ext>
+    </p:extLst>
   </p:cSld>
   <p:clrMap bg1="lt1" tx1="dk1" bg2="lt2" tx2="dk2" accent1="accent1" accent2="accent2" accent3="accent3" accent4="accent4" accent5="accent5" accent6="accent6" hlink="hlink" folHlink="folHlink"/>
   <p:notesStyle>
@@ -24444,22 +22057,6 @@
           </a:bodyPr>
           <a:lstStyle/>
           <a:p>
-            <a:r>
-              <a:rPr lang="zh-CN" altLang="en-US" dirty="0" smtClean="0"/>
-              <a:t>传统</a:t>
-            </a:r>
-            <a:r>
-              <a:rPr lang="en-US" altLang="zh-CN" smtClean="0"/>
-              <a:t>App</a:t>
-            </a:r>
-            <a:r>
-              <a:rPr lang="zh-CN" altLang="en-US" smtClean="0"/>
-              <a:t>的优雅降级是</a:t>
-            </a:r>
-            <a:r>
-              <a:rPr lang="zh-CN" altLang="en-US" dirty="0" smtClean="0"/>
-              <a:t>操作系统（不完全相同，但有相似之处）</a:t>
-            </a:r>
             <a:endParaRPr lang="zh-CN" altLang="en-US" dirty="0"/>
           </a:p>
         </p:txBody>
@@ -24547,7 +22144,64 @@
           </a:bodyPr>
           <a:lstStyle/>
           <a:p>
-            <a:endParaRPr lang="zh-CN" altLang="en-US" dirty="0"/>
+            <a:r>
+              <a:rPr lang="en-US" altLang="zh-CN" dirty="0" smtClean="0"/>
+              <a:t>http://</a:t>
+            </a:r>
+            <a:r>
+              <a:rPr lang="en-US" altLang="zh-CN" dirty="0" err="1" smtClean="0"/>
+              <a:t>www.brucelawson.co.uk</a:t>
+            </a:r>
+            <a:r>
+              <a:rPr lang="en-US" altLang="zh-CN" dirty="0" smtClean="0"/>
+              <a:t>/2011/</a:t>
+            </a:r>
+            <a:r>
+              <a:rPr lang="en-US" altLang="zh-CN" dirty="0" err="1" smtClean="0"/>
+              <a:t>javascript</a:t>
+            </a:r>
+            <a:r>
+              <a:rPr lang="en-US" altLang="zh-CN" dirty="0" smtClean="0"/>
+              <a:t>-and-</a:t>
+            </a:r>
+            <a:r>
+              <a:rPr lang="en-US" altLang="zh-CN" dirty="0" err="1" smtClean="0"/>
+              <a:t>screenreaders</a:t>
+            </a:r>
+            <a:r>
+              <a:rPr lang="en-US" altLang="zh-CN" dirty="0" smtClean="0"/>
+              <a:t>/</a:t>
+            </a:r>
+          </a:p>
+          <a:p>
+            <a:r>
+              <a:rPr lang="en-US" altLang="zh-CN" dirty="0" smtClean="0"/>
+              <a:t>http://</a:t>
+            </a:r>
+            <a:r>
+              <a:rPr lang="en-US" altLang="zh-CN" dirty="0" err="1" smtClean="0"/>
+              <a:t>developer.yahoo.com</a:t>
+            </a:r>
+            <a:r>
+              <a:rPr lang="en-US" altLang="zh-CN" dirty="0" smtClean="0"/>
+              <a:t>/blogs/</a:t>
+            </a:r>
+            <a:r>
+              <a:rPr lang="en-US" altLang="zh-CN" dirty="0" err="1" smtClean="0"/>
+              <a:t>ydn</a:t>
+            </a:r>
+            <a:r>
+              <a:rPr lang="en-US" altLang="zh-CN" dirty="0" smtClean="0"/>
+              <a:t>/posts/2010/10/how-many-users-have-</a:t>
+            </a:r>
+            <a:r>
+              <a:rPr lang="en-US" altLang="zh-CN" dirty="0" err="1" smtClean="0"/>
+              <a:t>javascript</a:t>
+            </a:r>
+            <a:r>
+              <a:rPr lang="en-US" altLang="zh-CN" dirty="0" smtClean="0"/>
+              <a:t>-disabled/</a:t>
+            </a:r>
           </a:p>
         </p:txBody>
       </p:sp>
@@ -24634,7 +22288,7 @@
           </a:bodyPr>
           <a:lstStyle/>
           <a:p>
-            <a:endParaRPr lang="zh-CN" altLang="en-US" dirty="0"/>
+            <a:endParaRPr lang="en-US" altLang="zh-CN" dirty="0" smtClean="0"/>
           </a:p>
         </p:txBody>
       </p:sp>
@@ -24721,7 +22375,7 @@
           </a:bodyPr>
           <a:lstStyle/>
           <a:p>
-            <a:endParaRPr lang="zh-CN" altLang="en-US"/>
+            <a:endParaRPr lang="zh-CN" altLang="en-US" dirty="0"/>
           </a:p>
         </p:txBody>
       </p:sp>
@@ -24982,6 +22636,93 @@
           </a:bodyPr>
           <a:lstStyle/>
           <a:p>
+            <a:endParaRPr lang="zh-CN" altLang="en-US"/>
+          </a:p>
+        </p:txBody>
+      </p:sp>
+      <p:sp>
+        <p:nvSpPr>
+          <p:cNvPr id="4" name="灯片编号占位符 3"/>
+          <p:cNvSpPr>
+            <a:spLocks noGrp="1"/>
+          </p:cNvSpPr>
+          <p:nvPr>
+            <p:ph type="sldNum" sz="quarter" idx="10"/>
+          </p:nvPr>
+        </p:nvSpPr>
+        <p:spPr/>
+        <p:txBody>
+          <a:bodyPr/>
+          <a:lstStyle/>
+          <a:p>
+            <a:fld id="{626B8F42-A7E9-4FC8-9331-9D04CF2D5886}" type="slidenum">
+              <a:rPr lang="zh-CN" altLang="en-US" smtClean="0"/>
+              <a:pPr/>
+              <a:t>28</a:t>
+            </a:fld>
+            <a:endParaRPr lang="zh-CN" altLang="en-US"/>
+          </a:p>
+        </p:txBody>
+      </p:sp>
+    </p:spTree>
+  </p:cSld>
+  <p:clrMapOvr>
+    <a:masterClrMapping/>
+  </p:clrMapOvr>
+</p:notes>
+</file>
+
+<file path=ppt/notesSlides/notesSlide29.xml><?xml version="1.0" encoding="utf-8"?>
+<p:notes xmlns:a="http://schemas.openxmlformats.org/drawingml/2006/main" xmlns:r="http://schemas.openxmlformats.org/officeDocument/2006/relationships" xmlns:p="http://schemas.openxmlformats.org/presentationml/2006/main">
+  <p:cSld>
+    <p:spTree>
+      <p:nvGrpSpPr>
+        <p:cNvPr id="1" name=""/>
+        <p:cNvGrpSpPr/>
+        <p:nvPr/>
+      </p:nvGrpSpPr>
+      <p:grpSpPr>
+        <a:xfrm>
+          <a:off x="0" y="0"/>
+          <a:ext cx="0" cy="0"/>
+          <a:chOff x="0" y="0"/>
+          <a:chExt cx="0" cy="0"/>
+        </a:xfrm>
+      </p:grpSpPr>
+      <p:sp>
+        <p:nvSpPr>
+          <p:cNvPr id="2" name="幻灯片图像占位符 1"/>
+          <p:cNvSpPr>
+            <a:spLocks noGrp="1" noRot="1" noChangeAspect="1"/>
+          </p:cNvSpPr>
+          <p:nvPr>
+            <p:ph type="sldImg"/>
+          </p:nvPr>
+        </p:nvSpPr>
+        <p:spPr>
+          <a:xfrm>
+            <a:off x="1143000" y="685800"/>
+            <a:ext cx="4572000" cy="3429000"/>
+          </a:xfrm>
+        </p:spPr>
+      </p:sp>
+      <p:sp>
+        <p:nvSpPr>
+          <p:cNvPr id="3" name="备注占位符 2"/>
+          <p:cNvSpPr>
+            <a:spLocks noGrp="1"/>
+          </p:cNvSpPr>
+          <p:nvPr>
+            <p:ph type="body" idx="1"/>
+          </p:nvPr>
+        </p:nvSpPr>
+        <p:spPr/>
+        <p:txBody>
+          <a:bodyPr>
+            <a:normAutofit/>
+          </a:bodyPr>
+          <a:lstStyle/>
+          <a:p>
             <a:endParaRPr lang="zh-CN" altLang="en-US" dirty="0"/>
           </a:p>
         </p:txBody>
@@ -25092,6 +22833,180 @@
               <a:rPr lang="zh-CN" altLang="en-US" smtClean="0"/>
               <a:pPr/>
               <a:t>3</a:t>
+            </a:fld>
+            <a:endParaRPr lang="zh-CN" altLang="en-US"/>
+          </a:p>
+        </p:txBody>
+      </p:sp>
+    </p:spTree>
+  </p:cSld>
+  <p:clrMapOvr>
+    <a:masterClrMapping/>
+  </p:clrMapOvr>
+</p:notes>
+</file>
+
+<file path=ppt/notesSlides/notesSlide30.xml><?xml version="1.0" encoding="utf-8"?>
+<p:notes xmlns:a="http://schemas.openxmlformats.org/drawingml/2006/main" xmlns:r="http://schemas.openxmlformats.org/officeDocument/2006/relationships" xmlns:p="http://schemas.openxmlformats.org/presentationml/2006/main">
+  <p:cSld>
+    <p:spTree>
+      <p:nvGrpSpPr>
+        <p:cNvPr id="1" name=""/>
+        <p:cNvGrpSpPr/>
+        <p:nvPr/>
+      </p:nvGrpSpPr>
+      <p:grpSpPr>
+        <a:xfrm>
+          <a:off x="0" y="0"/>
+          <a:ext cx="0" cy="0"/>
+          <a:chOff x="0" y="0"/>
+          <a:chExt cx="0" cy="0"/>
+        </a:xfrm>
+      </p:grpSpPr>
+      <p:sp>
+        <p:nvSpPr>
+          <p:cNvPr id="2" name="幻灯片图像占位符 1"/>
+          <p:cNvSpPr>
+            <a:spLocks noGrp="1" noRot="1" noChangeAspect="1"/>
+          </p:cNvSpPr>
+          <p:nvPr>
+            <p:ph type="sldImg"/>
+          </p:nvPr>
+        </p:nvSpPr>
+        <p:spPr>
+          <a:xfrm>
+            <a:off x="1143000" y="685800"/>
+            <a:ext cx="4572000" cy="3429000"/>
+          </a:xfrm>
+        </p:spPr>
+      </p:sp>
+      <p:sp>
+        <p:nvSpPr>
+          <p:cNvPr id="3" name="备注占位符 2"/>
+          <p:cNvSpPr>
+            <a:spLocks noGrp="1"/>
+          </p:cNvSpPr>
+          <p:nvPr>
+            <p:ph type="body" idx="1"/>
+          </p:nvPr>
+        </p:nvSpPr>
+        <p:spPr/>
+        <p:txBody>
+          <a:bodyPr>
+            <a:normAutofit/>
+          </a:bodyPr>
+          <a:lstStyle/>
+          <a:p>
+            <a:endParaRPr lang="zh-CN" altLang="en-US" dirty="0"/>
+          </a:p>
+        </p:txBody>
+      </p:sp>
+      <p:sp>
+        <p:nvSpPr>
+          <p:cNvPr id="4" name="灯片编号占位符 3"/>
+          <p:cNvSpPr>
+            <a:spLocks noGrp="1"/>
+          </p:cNvSpPr>
+          <p:nvPr>
+            <p:ph type="sldNum" sz="quarter" idx="10"/>
+          </p:nvPr>
+        </p:nvSpPr>
+        <p:spPr/>
+        <p:txBody>
+          <a:bodyPr/>
+          <a:lstStyle/>
+          <a:p>
+            <a:fld id="{626B8F42-A7E9-4FC8-9331-9D04CF2D5886}" type="slidenum">
+              <a:rPr lang="zh-CN" altLang="en-US" smtClean="0"/>
+              <a:pPr/>
+              <a:t>30</a:t>
+            </a:fld>
+            <a:endParaRPr lang="zh-CN" altLang="en-US"/>
+          </a:p>
+        </p:txBody>
+      </p:sp>
+    </p:spTree>
+  </p:cSld>
+  <p:clrMapOvr>
+    <a:masterClrMapping/>
+  </p:clrMapOvr>
+</p:notes>
+</file>
+
+<file path=ppt/notesSlides/notesSlide31.xml><?xml version="1.0" encoding="utf-8"?>
+<p:notes xmlns:a="http://schemas.openxmlformats.org/drawingml/2006/main" xmlns:r="http://schemas.openxmlformats.org/officeDocument/2006/relationships" xmlns:p="http://schemas.openxmlformats.org/presentationml/2006/main">
+  <p:cSld>
+    <p:spTree>
+      <p:nvGrpSpPr>
+        <p:cNvPr id="1" name=""/>
+        <p:cNvGrpSpPr/>
+        <p:nvPr/>
+      </p:nvGrpSpPr>
+      <p:grpSpPr>
+        <a:xfrm>
+          <a:off x="0" y="0"/>
+          <a:ext cx="0" cy="0"/>
+          <a:chOff x="0" y="0"/>
+          <a:chExt cx="0" cy="0"/>
+        </a:xfrm>
+      </p:grpSpPr>
+      <p:sp>
+        <p:nvSpPr>
+          <p:cNvPr id="2" name="幻灯片图像占位符 1"/>
+          <p:cNvSpPr>
+            <a:spLocks noGrp="1" noRot="1" noChangeAspect="1"/>
+          </p:cNvSpPr>
+          <p:nvPr>
+            <p:ph type="sldImg"/>
+          </p:nvPr>
+        </p:nvSpPr>
+        <p:spPr>
+          <a:xfrm>
+            <a:off x="1143000" y="685800"/>
+            <a:ext cx="4572000" cy="3429000"/>
+          </a:xfrm>
+        </p:spPr>
+      </p:sp>
+      <p:sp>
+        <p:nvSpPr>
+          <p:cNvPr id="3" name="备注占位符 2"/>
+          <p:cNvSpPr>
+            <a:spLocks noGrp="1"/>
+          </p:cNvSpPr>
+          <p:nvPr>
+            <p:ph type="body" idx="1"/>
+          </p:nvPr>
+        </p:nvSpPr>
+        <p:spPr/>
+        <p:txBody>
+          <a:bodyPr>
+            <a:normAutofit/>
+          </a:bodyPr>
+          <a:lstStyle/>
+          <a:p>
+            <a:endParaRPr lang="zh-CN" altLang="en-US" dirty="0"/>
+          </a:p>
+        </p:txBody>
+      </p:sp>
+      <p:sp>
+        <p:nvSpPr>
+          <p:cNvPr id="4" name="灯片编号占位符 3"/>
+          <p:cNvSpPr>
+            <a:spLocks noGrp="1"/>
+          </p:cNvSpPr>
+          <p:nvPr>
+            <p:ph type="sldNum" sz="quarter" idx="10"/>
+          </p:nvPr>
+        </p:nvSpPr>
+        <p:spPr/>
+        <p:txBody>
+          <a:bodyPr/>
+          <a:lstStyle/>
+          <a:p>
+            <a:fld id="{626B8F42-A7E9-4FC8-9331-9D04CF2D5886}" type="slidenum">
+              <a:rPr lang="zh-CN" altLang="en-US" smtClean="0"/>
+              <a:pPr/>
+              <a:t>32</a:t>
             </a:fld>
             <a:endParaRPr lang="zh-CN" altLang="en-US"/>
           </a:p>
@@ -25817,7 +23732,7 @@
             <a:fld id="{530820CF-B880-4189-942D-D702A7CBA730}" type="datetimeFigureOut">
               <a:rPr lang="zh-CN" altLang="en-US" smtClean="0"/>
               <a:pPr/>
-              <a:t>2010/12/25</a:t>
+              <a:t>3/17/11</a:t>
             </a:fld>
             <a:endParaRPr lang="zh-CN" altLang="en-US"/>
           </a:p>
@@ -25984,7 +23899,7 @@
             <a:fld id="{530820CF-B880-4189-942D-D702A7CBA730}" type="datetimeFigureOut">
               <a:rPr lang="zh-CN" altLang="en-US" smtClean="0"/>
               <a:pPr/>
-              <a:t>2010/12/25</a:t>
+              <a:t>3/17/11</a:t>
             </a:fld>
             <a:endParaRPr lang="zh-CN" altLang="en-US"/>
           </a:p>
@@ -26169,7 +24084,7 @@
             <a:fld id="{530820CF-B880-4189-942D-D702A7CBA730}" type="datetimeFigureOut">
               <a:rPr lang="zh-CN" altLang="en-US" smtClean="0"/>
               <a:pPr/>
-              <a:t>2010/12/25</a:t>
+              <a:t>3/17/11</a:t>
             </a:fld>
             <a:endParaRPr lang="zh-CN" altLang="en-US"/>
           </a:p>
@@ -26344,7 +24259,7 @@
             <a:fld id="{530820CF-B880-4189-942D-D702A7CBA730}" type="datetimeFigureOut">
               <a:rPr lang="zh-CN" altLang="en-US" smtClean="0"/>
               <a:pPr/>
-              <a:t>2010/12/25</a:t>
+              <a:t>3/17/11</a:t>
             </a:fld>
             <a:endParaRPr lang="zh-CN" altLang="en-US"/>
           </a:p>
@@ -26587,7 +24502,7 @@
             <a:fld id="{530820CF-B880-4189-942D-D702A7CBA730}" type="datetimeFigureOut">
               <a:rPr lang="zh-CN" altLang="en-US" smtClean="0"/>
               <a:pPr/>
-              <a:t>2010/12/25</a:t>
+              <a:t>3/17/11</a:t>
             </a:fld>
             <a:endParaRPr lang="zh-CN" altLang="en-US"/>
           </a:p>
@@ -26880,7 +24795,7 @@
             <a:fld id="{530820CF-B880-4189-942D-D702A7CBA730}" type="datetimeFigureOut">
               <a:rPr lang="zh-CN" altLang="en-US" smtClean="0"/>
               <a:pPr/>
-              <a:t>2010/12/25</a:t>
+              <a:t>3/17/11</a:t>
             </a:fld>
             <a:endParaRPr lang="zh-CN" altLang="en-US"/>
           </a:p>
@@ -27307,7 +25222,7 @@
             <a:fld id="{530820CF-B880-4189-942D-D702A7CBA730}" type="datetimeFigureOut">
               <a:rPr lang="zh-CN" altLang="en-US" smtClean="0"/>
               <a:pPr/>
-              <a:t>2010/12/25</a:t>
+              <a:t>3/17/11</a:t>
             </a:fld>
             <a:endParaRPr lang="zh-CN" altLang="en-US"/>
           </a:p>
@@ -27430,7 +25345,7 @@
             <a:fld id="{530820CF-B880-4189-942D-D702A7CBA730}" type="datetimeFigureOut">
               <a:rPr lang="zh-CN" altLang="en-US" smtClean="0"/>
               <a:pPr/>
-              <a:t>2010/12/25</a:t>
+              <a:t>3/17/11</a:t>
             </a:fld>
             <a:endParaRPr lang="zh-CN" altLang="en-US"/>
           </a:p>
@@ -27530,7 +25445,7 @@
             <a:fld id="{530820CF-B880-4189-942D-D702A7CBA730}" type="datetimeFigureOut">
               <a:rPr lang="zh-CN" altLang="en-US" smtClean="0"/>
               <a:pPr/>
-              <a:t>2010/12/25</a:t>
+              <a:t>3/17/11</a:t>
             </a:fld>
             <a:endParaRPr lang="zh-CN" altLang="en-US"/>
           </a:p>
@@ -27812,7 +25727,7 @@
             <a:fld id="{530820CF-B880-4189-942D-D702A7CBA730}" type="datetimeFigureOut">
               <a:rPr lang="zh-CN" altLang="en-US" smtClean="0"/>
               <a:pPr/>
-              <a:t>2010/12/25</a:t>
+              <a:t>3/17/11</a:t>
             </a:fld>
             <a:endParaRPr lang="zh-CN" altLang="en-US"/>
           </a:p>
@@ -28070,7 +25985,7 @@
             <a:fld id="{530820CF-B880-4189-942D-D702A7CBA730}" type="datetimeFigureOut">
               <a:rPr lang="zh-CN" altLang="en-US" smtClean="0"/>
               <a:pPr/>
-              <a:t>2010/12/25</a:t>
+              <a:t>3/17/11</a:t>
             </a:fld>
             <a:endParaRPr lang="zh-CN" altLang="en-US"/>
           </a:p>
@@ -28297,7 +26212,7 @@
             <a:fld id="{530820CF-B880-4189-942D-D702A7CBA730}" type="datetimeFigureOut">
               <a:rPr lang="zh-CN" altLang="en-US" smtClean="0"/>
               <a:pPr/>
-              <a:t>2010/12/25</a:t>
+              <a:t>3/17/11</a:t>
             </a:fld>
             <a:endParaRPr lang="zh-CN" altLang="en-US"/>
           </a:p>
@@ -28783,7 +26698,7 @@
           <a:lstStyle/>
           <a:p>
             <a:r>
-              <a:rPr lang="zh-CN" altLang="en-US" sz="3000" smtClean="0">
+              <a:rPr lang="zh-CN" altLang="en-US" sz="3000" dirty="0" smtClean="0">
                 <a:solidFill>
                   <a:schemeClr val="accent6">
                     <a:lumMod val="40000"/>
@@ -28793,33 +26708,7 @@
                 <a:latin typeface="微软雅黑" pitchFamily="34" charset="-122"/>
                 <a:ea typeface="微软雅黑" pitchFamily="34" charset="-122"/>
               </a:rPr>
-              <a:t>淘宝</a:t>
-            </a:r>
-            <a:r>
-              <a:rPr lang="en-US" altLang="zh-CN" sz="3000" smtClean="0">
-                <a:solidFill>
-                  <a:schemeClr val="accent6">
-                    <a:lumMod val="40000"/>
-                    <a:lumOff val="60000"/>
-                  </a:schemeClr>
-                </a:solidFill>
-                <a:latin typeface="微软雅黑" pitchFamily="34" charset="-122"/>
-                <a:ea typeface="微软雅黑" pitchFamily="34" charset="-122"/>
-              </a:rPr>
-              <a:t>UED</a:t>
-            </a:r>
-            <a:r>
-              <a:rPr lang="zh-CN" altLang="en-US" sz="3000" smtClean="0">
-                <a:solidFill>
-                  <a:schemeClr val="accent6">
-                    <a:lumMod val="40000"/>
-                    <a:lumOff val="60000"/>
-                  </a:schemeClr>
-                </a:solidFill>
-                <a:latin typeface="微软雅黑" pitchFamily="34" charset="-122"/>
-                <a:ea typeface="微软雅黑" pitchFamily="34" charset="-122"/>
-              </a:rPr>
-              <a:t>：玉</a:t>
+              <a:t>玉</a:t>
             </a:r>
             <a:r>
               <a:rPr lang="zh-CN" altLang="en-US" sz="3000" dirty="0" smtClean="0">
@@ -28847,30 +26736,6 @@
           </a:p>
         </p:txBody>
       </p:sp>
-      <p:pic>
-        <p:nvPicPr>
-          <p:cNvPr id="6" name="Picture 5" descr="lazytalk.png"/>
-          <p:cNvPicPr>
-            <a:picLocks noChangeAspect="1"/>
-          </p:cNvPicPr>
-          <p:nvPr/>
-        </p:nvPicPr>
-        <p:blipFill>
-          <a:blip r:embed="rId3" cstate="print"/>
-          <a:stretch>
-            <a:fillRect/>
-          </a:stretch>
-        </p:blipFill>
-        <p:spPr>
-          <a:xfrm>
-            <a:off x="6500825" y="142852"/>
-            <a:ext cx="2500331" cy="1083339"/>
-          </a:xfrm>
-          <a:prstGeom prst="rect">
-            <a:avLst/>
-          </a:prstGeom>
-        </p:spPr>
-      </p:pic>
     </p:spTree>
   </p:cSld>
   <p:clrMapOvr>
@@ -28879,7 +26744,7 @@
   <p:timing>
     <p:tnLst>
       <p:par>
-        <p:cTn id="1" dur="indefinite" restart="never" nodeType="tmRoot"/>
+        <p:cTn xmlns:p14="http://schemas.microsoft.com/office/powerpoint/2010/main" id="1" dur="indefinite" restart="never" nodeType="tmRoot"/>
       </p:par>
     </p:tnLst>
   </p:timing>
@@ -29281,7 +27146,7 @@
   <p:timing>
     <p:tnLst>
       <p:par>
-        <p:cTn id="1" dur="indefinite" restart="never" nodeType="tmRoot">
+        <p:cTn xmlns:p14="http://schemas.microsoft.com/office/powerpoint/2010/main" id="1" dur="indefinite" restart="never" nodeType="tmRoot">
           <p:childTnLst>
             <p:seq concurrent="1" nextAc="seek">
               <p:cTn id="2" dur="indefinite" nodeType="mainSeq">
@@ -30095,11 +27960,11 @@
   <p:clrMapOvr>
     <a:masterClrMapping/>
   </p:clrMapOvr>
-  <p:transition/>
+  <p:transition xmlns:p14="http://schemas.microsoft.com/office/powerpoint/2010/main"/>
   <p:timing>
     <p:tnLst>
       <p:par>
-        <p:cTn id="1" dur="indefinite" restart="never" nodeType="tmRoot">
+        <p:cTn xmlns:p14="http://schemas.microsoft.com/office/powerpoint/2010/main" id="1" dur="indefinite" restart="never" nodeType="tmRoot">
           <p:childTnLst>
             <p:seq concurrent="1" nextAc="seek">
               <p:cTn id="2" dur="indefinite" nodeType="mainSeq">
@@ -30529,11 +28394,11 @@
   <p:clrMapOvr>
     <a:masterClrMapping/>
   </p:clrMapOvr>
-  <p:transition/>
+  <p:transition xmlns:p14="http://schemas.microsoft.com/office/powerpoint/2010/main"/>
   <p:timing>
     <p:tnLst>
       <p:par>
-        <p:cTn id="1" dur="indefinite" restart="never" nodeType="tmRoot">
+        <p:cTn xmlns:p14="http://schemas.microsoft.com/office/powerpoint/2010/main" id="1" dur="indefinite" restart="never" nodeType="tmRoot">
           <p:childTnLst>
             <p:seq concurrent="1" nextAc="seek">
               <p:cTn id="2" dur="indefinite" nodeType="mainSeq">
@@ -30763,11 +28628,11 @@
   <p:clrMapOvr>
     <a:masterClrMapping/>
   </p:clrMapOvr>
-  <p:transition/>
+  <p:transition xmlns:p14="http://schemas.microsoft.com/office/powerpoint/2010/main"/>
   <p:timing>
     <p:tnLst>
       <p:par>
-        <p:cTn id="1" dur="indefinite" restart="never" nodeType="tmRoot">
+        <p:cTn xmlns:p14="http://schemas.microsoft.com/office/powerpoint/2010/main" id="1" dur="indefinite" restart="never" nodeType="tmRoot">
           <p:childTnLst>
             <p:seq concurrent="1" nextAc="seek">
               <p:cTn id="2" dur="indefinite" nodeType="mainSeq">
@@ -31092,11 +28957,11 @@
   <p:clrMapOvr>
     <a:masterClrMapping/>
   </p:clrMapOvr>
-  <p:transition/>
+  <p:transition xmlns:p14="http://schemas.microsoft.com/office/powerpoint/2010/main"/>
   <p:timing>
     <p:tnLst>
       <p:par>
-        <p:cTn id="1" dur="indefinite" restart="never" nodeType="tmRoot">
+        <p:cTn xmlns:p14="http://schemas.microsoft.com/office/powerpoint/2010/main" id="1" dur="indefinite" restart="never" nodeType="tmRoot">
           <p:childTnLst>
             <p:seq concurrent="1" nextAc="seek">
               <p:cTn id="2" dur="indefinite" nodeType="mainSeq">
@@ -31763,11 +29628,11 @@
   <p:clrMapOvr>
     <a:masterClrMapping/>
   </p:clrMapOvr>
-  <p:transition/>
+  <p:transition xmlns:p14="http://schemas.microsoft.com/office/powerpoint/2010/main"/>
   <p:timing>
     <p:tnLst>
       <p:par>
-        <p:cTn id="1" dur="indefinite" restart="never" nodeType="tmRoot">
+        <p:cTn xmlns:p14="http://schemas.microsoft.com/office/powerpoint/2010/main" id="1" dur="indefinite" restart="never" nodeType="tmRoot">
           <p:childTnLst>
             <p:seq concurrent="1" nextAc="seek">
               <p:cTn id="2" dur="indefinite" nodeType="mainSeq">
@@ -32318,11 +30183,11 @@
   <p:clrMapOvr>
     <a:masterClrMapping/>
   </p:clrMapOvr>
-  <p:transition/>
+  <p:transition xmlns:p14="http://schemas.microsoft.com/office/powerpoint/2010/main"/>
   <p:timing>
     <p:tnLst>
       <p:par>
-        <p:cTn id="1" dur="indefinite" restart="never" nodeType="tmRoot">
+        <p:cTn xmlns:p14="http://schemas.microsoft.com/office/powerpoint/2010/main" id="1" dur="indefinite" restart="never" nodeType="tmRoot">
           <p:childTnLst>
             <p:seq concurrent="1" nextAc="seek">
               <p:cTn id="2" dur="indefinite" nodeType="mainSeq">
@@ -33097,7 +30962,7 @@
   <p:timing>
     <p:tnLst>
       <p:par>
-        <p:cTn id="1" dur="indefinite" restart="never" nodeType="tmRoot">
+        <p:cTn xmlns:p14="http://schemas.microsoft.com/office/powerpoint/2010/main" id="1" dur="indefinite" restart="never" nodeType="tmRoot">
           <p:childTnLst>
             <p:seq concurrent="1" nextAc="seek">
               <p:cTn id="2" dur="indefinite" nodeType="mainSeq">
@@ -33608,7 +31473,13 @@
         <p:nvGraphicFramePr>
           <p:cNvPr id="4" name="Diagram 3"/>
           <p:cNvGraphicFramePr/>
-          <p:nvPr/>
+          <p:nvPr>
+            <p:extLst>
+              <p:ext uri="{D42A27DB-BD31-4B8C-83A1-F6EECF244321}">
+                <p14:modId xmlns:p14="http://schemas.microsoft.com/office/powerpoint/2010/main" val="2360909074"/>
+              </p:ext>
+            </p:extLst>
+          </p:nvPr>
         </p:nvGraphicFramePr>
         <p:xfrm>
           <a:off x="1071538" y="1500174"/>
@@ -33750,11 +31621,11 @@
   <p:clrMapOvr>
     <a:masterClrMapping/>
   </p:clrMapOvr>
-  <p:transition/>
+  <p:transition xmlns:p14="http://schemas.microsoft.com/office/powerpoint/2010/main"/>
   <p:timing>
     <p:tnLst>
       <p:par>
-        <p:cTn id="1" dur="indefinite" restart="never" nodeType="tmRoot">
+        <p:cTn xmlns:p14="http://schemas.microsoft.com/office/powerpoint/2010/main" id="1" dur="indefinite" restart="never" nodeType="tmRoot">
           <p:childTnLst>
             <p:seq concurrent="1" nextAc="seek">
               <p:cTn id="2" dur="indefinite" nodeType="mainSeq">
@@ -34165,11 +32036,11 @@
   <p:clrMapOvr>
     <a:masterClrMapping/>
   </p:clrMapOvr>
-  <p:transition/>
+  <p:transition xmlns:p14="http://schemas.microsoft.com/office/powerpoint/2010/main"/>
   <p:timing>
     <p:tnLst>
       <p:par>
-        <p:cTn id="1" dur="indefinite" restart="never" nodeType="tmRoot"/>
+        <p:cTn xmlns:p14="http://schemas.microsoft.com/office/powerpoint/2010/main" id="1" dur="indefinite" restart="never" nodeType="tmRoot"/>
       </p:par>
     </p:tnLst>
   </p:timing>
@@ -34296,6 +32167,16 @@
               <a:buAutoNum type="ea1JpnChsDbPeriod"/>
             </a:pPr>
             <a:r>
+              <a:rPr lang="en-US" altLang="zh-CN" dirty="0" smtClean="0">
+                <a:solidFill>
+                  <a:schemeClr val="bg1"/>
+                </a:solidFill>
+                <a:latin typeface="微软雅黑" pitchFamily="34" charset="-122"/>
+                <a:ea typeface="微软雅黑" pitchFamily="34" charset="-122"/>
+              </a:rPr>
+              <a:t>HTML5 </a:t>
+            </a:r>
+            <a:r>
               <a:rPr lang="zh-CN" altLang="en-US" dirty="0" smtClean="0">
                 <a:solidFill>
                   <a:schemeClr val="bg1"/>
@@ -34303,29 +32184,42 @@
                 <a:latin typeface="微软雅黑" pitchFamily="34" charset="-122"/>
                 <a:ea typeface="微软雅黑" pitchFamily="34" charset="-122"/>
               </a:rPr>
-              <a:t>渐进增强的</a:t>
+              <a:t>时代的</a:t>
             </a:r>
             <a:r>
-              <a:rPr lang="zh-CN" altLang="en-US" smtClean="0">
+              <a:rPr lang="zh-CN" altLang="en-US" dirty="0" smtClean="0">
                 <a:solidFill>
                   <a:schemeClr val="bg1"/>
                 </a:solidFill>
                 <a:latin typeface="微软雅黑" pitchFamily="34" charset="-122"/>
                 <a:ea typeface="微软雅黑" pitchFamily="34" charset="-122"/>
               </a:rPr>
-              <a:t>魅</a:t>
+              <a:t>渐进增强</a:t>
             </a:r>
+            <a:endParaRPr lang="en-US" altLang="zh-CN" dirty="0" smtClean="0">
+              <a:solidFill>
+                <a:schemeClr val="bg1"/>
+              </a:solidFill>
+              <a:latin typeface="微软雅黑" pitchFamily="34" charset="-122"/>
+              <a:ea typeface="微软雅黑" pitchFamily="34" charset="-122"/>
+            </a:endParaRPr>
+          </a:p>
+          <a:p>
+            <a:pPr marL="571500" indent="-571500">
+              <a:buFont typeface="+mj-ea"/>
+              <a:buAutoNum type="ea1JpnChsDbPeriod"/>
+            </a:pPr>
             <a:r>
-              <a:rPr lang="zh-CN" altLang="en-US" smtClean="0">
+              <a:rPr lang="zh-CN" altLang="en-US" dirty="0" smtClean="0">
                 <a:solidFill>
                   <a:schemeClr val="bg1"/>
                 </a:solidFill>
                 <a:latin typeface="微软雅黑" pitchFamily="34" charset="-122"/>
                 <a:ea typeface="微软雅黑" pitchFamily="34" charset="-122"/>
               </a:rPr>
-              <a:t>力</a:t>
+              <a:t>小结</a:t>
             </a:r>
-            <a:endParaRPr lang="en-US" altLang="zh-CN" smtClean="0">
+            <a:endParaRPr lang="en-US" altLang="zh-CN" dirty="0" smtClean="0">
               <a:solidFill>
                 <a:schemeClr val="bg1"/>
               </a:solidFill>
@@ -34343,7 +32237,7 @@
   <p:timing>
     <p:tnLst>
       <p:par>
-        <p:cTn id="1" dur="indefinite" restart="never" nodeType="tmRoot"/>
+        <p:cTn xmlns:p14="http://schemas.microsoft.com/office/powerpoint/2010/main" id="1" dur="indefinite" restart="never" nodeType="tmRoot"/>
       </p:par>
     </p:tnLst>
   </p:timing>
@@ -34555,11 +32449,11 @@
   <p:clrMapOvr>
     <a:masterClrMapping/>
   </p:clrMapOvr>
-  <p:transition/>
+  <p:transition xmlns:p14="http://schemas.microsoft.com/office/powerpoint/2010/main"/>
   <p:timing>
     <p:tnLst>
       <p:par>
-        <p:cTn id="1" dur="indefinite" restart="never" nodeType="tmRoot">
+        <p:cTn xmlns:p14="http://schemas.microsoft.com/office/powerpoint/2010/main" id="1" dur="indefinite" restart="never" nodeType="tmRoot">
           <p:childTnLst>
             <p:seq concurrent="1" nextAc="seek">
               <p:cTn id="2" dur="indefinite" nodeType="mainSeq">
@@ -34876,7 +32770,13 @@
         <p:nvGraphicFramePr>
           <p:cNvPr id="5" name="Diagram 4"/>
           <p:cNvGraphicFramePr/>
-          <p:nvPr/>
+          <p:nvPr>
+            <p:extLst>
+              <p:ext uri="{D42A27DB-BD31-4B8C-83A1-F6EECF244321}">
+                <p14:modId xmlns:p14="http://schemas.microsoft.com/office/powerpoint/2010/main" val="332890676"/>
+              </p:ext>
+            </p:extLst>
+          </p:nvPr>
         </p:nvGraphicFramePr>
         <p:xfrm>
           <a:off x="1071538" y="1428736"/>
@@ -34893,11 +32793,11 @@
   <p:clrMapOvr>
     <a:masterClrMapping/>
   </p:clrMapOvr>
-  <p:transition/>
+  <p:transition xmlns:p14="http://schemas.microsoft.com/office/powerpoint/2010/main"/>
   <p:timing>
     <p:tnLst>
       <p:par>
-        <p:cTn id="1" dur="indefinite" restart="never" nodeType="tmRoot">
+        <p:cTn xmlns:p14="http://schemas.microsoft.com/office/powerpoint/2010/main" id="1" dur="indefinite" restart="never" nodeType="tmRoot">
           <p:childTnLst>
             <p:seq concurrent="1" nextAc="seek">
               <p:cTn id="2" dur="indefinite" nodeType="mainSeq">
@@ -35002,6 +32902,155 @@
       </p:grpSpPr>
       <p:sp>
         <p:nvSpPr>
+          <p:cNvPr id="7" name="标题 1"/>
+          <p:cNvSpPr txBox="1">
+            <a:spLocks/>
+          </p:cNvSpPr>
+          <p:nvPr/>
+        </p:nvSpPr>
+        <p:spPr>
+          <a:xfrm>
+            <a:off x="500034" y="2643182"/>
+            <a:ext cx="8229600" cy="1143000"/>
+          </a:xfrm>
+          <a:prstGeom prst="rect">
+            <a:avLst/>
+          </a:prstGeom>
+        </p:spPr>
+        <p:txBody>
+          <a:bodyPr vert="horz" lIns="91440" tIns="45720" rIns="91440" bIns="45720" rtlCol="0" anchor="ctr">
+            <a:normAutofit/>
+          </a:bodyPr>
+          <a:lstStyle/>
+          <a:p>
+            <a:pPr marL="0" marR="0" lvl="0" indent="0" algn="ctr" defTabSz="914400" rtl="0" eaLnBrk="1" fontAlgn="auto" latinLnBrk="0" hangingPunct="1">
+              <a:lnSpc>
+                <a:spcPct val="100000"/>
+              </a:lnSpc>
+              <a:spcBef>
+                <a:spcPct val="0"/>
+              </a:spcBef>
+              <a:spcAft>
+                <a:spcPts val="0"/>
+              </a:spcAft>
+              <a:buClrTx/>
+              <a:buSzTx/>
+              <a:buFontTx/>
+              <a:buNone/>
+              <a:tabLst/>
+              <a:defRPr/>
+            </a:pPr>
+            <a:r>
+              <a:rPr lang="zh-CN" altLang="en-US" sz="4400" dirty="0" smtClean="0">
+                <a:solidFill>
+                  <a:schemeClr val="bg1"/>
+                </a:solidFill>
+                <a:latin typeface="微软雅黑" pitchFamily="34" charset="-122"/>
+                <a:ea typeface="微软雅黑" pitchFamily="34" charset="-122"/>
+                <a:cs typeface="+mj-cs"/>
+              </a:rPr>
+              <a:t>三</a:t>
+            </a:r>
+            <a:r>
+              <a:rPr lang="zh-CN" altLang="en-US" sz="4400" dirty="0" smtClean="0">
+                <a:solidFill>
+                  <a:schemeClr val="bg1"/>
+                </a:solidFill>
+                <a:latin typeface="微软雅黑" pitchFamily="34" charset="-122"/>
+                <a:ea typeface="微软雅黑" pitchFamily="34" charset="-122"/>
+                <a:cs typeface="+mj-cs"/>
+              </a:rPr>
+              <a:t>、</a:t>
+            </a:r>
+            <a:r>
+              <a:rPr lang="en-US" altLang="zh-CN" sz="4400" dirty="0" smtClean="0">
+                <a:solidFill>
+                  <a:schemeClr val="bg1"/>
+                </a:solidFill>
+                <a:latin typeface="微软雅黑" pitchFamily="34" charset="-122"/>
+                <a:ea typeface="微软雅黑" pitchFamily="34" charset="-122"/>
+                <a:cs typeface="+mj-cs"/>
+              </a:rPr>
+              <a:t>HTML5 </a:t>
+            </a:r>
+            <a:r>
+              <a:rPr lang="zh-CN" altLang="en-US" sz="4400" dirty="0" smtClean="0">
+                <a:solidFill>
+                  <a:schemeClr val="bg1"/>
+                </a:solidFill>
+                <a:latin typeface="微软雅黑" pitchFamily="34" charset="-122"/>
+                <a:ea typeface="微软雅黑" pitchFamily="34" charset="-122"/>
+                <a:cs typeface="+mj-cs"/>
+              </a:rPr>
+              <a:t>时代的</a:t>
+            </a:r>
+            <a:r>
+              <a:rPr lang="zh-CN" altLang="en-US" sz="4400" dirty="0" smtClean="0">
+                <a:solidFill>
+                  <a:schemeClr val="bg1"/>
+                </a:solidFill>
+                <a:latin typeface="微软雅黑" pitchFamily="34" charset="-122"/>
+                <a:ea typeface="微软雅黑" pitchFamily="34" charset="-122"/>
+                <a:cs typeface="+mj-cs"/>
+              </a:rPr>
+              <a:t>渐进增强</a:t>
+            </a:r>
+            <a:endParaRPr kumimoji="0" lang="zh-CN" altLang="en-US" sz="4400" b="0" i="0" u="none" strike="noStrike" kern="1200" cap="none" spc="0" normalizeH="0" baseline="0" noProof="0" dirty="0">
+              <a:ln>
+                <a:noFill/>
+              </a:ln>
+              <a:solidFill>
+                <a:schemeClr val="tx1"/>
+              </a:solidFill>
+              <a:effectLst/>
+              <a:uLnTx/>
+              <a:uFillTx/>
+              <a:latin typeface="+mj-lt"/>
+              <a:ea typeface="+mj-ea"/>
+              <a:cs typeface="+mj-cs"/>
+            </a:endParaRPr>
+          </a:p>
+        </p:txBody>
+      </p:sp>
+    </p:spTree>
+    <p:extLst>
+      <p:ext uri="{BB962C8B-B14F-4D97-AF65-F5344CB8AC3E}">
+        <p14:creationId xmlns:p14="http://schemas.microsoft.com/office/powerpoint/2010/main" val="896532988"/>
+      </p:ext>
+    </p:extLst>
+  </p:cSld>
+  <p:clrMapOvr>
+    <a:masterClrMapping/>
+  </p:clrMapOvr>
+  <p:timing>
+    <p:tnLst>
+      <p:par>
+        <p:cTn xmlns:p14="http://schemas.microsoft.com/office/powerpoint/2010/main" id="1" dur="indefinite" restart="never" nodeType="tmRoot"/>
+      </p:par>
+    </p:tnLst>
+  </p:timing>
+</p:sld>
+</file>
+
+<file path=ppt/slides/slide23.xml><?xml version="1.0" encoding="utf-8"?>
+<p:sld xmlns:a="http://schemas.openxmlformats.org/drawingml/2006/main" xmlns:r="http://schemas.openxmlformats.org/officeDocument/2006/relationships" xmlns:p="http://schemas.openxmlformats.org/presentationml/2006/main">
+  <p:cSld>
+    <p:spTree>
+      <p:nvGrpSpPr>
+        <p:cNvPr id="1" name=""/>
+        <p:cNvGrpSpPr/>
+        <p:nvPr/>
+      </p:nvGrpSpPr>
+      <p:grpSpPr>
+        <a:xfrm>
+          <a:off x="0" y="0"/>
+          <a:ext cx="0" cy="0"/>
+          <a:chOff x="0" y="0"/>
+          <a:chExt cx="0" cy="0"/>
+        </a:xfrm>
+      </p:grpSpPr>
+      <p:sp>
+        <p:nvSpPr>
           <p:cNvPr id="17" name="标题 1"/>
           <p:cNvSpPr>
             <a:spLocks noGrp="1"/>
@@ -35021,291 +33070,316 @@
           <a:lstStyle/>
           <a:p>
             <a:r>
-              <a:rPr lang="en-US" altLang="zh-CN" smtClean="0">
+              <a:rPr lang="en-US" altLang="zh-CN" dirty="0" smtClean="0">
                 <a:solidFill>
                   <a:schemeClr val="bg1"/>
                 </a:solidFill>
                 <a:latin typeface="微软雅黑" pitchFamily="34" charset="-122"/>
                 <a:ea typeface="微软雅黑" pitchFamily="34" charset="-122"/>
               </a:rPr>
-              <a:t>PE </a:t>
+              <a:t>JavaScript </a:t>
             </a:r>
             <a:r>
-              <a:rPr lang="zh-CN" altLang="en-US" smtClean="0">
+              <a:rPr lang="en-US" altLang="en-US" dirty="0" smtClean="0">
                 <a:solidFill>
                   <a:schemeClr val="bg1"/>
                 </a:solidFill>
                 <a:latin typeface="微软雅黑" pitchFamily="34" charset="-122"/>
                 <a:ea typeface="微软雅黑" pitchFamily="34" charset="-122"/>
               </a:rPr>
-              <a:t>和 </a:t>
+              <a:t>禁用率</a:t>
+            </a:r>
+            <a:endParaRPr lang="zh-CN" altLang="en-US" dirty="0"/>
+          </a:p>
+        </p:txBody>
+      </p:sp>
+      <p:sp>
+        <p:nvSpPr>
+          <p:cNvPr id="5" name="TextBox 4"/>
+          <p:cNvSpPr txBox="1"/>
+          <p:nvPr/>
+        </p:nvSpPr>
+        <p:spPr>
+          <a:xfrm>
+            <a:off x="1403648" y="2276872"/>
+            <a:ext cx="6336704" cy="2308324"/>
+          </a:xfrm>
+          <a:prstGeom prst="rect">
+            <a:avLst/>
+          </a:prstGeom>
+          <a:noFill/>
+        </p:spPr>
+        <p:txBody>
+          <a:bodyPr wrap="square" rtlCol="0">
+            <a:spAutoFit/>
+          </a:bodyPr>
+          <a:lstStyle/>
+          <a:p>
+            <a:pPr marL="285750" indent="-285750">
+              <a:buFont typeface="Arial"/>
+              <a:buChar char="•"/>
+            </a:pPr>
+            <a:r>
+              <a:rPr lang="zh-CN" altLang="en-US" sz="3200" dirty="0" smtClean="0">
+                <a:solidFill>
+                  <a:schemeClr val="bg1"/>
+                </a:solidFill>
+              </a:rPr>
+              <a:t>雅虎首页禁用脚本率：</a:t>
             </a:r>
             <a:r>
-              <a:rPr lang="en-US" altLang="zh-CN" smtClean="0">
+              <a:rPr lang="en-US" altLang="zh-CN" sz="3200" dirty="0" smtClean="0">
+                <a:solidFill>
+                  <a:schemeClr val="bg1"/>
+                </a:solidFill>
+              </a:rPr>
+              <a:t>~1%</a:t>
+            </a:r>
+          </a:p>
+          <a:p>
+            <a:pPr marL="285750" indent="-285750">
+              <a:buFont typeface="Arial"/>
+              <a:buChar char="•"/>
+            </a:pPr>
+            <a:r>
+              <a:rPr lang="zh-CN" altLang="en-US" sz="3200" dirty="0" smtClean="0">
+                <a:solidFill>
+                  <a:schemeClr val="bg1"/>
+                </a:solidFill>
+              </a:rPr>
+              <a:t>淘宝首页禁用脚本率：</a:t>
+            </a:r>
+            <a:r>
+              <a:rPr lang="en-US" altLang="zh-CN" sz="3200" dirty="0" smtClean="0">
+                <a:solidFill>
+                  <a:schemeClr val="bg1"/>
+                </a:solidFill>
+              </a:rPr>
+              <a:t>~0.1%</a:t>
+            </a:r>
+            <a:endParaRPr lang="en-US" sz="3200" dirty="0">
+              <a:solidFill>
+                <a:schemeClr val="bg1"/>
+              </a:solidFill>
+            </a:endParaRPr>
+          </a:p>
+          <a:p>
+            <a:endParaRPr lang="en-US" sz="4800" dirty="0" smtClean="0">
+              <a:solidFill>
+                <a:schemeClr val="bg1"/>
+              </a:solidFill>
+            </a:endParaRPr>
+          </a:p>
+          <a:p>
+            <a:endParaRPr lang="en-US" sz="3200" dirty="0">
+              <a:solidFill>
+                <a:schemeClr val="bg1"/>
+              </a:solidFill>
+            </a:endParaRPr>
+          </a:p>
+        </p:txBody>
+      </p:sp>
+    </p:spTree>
+    <p:extLst>
+      <p:ext uri="{BB962C8B-B14F-4D97-AF65-F5344CB8AC3E}">
+        <p14:creationId xmlns:p14="http://schemas.microsoft.com/office/powerpoint/2010/main" val="3475500422"/>
+      </p:ext>
+    </p:extLst>
+  </p:cSld>
+  <p:clrMapOvr>
+    <a:masterClrMapping/>
+  </p:clrMapOvr>
+  <p:transition xmlns:p14="http://schemas.microsoft.com/office/powerpoint/2010/main"/>
+  <p:timing>
+    <p:tnLst>
+      <p:par>
+        <p:cTn xmlns:p14="http://schemas.microsoft.com/office/powerpoint/2010/main" id="1" dur="indefinite" restart="never" nodeType="tmRoot"/>
+      </p:par>
+    </p:tnLst>
+  </p:timing>
+</p:sld>
+</file>
+
+<file path=ppt/slides/slide24.xml><?xml version="1.0" encoding="utf-8"?>
+<p:sld xmlns:a="http://schemas.openxmlformats.org/drawingml/2006/main" xmlns:r="http://schemas.openxmlformats.org/officeDocument/2006/relationships" xmlns:p="http://schemas.openxmlformats.org/presentationml/2006/main">
+  <p:cSld>
+    <p:spTree>
+      <p:nvGrpSpPr>
+        <p:cNvPr id="1" name=""/>
+        <p:cNvGrpSpPr/>
+        <p:nvPr/>
+      </p:nvGrpSpPr>
+      <p:grpSpPr>
+        <a:xfrm>
+          <a:off x="0" y="0"/>
+          <a:ext cx="0" cy="0"/>
+          <a:chOff x="0" y="0"/>
+          <a:chExt cx="0" cy="0"/>
+        </a:xfrm>
+      </p:grpSpPr>
+      <p:sp>
+        <p:nvSpPr>
+          <p:cNvPr id="17" name="标题 1"/>
+          <p:cNvSpPr>
+            <a:spLocks noGrp="1"/>
+          </p:cNvSpPr>
+          <p:nvPr>
+            <p:ph type="title"/>
+          </p:nvPr>
+        </p:nvSpPr>
+        <p:spPr>
+          <a:xfrm>
+            <a:off x="457200" y="274638"/>
+            <a:ext cx="8229600" cy="1143000"/>
+          </a:xfrm>
+        </p:spPr>
+        <p:txBody>
+          <a:bodyPr/>
+          <a:lstStyle/>
+          <a:p>
+            <a:r>
+              <a:rPr lang="zh-CN" altLang="en-US" dirty="0" smtClean="0">
                 <a:solidFill>
                   <a:schemeClr val="bg1"/>
                 </a:solidFill>
                 <a:latin typeface="微软雅黑" pitchFamily="34" charset="-122"/>
                 <a:ea typeface="微软雅黑" pitchFamily="34" charset="-122"/>
               </a:rPr>
-              <a:t>GD </a:t>
+              <a:t>屏幕阅读器用户</a:t>
             </a:r>
+            <a:endParaRPr lang="zh-CN" altLang="en-US" dirty="0"/>
+          </a:p>
+        </p:txBody>
+      </p:sp>
+      <p:pic>
+        <p:nvPicPr>
+          <p:cNvPr id="2" name="Picture 1"/>
+          <p:cNvPicPr>
+            <a:picLocks noChangeAspect="1"/>
+          </p:cNvPicPr>
+          <p:nvPr/>
+        </p:nvPicPr>
+        <p:blipFill>
+          <a:blip r:embed="rId3"/>
+          <a:stretch>
+            <a:fillRect/>
+          </a:stretch>
+        </p:blipFill>
+        <p:spPr>
+          <a:xfrm>
+            <a:off x="1115616" y="1916832"/>
+            <a:ext cx="6794500" cy="4165600"/>
+          </a:xfrm>
+          <a:prstGeom prst="rect">
+            <a:avLst/>
+          </a:prstGeom>
+        </p:spPr>
+      </p:pic>
+    </p:spTree>
+    <p:extLst>
+      <p:ext uri="{BB962C8B-B14F-4D97-AF65-F5344CB8AC3E}">
+        <p14:creationId xmlns:p14="http://schemas.microsoft.com/office/powerpoint/2010/main" val="1302839465"/>
+      </p:ext>
+    </p:extLst>
+  </p:cSld>
+  <p:clrMapOvr>
+    <a:masterClrMapping/>
+  </p:clrMapOvr>
+  <p:transition xmlns:p14="http://schemas.microsoft.com/office/powerpoint/2010/main"/>
+  <p:timing>
+    <p:tnLst>
+      <p:par>
+        <p:cTn xmlns:p14="http://schemas.microsoft.com/office/powerpoint/2010/main" id="1" dur="indefinite" restart="never" nodeType="tmRoot"/>
+      </p:par>
+    </p:tnLst>
+  </p:timing>
+</p:sld>
+</file>
+
+<file path=ppt/slides/slide25.xml><?xml version="1.0" encoding="utf-8"?>
+<p:sld xmlns:a="http://schemas.openxmlformats.org/drawingml/2006/main" xmlns:r="http://schemas.openxmlformats.org/officeDocument/2006/relationships" xmlns:p="http://schemas.openxmlformats.org/presentationml/2006/main">
+  <p:cSld>
+    <p:spTree>
+      <p:nvGrpSpPr>
+        <p:cNvPr id="1" name=""/>
+        <p:cNvGrpSpPr/>
+        <p:nvPr/>
+      </p:nvGrpSpPr>
+      <p:grpSpPr>
+        <a:xfrm>
+          <a:off x="0" y="0"/>
+          <a:ext cx="0" cy="0"/>
+          <a:chOff x="0" y="0"/>
+          <a:chExt cx="0" cy="0"/>
+        </a:xfrm>
+      </p:grpSpPr>
+      <p:sp>
+        <p:nvSpPr>
+          <p:cNvPr id="17" name="标题 1"/>
+          <p:cNvSpPr>
+            <a:spLocks noGrp="1"/>
+          </p:cNvSpPr>
+          <p:nvPr>
+            <p:ph type="title"/>
+          </p:nvPr>
+        </p:nvSpPr>
+        <p:spPr>
+          <a:xfrm>
+            <a:off x="457200" y="274638"/>
+            <a:ext cx="8229600" cy="1143000"/>
+          </a:xfrm>
+        </p:spPr>
+        <p:txBody>
+          <a:bodyPr/>
+          <a:lstStyle/>
+          <a:p>
             <a:r>
-              <a:rPr lang="zh-CN" altLang="en-US" smtClean="0">
+              <a:rPr lang="zh-CN" altLang="en-US" dirty="0" smtClean="0">
                 <a:solidFill>
                   <a:schemeClr val="bg1"/>
                 </a:solidFill>
                 <a:latin typeface="微软雅黑" pitchFamily="34" charset="-122"/>
                 <a:ea typeface="微软雅黑" pitchFamily="34" charset="-122"/>
               </a:rPr>
-              <a:t>的关系</a:t>
+              <a:t>渐进增强</a:t>
+            </a:r>
+            <a:r>
+              <a:rPr lang="zh-CN" altLang="en-US" dirty="0" smtClean="0">
+                <a:solidFill>
+                  <a:schemeClr val="bg1"/>
+                </a:solidFill>
+                <a:latin typeface="微软雅黑" pitchFamily="34" charset="-122"/>
+                <a:ea typeface="微软雅黑" pitchFamily="34" charset="-122"/>
+              </a:rPr>
+              <a:t>也需要渐进增强</a:t>
             </a:r>
             <a:endParaRPr lang="zh-CN" altLang="en-US" dirty="0"/>
           </a:p>
         </p:txBody>
       </p:sp>
-      <p:graphicFrame>
-        <p:nvGraphicFramePr>
-          <p:cNvPr id="4" name="Diagram 3"/>
-          <p:cNvGraphicFramePr/>
-          <p:nvPr/>
-        </p:nvGraphicFramePr>
-        <p:xfrm>
-          <a:off x="4929191" y="1928802"/>
-          <a:ext cx="4429156" cy="2714644"/>
-        </p:xfrm>
-        <a:graphic>
-          <a:graphicData uri="http://schemas.openxmlformats.org/drawingml/2006/diagram">
-            <dgm:relIds xmlns:dgm="http://schemas.openxmlformats.org/drawingml/2006/diagram" xmlns:r="http://schemas.openxmlformats.org/officeDocument/2006/relationships" r:dm="rId3" r:lo="rId4" r:qs="rId5" r:cs="rId6"/>
-          </a:graphicData>
-        </a:graphic>
-      </p:graphicFrame>
-      <p:grpSp>
-        <p:nvGrpSpPr>
-          <p:cNvPr id="11" name="Group 10"/>
-          <p:cNvGrpSpPr/>
-          <p:nvPr/>
-        </p:nvGrpSpPr>
-        <p:grpSpPr>
-          <a:xfrm>
-            <a:off x="285720" y="1857365"/>
-            <a:ext cx="3714776" cy="2928958"/>
-            <a:chOff x="571472" y="1857364"/>
-            <a:chExt cx="7429552" cy="3771787"/>
-          </a:xfrm>
-        </p:grpSpPr>
-        <p:sp>
-          <p:nvSpPr>
-            <p:cNvPr id="6" name="右箭头 9"/>
-            <p:cNvSpPr/>
-            <p:nvPr/>
-          </p:nvSpPr>
-          <p:spPr>
-            <a:xfrm>
-              <a:off x="2143108" y="2428868"/>
-              <a:ext cx="785818" cy="500066"/>
-            </a:xfrm>
-            <a:prstGeom prst="rightArrow">
-              <a:avLst/>
-            </a:prstGeom>
-          </p:spPr>
-          <p:style>
-            <a:lnRef idx="1">
-              <a:schemeClr val="accent3"/>
-            </a:lnRef>
-            <a:fillRef idx="2">
-              <a:schemeClr val="accent3"/>
-            </a:fillRef>
-            <a:effectRef idx="1">
-              <a:schemeClr val="accent3"/>
-            </a:effectRef>
-            <a:fontRef idx="minor">
-              <a:schemeClr val="dk1"/>
-            </a:fontRef>
-          </p:style>
-          <p:txBody>
-            <a:bodyPr rtlCol="0" anchor="ctr"/>
-            <a:lstStyle/>
-            <a:p>
-              <a:pPr algn="ctr"/>
-              <a:endParaRPr lang="zh-CN" altLang="en-US"/>
-            </a:p>
-          </p:txBody>
-        </p:sp>
-        <p:pic>
-          <p:nvPicPr>
-            <p:cNvPr id="7" name="Picture 6" descr="22.png"/>
-            <p:cNvPicPr>
-              <a:picLocks noChangeAspect="1"/>
-            </p:cNvPicPr>
-            <p:nvPr/>
-          </p:nvPicPr>
-          <p:blipFill>
-            <a:blip r:embed="rId8" cstate="print"/>
-            <a:stretch>
-              <a:fillRect/>
-            </a:stretch>
-          </p:blipFill>
-          <p:spPr>
-            <a:xfrm>
-              <a:off x="3362928" y="2143116"/>
-              <a:ext cx="4638096" cy="1114286"/>
-            </a:xfrm>
-            <a:prstGeom prst="rect">
-              <a:avLst/>
-            </a:prstGeom>
-          </p:spPr>
-        </p:pic>
-        <p:pic>
-          <p:nvPicPr>
-            <p:cNvPr id="8" name="Picture 7" descr="21.png"/>
-            <p:cNvPicPr>
-              <a:picLocks noChangeAspect="1"/>
-            </p:cNvPicPr>
-            <p:nvPr/>
-          </p:nvPicPr>
-          <p:blipFill>
-            <a:blip r:embed="rId9" cstate="print"/>
-            <a:stretch>
-              <a:fillRect/>
-            </a:stretch>
-          </p:blipFill>
-          <p:spPr>
-            <a:xfrm>
-              <a:off x="571472" y="1857364"/>
-              <a:ext cx="1190476" cy="2933334"/>
-            </a:xfrm>
-            <a:prstGeom prst="rect">
-              <a:avLst/>
-            </a:prstGeom>
-          </p:spPr>
-        </p:pic>
-        <p:pic>
-          <p:nvPicPr>
-            <p:cNvPr id="9" name="Picture 8" descr="23.png"/>
-            <p:cNvPicPr>
-              <a:picLocks noChangeAspect="1"/>
-            </p:cNvPicPr>
-            <p:nvPr/>
-          </p:nvPicPr>
-          <p:blipFill>
-            <a:blip r:embed="rId10" cstate="print"/>
-            <a:stretch>
-              <a:fillRect/>
-            </a:stretch>
-          </p:blipFill>
-          <p:spPr>
-            <a:xfrm>
-              <a:off x="3329586" y="4572008"/>
-              <a:ext cx="4600000" cy="1057143"/>
-            </a:xfrm>
-            <a:prstGeom prst="rect">
-              <a:avLst/>
-            </a:prstGeom>
-          </p:spPr>
-        </p:pic>
-        <p:sp>
-          <p:nvSpPr>
-            <p:cNvPr id="10" name="右箭头 9"/>
-            <p:cNvSpPr/>
-            <p:nvPr/>
-          </p:nvSpPr>
-          <p:spPr>
-            <a:xfrm rot="5400000">
-              <a:off x="5357818" y="3643314"/>
-              <a:ext cx="571504" cy="571504"/>
-            </a:xfrm>
-            <a:prstGeom prst="rightArrow">
-              <a:avLst/>
-            </a:prstGeom>
-          </p:spPr>
-          <p:style>
-            <a:lnRef idx="1">
-              <a:schemeClr val="accent3"/>
-            </a:lnRef>
-            <a:fillRef idx="2">
-              <a:schemeClr val="accent3"/>
-            </a:fillRef>
-            <a:effectRef idx="1">
-              <a:schemeClr val="accent3"/>
-            </a:effectRef>
-            <a:fontRef idx="minor">
-              <a:schemeClr val="dk1"/>
-            </a:fontRef>
-          </p:style>
-          <p:txBody>
-            <a:bodyPr rtlCol="0" anchor="ctr"/>
-            <a:lstStyle/>
-            <a:p>
-              <a:pPr algn="ctr"/>
-              <a:endParaRPr lang="zh-CN" altLang="en-US"/>
-            </a:p>
-          </p:txBody>
-        </p:sp>
-      </p:grpSp>
       <p:sp>
         <p:nvSpPr>
-          <p:cNvPr id="12" name="Minus 11"/>
+          <p:cNvPr id="2" name="Oval 1"/>
           <p:cNvSpPr/>
           <p:nvPr/>
         </p:nvSpPr>
         <p:spPr>
-          <a:xfrm rot="5400000">
-            <a:off x="1428741" y="3500426"/>
-            <a:ext cx="6072206" cy="642943"/>
+          <a:xfrm>
+            <a:off x="1403648" y="2132856"/>
+            <a:ext cx="1368152" cy="1368152"/>
           </a:xfrm>
-          <a:prstGeom prst="mathMinus">
+          <a:prstGeom prst="ellipse">
             <a:avLst/>
           </a:prstGeom>
         </p:spPr>
         <p:style>
           <a:lnRef idx="1">
-            <a:schemeClr val="accent5"/>
+            <a:schemeClr val="accent1"/>
           </a:lnRef>
-          <a:fillRef idx="2">
-            <a:schemeClr val="accent5"/>
-          </a:fillRef>
-          <a:effectRef idx="1">
-            <a:schemeClr val="accent5"/>
-          </a:effectRef>
-          <a:fontRef idx="minor">
-            <a:schemeClr val="dk1"/>
-          </a:fontRef>
-        </p:style>
-        <p:txBody>
-          <a:bodyPr rtlCol="0" anchor="ctr"/>
-          <a:lstStyle/>
-          <a:p>
-            <a:pPr algn="ctr"/>
-            <a:endParaRPr lang="zh-CN" altLang="en-US"/>
-          </a:p>
-        </p:txBody>
-      </p:sp>
-      <p:sp>
-        <p:nvSpPr>
-          <p:cNvPr id="13" name="圆角矩形 9"/>
-          <p:cNvSpPr/>
-          <p:nvPr/>
-        </p:nvSpPr>
-        <p:spPr>
-          <a:xfrm>
-            <a:off x="1214413" y="5357826"/>
-            <a:ext cx="1643075" cy="857256"/>
-          </a:xfrm>
-          <a:prstGeom prst="roundRect">
-            <a:avLst/>
-          </a:prstGeom>
-        </p:spPr>
-        <p:style>
-          <a:lnRef idx="2">
-            <a:schemeClr val="accent1">
-              <a:shade val="50000"/>
-            </a:schemeClr>
-          </a:lnRef>
-          <a:fillRef idx="1">
+          <a:fillRef idx="3">
             <a:schemeClr val="accent1"/>
           </a:fillRef>
-          <a:effectRef idx="0">
+          <a:effectRef idx="2">
             <a:schemeClr val="accent1"/>
           </a:effectRef>
           <a:fontRef idx="minor">
@@ -35318,50 +33392,36 @@
           <a:p>
             <a:pPr algn="ctr"/>
             <a:r>
-              <a:rPr lang="zh-CN" altLang="en-US" sz="2400" smtClean="0">
-                <a:solidFill>
-                  <a:srgbClr val="FFFF00"/>
-                </a:solidFill>
-                <a:latin typeface="微软雅黑" pitchFamily="34" charset="-122"/>
-                <a:ea typeface="微软雅黑" pitchFamily="34" charset="-122"/>
-              </a:rPr>
-              <a:t>渐进增强</a:t>
+              <a:rPr lang="en-US" sz="4000" dirty="0" smtClean="0"/>
+              <a:t>水</a:t>
             </a:r>
-            <a:endParaRPr lang="en-US" altLang="zh-CN" sz="2400" b="1" dirty="0" smtClean="0">
-              <a:solidFill>
-                <a:schemeClr val="bg1"/>
-              </a:solidFill>
-              <a:latin typeface="微软雅黑" pitchFamily="34" charset="-122"/>
-              <a:ea typeface="微软雅黑" pitchFamily="34" charset="-122"/>
-            </a:endParaRPr>
+            <a:endParaRPr lang="en-US" sz="4000" dirty="0"/>
           </a:p>
         </p:txBody>
       </p:sp>
       <p:sp>
         <p:nvSpPr>
-          <p:cNvPr id="14" name="圆角矩形 9"/>
+          <p:cNvPr id="6" name="Oval 5"/>
           <p:cNvSpPr/>
           <p:nvPr/>
         </p:nvSpPr>
         <p:spPr>
           <a:xfrm>
-            <a:off x="5857884" y="5214950"/>
-            <a:ext cx="1643075" cy="857256"/>
+            <a:off x="1691680" y="3212976"/>
+            <a:ext cx="1368152" cy="1368152"/>
           </a:xfrm>
-          <a:prstGeom prst="roundRect">
+          <a:prstGeom prst="ellipse">
             <a:avLst/>
           </a:prstGeom>
         </p:spPr>
         <p:style>
-          <a:lnRef idx="2">
-            <a:schemeClr val="accent1">
-              <a:shade val="50000"/>
-            </a:schemeClr>
+          <a:lnRef idx="1">
+            <a:schemeClr val="accent1"/>
           </a:lnRef>
-          <a:fillRef idx="1">
+          <a:fillRef idx="3">
             <a:schemeClr val="accent1"/>
           </a:fillRef>
-          <a:effectRef idx="0">
+          <a:effectRef idx="2">
             <a:schemeClr val="accent1"/>
           </a:effectRef>
           <a:fontRef idx="minor">
@@ -35374,175 +33434,461 @@
           <a:p>
             <a:pPr algn="ctr"/>
             <a:r>
-              <a:rPr lang="zh-CN" altLang="en-US" sz="2400" smtClean="0">
-                <a:solidFill>
-                  <a:srgbClr val="FFFF00"/>
-                </a:solidFill>
-                <a:latin typeface="微软雅黑" pitchFamily="34" charset="-122"/>
-                <a:ea typeface="微软雅黑" pitchFamily="34" charset="-122"/>
-              </a:rPr>
-              <a:t>优雅降级</a:t>
+              <a:rPr lang="zh-CN" altLang="en-US" sz="4000" dirty="0" smtClean="0"/>
+              <a:t>电</a:t>
             </a:r>
-            <a:endParaRPr lang="en-US" altLang="zh-CN" sz="2400" b="1" dirty="0" smtClean="0">
-              <a:solidFill>
-                <a:schemeClr val="bg1"/>
-              </a:solidFill>
-              <a:latin typeface="微软雅黑" pitchFamily="34" charset="-122"/>
-              <a:ea typeface="微软雅黑" pitchFamily="34" charset="-122"/>
-            </a:endParaRPr>
+            <a:endParaRPr lang="en-US" sz="4000" dirty="0"/>
           </a:p>
         </p:txBody>
       </p:sp>
+      <p:sp>
+        <p:nvSpPr>
+          <p:cNvPr id="8" name="Oval 7"/>
+          <p:cNvSpPr/>
+          <p:nvPr/>
+        </p:nvSpPr>
+        <p:spPr>
+          <a:xfrm>
+            <a:off x="4860032" y="1916832"/>
+            <a:ext cx="1368152" cy="1368152"/>
+          </a:xfrm>
+          <a:prstGeom prst="ellipse">
+            <a:avLst/>
+          </a:prstGeom>
+        </p:spPr>
+        <p:style>
+          <a:lnRef idx="1">
+            <a:schemeClr val="accent1"/>
+          </a:lnRef>
+          <a:fillRef idx="3">
+            <a:schemeClr val="accent1"/>
+          </a:fillRef>
+          <a:effectRef idx="2">
+            <a:schemeClr val="accent1"/>
+          </a:effectRef>
+          <a:fontRef idx="minor">
+            <a:schemeClr val="lt1"/>
+          </a:fontRef>
+        </p:style>
+        <p:txBody>
+          <a:bodyPr rtlCol="0" anchor="ctr"/>
+          <a:lstStyle/>
+          <a:p>
+            <a:pPr algn="ctr"/>
+            <a:r>
+              <a:rPr lang="en-US" altLang="zh-CN" sz="2400" dirty="0" smtClean="0"/>
+              <a:t>HTML</a:t>
+            </a:r>
+            <a:endParaRPr lang="en-US" sz="2400" dirty="0"/>
+          </a:p>
+        </p:txBody>
+      </p:sp>
+      <p:sp>
+        <p:nvSpPr>
+          <p:cNvPr id="9" name="Oval 8"/>
+          <p:cNvSpPr/>
+          <p:nvPr/>
+        </p:nvSpPr>
+        <p:spPr>
+          <a:xfrm>
+            <a:off x="5220072" y="2996952"/>
+            <a:ext cx="1368152" cy="1368152"/>
+          </a:xfrm>
+          <a:prstGeom prst="ellipse">
+            <a:avLst/>
+          </a:prstGeom>
+        </p:spPr>
+        <p:style>
+          <a:lnRef idx="1">
+            <a:schemeClr val="accent1"/>
+          </a:lnRef>
+          <a:fillRef idx="3">
+            <a:schemeClr val="accent1"/>
+          </a:fillRef>
+          <a:effectRef idx="2">
+            <a:schemeClr val="accent1"/>
+          </a:effectRef>
+          <a:fontRef idx="minor">
+            <a:schemeClr val="lt1"/>
+          </a:fontRef>
+        </p:style>
+        <p:txBody>
+          <a:bodyPr rtlCol="0" anchor="ctr"/>
+          <a:lstStyle/>
+          <a:p>
+            <a:pPr algn="ctr"/>
+            <a:r>
+              <a:rPr lang="en-US" altLang="zh-CN" sz="2400" dirty="0" smtClean="0"/>
+              <a:t>CSS</a:t>
+            </a:r>
+            <a:endParaRPr lang="en-US" sz="2400" dirty="0"/>
+          </a:p>
+        </p:txBody>
+      </p:sp>
+      <p:sp>
+        <p:nvSpPr>
+          <p:cNvPr id="10" name="Oval 9"/>
+          <p:cNvSpPr/>
+          <p:nvPr/>
+        </p:nvSpPr>
+        <p:spPr>
+          <a:xfrm>
+            <a:off x="899592" y="4077072"/>
+            <a:ext cx="1368152" cy="1368152"/>
+          </a:xfrm>
+          <a:prstGeom prst="ellipse">
+            <a:avLst/>
+          </a:prstGeom>
+        </p:spPr>
+        <p:style>
+          <a:lnRef idx="1">
+            <a:schemeClr val="accent1"/>
+          </a:lnRef>
+          <a:fillRef idx="3">
+            <a:schemeClr val="accent1"/>
+          </a:fillRef>
+          <a:effectRef idx="2">
+            <a:schemeClr val="accent1"/>
+          </a:effectRef>
+          <a:fontRef idx="minor">
+            <a:schemeClr val="lt1"/>
+          </a:fontRef>
+        </p:style>
+        <p:txBody>
+          <a:bodyPr rtlCol="0" anchor="ctr"/>
+          <a:lstStyle/>
+          <a:p>
+            <a:pPr algn="ctr"/>
+            <a:r>
+              <a:rPr lang="zh-CN" altLang="en-US" sz="4000" dirty="0" smtClean="0"/>
+              <a:t>气</a:t>
+            </a:r>
+            <a:endParaRPr lang="en-US" sz="4000" dirty="0"/>
+          </a:p>
+        </p:txBody>
+      </p:sp>
+      <p:sp>
+        <p:nvSpPr>
+          <p:cNvPr id="11" name="Oval 10"/>
+          <p:cNvSpPr/>
+          <p:nvPr/>
+        </p:nvSpPr>
+        <p:spPr>
+          <a:xfrm>
+            <a:off x="1835696" y="4797152"/>
+            <a:ext cx="1368152" cy="1368152"/>
+          </a:xfrm>
+          <a:prstGeom prst="ellipse">
+            <a:avLst/>
+          </a:prstGeom>
+        </p:spPr>
+        <p:style>
+          <a:lnRef idx="1">
+            <a:schemeClr val="accent1"/>
+          </a:lnRef>
+          <a:fillRef idx="3">
+            <a:schemeClr val="accent1"/>
+          </a:fillRef>
+          <a:effectRef idx="2">
+            <a:schemeClr val="accent1"/>
+          </a:effectRef>
+          <a:fontRef idx="minor">
+            <a:schemeClr val="lt1"/>
+          </a:fontRef>
+        </p:style>
+        <p:txBody>
+          <a:bodyPr rtlCol="0" anchor="ctr"/>
+          <a:lstStyle/>
+          <a:p>
+            <a:pPr algn="ctr"/>
+            <a:r>
+              <a:rPr lang="zh-CN" altLang="en-US" sz="2800" dirty="0" smtClean="0"/>
+              <a:t>网络</a:t>
+            </a:r>
+            <a:endParaRPr lang="en-US" sz="2800" dirty="0"/>
+          </a:p>
+        </p:txBody>
+      </p:sp>
+      <p:sp>
+        <p:nvSpPr>
+          <p:cNvPr id="12" name="Oval 11"/>
+          <p:cNvSpPr/>
+          <p:nvPr/>
+        </p:nvSpPr>
+        <p:spPr>
+          <a:xfrm>
+            <a:off x="4932040" y="4149080"/>
+            <a:ext cx="1368152" cy="1368152"/>
+          </a:xfrm>
+          <a:prstGeom prst="ellipse">
+            <a:avLst/>
+          </a:prstGeom>
+        </p:spPr>
+        <p:style>
+          <a:lnRef idx="1">
+            <a:schemeClr val="accent1"/>
+          </a:lnRef>
+          <a:fillRef idx="3">
+            <a:schemeClr val="accent1"/>
+          </a:fillRef>
+          <a:effectRef idx="2">
+            <a:schemeClr val="accent1"/>
+          </a:effectRef>
+          <a:fontRef idx="minor">
+            <a:schemeClr val="lt1"/>
+          </a:fontRef>
+        </p:style>
+        <p:txBody>
+          <a:bodyPr rtlCol="0" anchor="ctr"/>
+          <a:lstStyle/>
+          <a:p>
+            <a:pPr algn="ctr"/>
+            <a:r>
+              <a:rPr lang="en-US" altLang="zh-CN" sz="2400" dirty="0" smtClean="0"/>
+              <a:t>JS</a:t>
+            </a:r>
+            <a:endParaRPr lang="en-US" sz="2400" dirty="0"/>
+          </a:p>
+        </p:txBody>
+      </p:sp>
+      <p:sp>
+        <p:nvSpPr>
+          <p:cNvPr id="13" name="Oval 12"/>
+          <p:cNvSpPr/>
+          <p:nvPr/>
+        </p:nvSpPr>
+        <p:spPr>
+          <a:xfrm>
+            <a:off x="5580112" y="5157192"/>
+            <a:ext cx="1368152" cy="1368152"/>
+          </a:xfrm>
+          <a:prstGeom prst="ellipse">
+            <a:avLst/>
+          </a:prstGeom>
+        </p:spPr>
+        <p:style>
+          <a:lnRef idx="1">
+            <a:schemeClr val="accent1"/>
+          </a:lnRef>
+          <a:fillRef idx="3">
+            <a:schemeClr val="accent1"/>
+          </a:fillRef>
+          <a:effectRef idx="2">
+            <a:schemeClr val="accent1"/>
+          </a:effectRef>
+          <a:fontRef idx="minor">
+            <a:schemeClr val="lt1"/>
+          </a:fontRef>
+        </p:style>
+        <p:txBody>
+          <a:bodyPr rtlCol="0" anchor="ctr"/>
+          <a:lstStyle/>
+          <a:p>
+            <a:pPr algn="ctr"/>
+            <a:r>
+              <a:rPr lang="en-US" altLang="zh-CN" sz="2000" dirty="0" smtClean="0"/>
+              <a:t>HTML5</a:t>
+            </a:r>
+            <a:endParaRPr lang="en-US" sz="2000" dirty="0"/>
+          </a:p>
+        </p:txBody>
+      </p:sp>
+      <p:cxnSp>
+        <p:nvCxnSpPr>
+          <p:cNvPr id="4" name="Straight Arrow Connector 3"/>
+          <p:cNvCxnSpPr>
+            <a:stCxn id="11" idx="6"/>
+            <a:endCxn id="12" idx="2"/>
+          </p:cNvCxnSpPr>
+          <p:nvPr/>
+        </p:nvCxnSpPr>
+        <p:spPr>
+          <a:xfrm flipV="1">
+            <a:off x="3203848" y="4833156"/>
+            <a:ext cx="1728192" cy="648072"/>
+          </a:xfrm>
+          <a:prstGeom prst="straightConnector1">
+            <a:avLst/>
+          </a:prstGeom>
+          <a:ln>
+            <a:solidFill>
+              <a:schemeClr val="accent2"/>
+            </a:solidFill>
+            <a:prstDash val="lgDashDot"/>
+            <a:headEnd type="arrow"/>
+            <a:tailEnd type="arrow"/>
+          </a:ln>
+        </p:spPr>
+        <p:style>
+          <a:lnRef idx="2">
+            <a:schemeClr val="accent1"/>
+          </a:lnRef>
+          <a:fillRef idx="0">
+            <a:schemeClr val="accent1"/>
+          </a:fillRef>
+          <a:effectRef idx="1">
+            <a:schemeClr val="accent1"/>
+          </a:effectRef>
+          <a:fontRef idx="minor">
+            <a:schemeClr val="tx1"/>
+          </a:fontRef>
+        </p:style>
+      </p:cxnSp>
+      <p:cxnSp>
+        <p:nvCxnSpPr>
+          <p:cNvPr id="15" name="Straight Arrow Connector 14"/>
+          <p:cNvCxnSpPr>
+            <a:stCxn id="11" idx="6"/>
+            <a:endCxn id="13" idx="2"/>
+          </p:cNvCxnSpPr>
+          <p:nvPr/>
+        </p:nvCxnSpPr>
+        <p:spPr>
+          <a:xfrm>
+            <a:off x="3203848" y="5481228"/>
+            <a:ext cx="2376264" cy="360040"/>
+          </a:xfrm>
+          <a:prstGeom prst="straightConnector1">
+            <a:avLst/>
+          </a:prstGeom>
+          <a:ln>
+            <a:solidFill>
+              <a:srgbClr val="CCFFCC"/>
+            </a:solidFill>
+            <a:headEnd type="arrow"/>
+            <a:tailEnd type="arrow"/>
+          </a:ln>
+        </p:spPr>
+        <p:style>
+          <a:lnRef idx="2">
+            <a:schemeClr val="accent1"/>
+          </a:lnRef>
+          <a:fillRef idx="0">
+            <a:schemeClr val="accent1"/>
+          </a:fillRef>
+          <a:effectRef idx="1">
+            <a:schemeClr val="accent1"/>
+          </a:effectRef>
+          <a:fontRef idx="minor">
+            <a:schemeClr val="tx1"/>
+          </a:fontRef>
+        </p:style>
+      </p:cxnSp>
     </p:spTree>
   </p:cSld>
   <p:clrMapOvr>
     <a:masterClrMapping/>
   </p:clrMapOvr>
-  <p:transition/>
+  <p:transition xmlns:p14="http://schemas.microsoft.com/office/powerpoint/2010/main"/>
   <p:timing>
     <p:tnLst>
       <p:par>
-        <p:cTn id="1" dur="indefinite" restart="never" nodeType="tmRoot">
-          <p:childTnLst>
-            <p:seq concurrent="1" nextAc="seek">
-              <p:cTn id="2" dur="indefinite" nodeType="mainSeq">
-                <p:childTnLst>
-                  <p:par>
-                    <p:cTn id="3" fill="hold">
-                      <p:stCondLst>
-                        <p:cond delay="indefinite"/>
-                      </p:stCondLst>
-                      <p:childTnLst>
-                        <p:par>
-                          <p:cTn id="4" fill="hold">
-                            <p:stCondLst>
-                              <p:cond delay="0"/>
-                            </p:stCondLst>
-                            <p:childTnLst>
-                              <p:par>
-                                <p:cTn id="5" presetID="9" presetClass="entr" presetSubtype="0" fill="hold" grpId="0" nodeType="clickEffect">
-                                  <p:stCondLst>
-                                    <p:cond delay="0"/>
-                                  </p:stCondLst>
-                                  <p:childTnLst>
-                                    <p:set>
-                                      <p:cBhvr>
-                                        <p:cTn id="6" dur="1" fill="hold">
-                                          <p:stCondLst>
-                                            <p:cond delay="0"/>
-                                          </p:stCondLst>
-                                        </p:cTn>
-                                        <p:tgtEl>
-                                          <p:spTgt spid="13"/>
-                                        </p:tgtEl>
-                                        <p:attrNameLst>
-                                          <p:attrName>style.visibility</p:attrName>
-                                        </p:attrNameLst>
-                                      </p:cBhvr>
-                                      <p:to>
-                                        <p:strVal val="visible"/>
-                                      </p:to>
-                                    </p:set>
-                                    <p:animEffect transition="in" filter="dissolve">
-                                      <p:cBhvr>
-                                        <p:cTn id="7" dur="500"/>
-                                        <p:tgtEl>
-                                          <p:spTgt spid="13"/>
-                                        </p:tgtEl>
-                                      </p:cBhvr>
-                                    </p:animEffect>
-                                  </p:childTnLst>
-                                </p:cTn>
-                              </p:par>
-                            </p:childTnLst>
-                          </p:cTn>
-                        </p:par>
-                      </p:childTnLst>
-                    </p:cTn>
-                  </p:par>
-                  <p:par>
-                    <p:cTn id="8" fill="hold">
-                      <p:stCondLst>
-                        <p:cond delay="indefinite"/>
-                      </p:stCondLst>
-                      <p:childTnLst>
-                        <p:par>
-                          <p:cTn id="9" fill="hold">
-                            <p:stCondLst>
-                              <p:cond delay="0"/>
-                            </p:stCondLst>
-                            <p:childTnLst>
-                              <p:par>
-                                <p:cTn id="10" presetID="9" presetClass="entr" presetSubtype="0" fill="hold" grpId="0" nodeType="clickEffect">
-                                  <p:stCondLst>
-                                    <p:cond delay="0"/>
-                                  </p:stCondLst>
-                                  <p:childTnLst>
-                                    <p:set>
-                                      <p:cBhvr>
-                                        <p:cTn id="11" dur="1" fill="hold">
-                                          <p:stCondLst>
-                                            <p:cond delay="0"/>
-                                          </p:stCondLst>
-                                        </p:cTn>
-                                        <p:tgtEl>
-                                          <p:spTgt spid="14"/>
-                                        </p:tgtEl>
-                                        <p:attrNameLst>
-                                          <p:attrName>style.visibility</p:attrName>
-                                        </p:attrNameLst>
-                                      </p:cBhvr>
-                                      <p:to>
-                                        <p:strVal val="visible"/>
-                                      </p:to>
-                                    </p:set>
-                                    <p:animEffect transition="in" filter="dissolve">
-                                      <p:cBhvr>
-                                        <p:cTn id="12" dur="500"/>
-                                        <p:tgtEl>
-                                          <p:spTgt spid="14"/>
-                                        </p:tgtEl>
-                                      </p:cBhvr>
-                                    </p:animEffect>
-                                  </p:childTnLst>
-                                </p:cTn>
-                              </p:par>
-                            </p:childTnLst>
-                          </p:cTn>
-                        </p:par>
-                      </p:childTnLst>
-                    </p:cTn>
-                  </p:par>
-                </p:childTnLst>
-              </p:cTn>
-              <p:prevCondLst>
-                <p:cond evt="onPrev" delay="0">
-                  <p:tgtEl>
-                    <p:sldTgt/>
-                  </p:tgtEl>
-                </p:cond>
-              </p:prevCondLst>
-              <p:nextCondLst>
-                <p:cond evt="onNext" delay="0">
-                  <p:tgtEl>
-                    <p:sldTgt/>
-                  </p:tgtEl>
-                </p:cond>
-              </p:nextCondLst>
-            </p:seq>
-          </p:childTnLst>
-        </p:cTn>
+        <p:cTn xmlns:p14="http://schemas.microsoft.com/office/powerpoint/2010/main" id="1" dur="indefinite" restart="never" nodeType="tmRoot"/>
       </p:par>
     </p:tnLst>
-    <p:bldLst>
-      <p:bldP spid="13" grpId="0" animBg="1"/>
-      <p:bldP spid="14" grpId="0" animBg="1"/>
-    </p:bldLst>
   </p:timing>
 </p:sld>
 </file>
 
-<file path=ppt/slides/slide23.xml><?xml version="1.0" encoding="utf-8"?>
+<file path=ppt/slides/slide26.xml><?xml version="1.0" encoding="utf-8"?>
+<p:sld xmlns:a="http://schemas.openxmlformats.org/drawingml/2006/main" xmlns:r="http://schemas.openxmlformats.org/officeDocument/2006/relationships" xmlns:p="http://schemas.openxmlformats.org/presentationml/2006/main">
+  <p:cSld>
+    <p:spTree>
+      <p:nvGrpSpPr>
+        <p:cNvPr id="1" name=""/>
+        <p:cNvGrpSpPr/>
+        <p:nvPr/>
+      </p:nvGrpSpPr>
+      <p:grpSpPr>
+        <a:xfrm>
+          <a:off x="0" y="0"/>
+          <a:ext cx="0" cy="0"/>
+          <a:chOff x="0" y="0"/>
+          <a:chExt cx="0" cy="0"/>
+        </a:xfrm>
+      </p:grpSpPr>
+      <p:sp>
+        <p:nvSpPr>
+          <p:cNvPr id="17" name="标题 1"/>
+          <p:cNvSpPr>
+            <a:spLocks noGrp="1"/>
+          </p:cNvSpPr>
+          <p:nvPr>
+            <p:ph type="title"/>
+          </p:nvPr>
+        </p:nvSpPr>
+        <p:spPr>
+          <a:xfrm>
+            <a:off x="457200" y="274638"/>
+            <a:ext cx="8229600" cy="1143000"/>
+          </a:xfrm>
+        </p:spPr>
+        <p:txBody>
+          <a:bodyPr/>
+          <a:lstStyle/>
+          <a:p>
+            <a:r>
+              <a:rPr lang="en-US" altLang="zh-CN" dirty="0" smtClean="0">
+                <a:solidFill>
+                  <a:schemeClr val="bg1"/>
+                </a:solidFill>
+                <a:latin typeface="微软雅黑" pitchFamily="34" charset="-122"/>
+                <a:ea typeface="微软雅黑" pitchFamily="34" charset="-122"/>
+              </a:rPr>
+              <a:t>HTML5 </a:t>
+            </a:r>
+            <a:r>
+              <a:rPr lang="zh-CN" altLang="en-US" dirty="0" smtClean="0">
+                <a:solidFill>
+                  <a:schemeClr val="bg1"/>
+                </a:solidFill>
+                <a:latin typeface="微软雅黑" pitchFamily="34" charset="-122"/>
+                <a:ea typeface="微软雅黑" pitchFamily="34" charset="-122"/>
+              </a:rPr>
+              <a:t>时代的渐进增强</a:t>
+            </a:r>
+            <a:endParaRPr lang="zh-CN" altLang="en-US" dirty="0"/>
+          </a:p>
+        </p:txBody>
+      </p:sp>
+      <p:graphicFrame>
+        <p:nvGraphicFramePr>
+          <p:cNvPr id="5" name="Diagram 4"/>
+          <p:cNvGraphicFramePr/>
+          <p:nvPr/>
+        </p:nvGraphicFramePr>
+        <p:xfrm>
+          <a:off x="971600" y="1951602"/>
+          <a:ext cx="6810380" cy="4357718"/>
+        </p:xfrm>
+        <a:graphic>
+          <a:graphicData uri="http://schemas.openxmlformats.org/drawingml/2006/diagram">
+            <dgm:relIds xmlns:dgm="http://schemas.openxmlformats.org/drawingml/2006/diagram" xmlns:r="http://schemas.openxmlformats.org/officeDocument/2006/relationships" r:dm="rId3" r:lo="rId4" r:qs="rId5" r:cs="rId6"/>
+          </a:graphicData>
+        </a:graphic>
+      </p:graphicFrame>
+    </p:spTree>
+    <p:extLst>
+      <p:ext uri="{BB962C8B-B14F-4D97-AF65-F5344CB8AC3E}">
+        <p14:creationId xmlns:p14="http://schemas.microsoft.com/office/powerpoint/2010/main" val="244260144"/>
+      </p:ext>
+    </p:extLst>
+  </p:cSld>
+  <p:clrMapOvr>
+    <a:masterClrMapping/>
+  </p:clrMapOvr>
+  <p:transition xmlns:p14="http://schemas.microsoft.com/office/powerpoint/2010/main"/>
+  <p:timing>
+    <p:tnLst>
+      <p:par>
+        <p:cTn xmlns:p14="http://schemas.microsoft.com/office/powerpoint/2010/main" id="1" dur="indefinite" restart="never" nodeType="tmRoot"/>
+      </p:par>
+    </p:tnLst>
+  </p:timing>
+</p:sld>
+</file>
+
+<file path=ppt/slides/slide27.xml><?xml version="1.0" encoding="utf-8"?>
 <p:sld xmlns:a="http://schemas.openxmlformats.org/drawingml/2006/main" xmlns:r="http://schemas.openxmlformats.org/officeDocument/2006/relationships" xmlns:p="http://schemas.openxmlformats.org/presentationml/2006/main">
   <p:cSld>
     <p:spTree>
@@ -35608,7 +33954,7 @@
                 <a:ea typeface="微软雅黑" pitchFamily="34" charset="-122"/>
                 <a:cs typeface="+mj-cs"/>
               </a:rPr>
-              <a:t>三、渐进增强的魅力</a:t>
+              <a:t>四、小结</a:t>
             </a:r>
             <a:endParaRPr kumimoji="0" lang="zh-CN" altLang="en-US" sz="4400" b="0" i="0" u="none" strike="noStrike" kern="1200" cap="none" spc="0" normalizeH="0" baseline="0" noProof="0" dirty="0">
               <a:ln>
@@ -35635,107 +33981,14 @@
   <p:timing>
     <p:tnLst>
       <p:par>
-        <p:cTn id="1" dur="indefinite" restart="never" nodeType="tmRoot"/>
+        <p:cTn xmlns:p14="http://schemas.microsoft.com/office/powerpoint/2010/main" id="1" dur="indefinite" restart="never" nodeType="tmRoot"/>
       </p:par>
     </p:tnLst>
   </p:timing>
 </p:sld>
 </file>
 
-<file path=ppt/slides/slide24.xml><?xml version="1.0" encoding="utf-8"?>
-<p:sld xmlns:a="http://schemas.openxmlformats.org/drawingml/2006/main" xmlns:r="http://schemas.openxmlformats.org/officeDocument/2006/relationships" xmlns:p="http://schemas.openxmlformats.org/presentationml/2006/main">
-  <p:cSld>
-    <p:spTree>
-      <p:nvGrpSpPr>
-        <p:cNvPr id="1" name=""/>
-        <p:cNvGrpSpPr/>
-        <p:nvPr/>
-      </p:nvGrpSpPr>
-      <p:grpSpPr>
-        <a:xfrm>
-          <a:off x="0" y="0"/>
-          <a:ext cx="0" cy="0"/>
-          <a:chOff x="0" y="0"/>
-          <a:chExt cx="0" cy="0"/>
-        </a:xfrm>
-      </p:grpSpPr>
-      <p:sp>
-        <p:nvSpPr>
-          <p:cNvPr id="17" name="标题 1"/>
-          <p:cNvSpPr>
-            <a:spLocks noGrp="1"/>
-          </p:cNvSpPr>
-          <p:nvPr>
-            <p:ph type="title"/>
-          </p:nvPr>
-        </p:nvSpPr>
-        <p:spPr>
-          <a:xfrm>
-            <a:off x="457200" y="274638"/>
-            <a:ext cx="8229600" cy="1143000"/>
-          </a:xfrm>
-        </p:spPr>
-        <p:txBody>
-          <a:bodyPr/>
-          <a:lstStyle/>
-          <a:p>
-            <a:r>
-              <a:rPr lang="en-US" altLang="zh-CN" smtClean="0">
-                <a:solidFill>
-                  <a:schemeClr val="bg1"/>
-                </a:solidFill>
-                <a:latin typeface="微软雅黑" pitchFamily="34" charset="-122"/>
-                <a:ea typeface="微软雅黑" pitchFamily="34" charset="-122"/>
-              </a:rPr>
-              <a:t>HTML5 </a:t>
-            </a:r>
-            <a:r>
-              <a:rPr lang="zh-CN" altLang="en-US" smtClean="0">
-                <a:solidFill>
-                  <a:schemeClr val="bg1"/>
-                </a:solidFill>
-                <a:latin typeface="微软雅黑" pitchFamily="34" charset="-122"/>
-                <a:ea typeface="微软雅黑" pitchFamily="34" charset="-122"/>
-              </a:rPr>
-              <a:t>时代的渐进增强</a:t>
-            </a:r>
-            <a:endParaRPr lang="zh-CN" altLang="en-US" dirty="0"/>
-          </a:p>
-        </p:txBody>
-      </p:sp>
-      <p:graphicFrame>
-        <p:nvGraphicFramePr>
-          <p:cNvPr id="5" name="Diagram 4"/>
-          <p:cNvGraphicFramePr/>
-          <p:nvPr/>
-        </p:nvGraphicFramePr>
-        <p:xfrm>
-          <a:off x="971600" y="1951602"/>
-          <a:ext cx="6810380" cy="4357718"/>
-        </p:xfrm>
-        <a:graphic>
-          <a:graphicData uri="http://schemas.openxmlformats.org/drawingml/2006/diagram">
-            <dgm:relIds xmlns:dgm="http://schemas.openxmlformats.org/drawingml/2006/diagram" xmlns:r="http://schemas.openxmlformats.org/officeDocument/2006/relationships" r:dm="rId3" r:lo="rId4" r:qs="rId5" r:cs="rId6"/>
-          </a:graphicData>
-        </a:graphic>
-      </p:graphicFrame>
-    </p:spTree>
-  </p:cSld>
-  <p:clrMapOvr>
-    <a:masterClrMapping/>
-  </p:clrMapOvr>
-  <p:transition/>
-  <p:timing>
-    <p:tnLst>
-      <p:par>
-        <p:cTn id="1" dur="indefinite" restart="never" nodeType="tmRoot"/>
-      </p:par>
-    </p:tnLst>
-  </p:timing>
-</p:sld>
-</file>
-
-<file path=ppt/slides/slide25.xml><?xml version="1.0" encoding="utf-8"?>
+<file path=ppt/slides/slide28.xml><?xml version="1.0" encoding="utf-8"?>
 <p:sld xmlns:a="http://schemas.openxmlformats.org/drawingml/2006/main" xmlns:r="http://schemas.openxmlformats.org/officeDocument/2006/relationships" xmlns:p="http://schemas.openxmlformats.org/presentationml/2006/main">
   <p:cSld>
     <p:spTree>
@@ -36137,14 +34390,7 @@
                 <a:latin typeface="微软雅黑" pitchFamily="34" charset="-122"/>
                 <a:ea typeface="微软雅黑" pitchFamily="34" charset="-122"/>
               </a:rPr>
-              <a:t> </a:t>
-            </a:r>
-            <a:r>
-              <a:rPr lang="en-US" altLang="zh-CN" sz="2400" smtClean="0">
-                <a:latin typeface="微软雅黑" pitchFamily="34" charset="-122"/>
-                <a:ea typeface="微软雅黑" pitchFamily="34" charset="-122"/>
-              </a:rPr>
-              <a:t>Accessibility</a:t>
+              <a:t> Accessibility</a:t>
             </a:r>
             <a:r>
               <a:rPr lang="zh-CN" altLang="en-US" sz="2400" dirty="0" smtClean="0">
@@ -36319,7 +34565,7 @@
   <p:timing>
     <p:tnLst>
       <p:par>
-        <p:cTn id="1" dur="indefinite" restart="never" nodeType="tmRoot">
+        <p:cTn xmlns:p14="http://schemas.microsoft.com/office/powerpoint/2010/main" id="1" dur="indefinite" restart="never" nodeType="tmRoot">
           <p:childTnLst>
             <p:seq concurrent="1" nextAc="seek">
               <p:cTn id="2" dur="indefinite" nodeType="mainSeq">
@@ -37286,7 +35532,7 @@
 </p:sld>
 </file>
 
-<file path=ppt/slides/slide26.xml><?xml version="1.0" encoding="utf-8"?>
+<file path=ppt/slides/slide29.xml><?xml version="1.0" encoding="utf-8"?>
 <p:sld xmlns:a="http://schemas.openxmlformats.org/drawingml/2006/main" xmlns:r="http://schemas.openxmlformats.org/officeDocument/2006/relationships" xmlns:p="http://schemas.openxmlformats.org/presentationml/2006/main">
   <p:cSld>
     <p:spTree>
@@ -37324,14 +35570,14 @@
           <a:lstStyle/>
           <a:p>
             <a:r>
-              <a:rPr lang="zh-CN" altLang="en-US" smtClean="0">
+              <a:rPr lang="en-US" altLang="zh-CN" dirty="0" smtClean="0">
                 <a:solidFill>
                   <a:schemeClr val="bg1"/>
                 </a:solidFill>
                 <a:latin typeface="微软雅黑" pitchFamily="34" charset="-122"/>
                 <a:ea typeface="微软雅黑" pitchFamily="34" charset="-122"/>
               </a:rPr>
-              <a:t>小结</a:t>
+              <a:t>key</a:t>
             </a:r>
             <a:endParaRPr lang="zh-CN" altLang="en-US" dirty="0"/>
           </a:p>
@@ -37355,7 +35601,7 @@
         </p:spPr>
         <p:txBody>
           <a:bodyPr>
-            <a:normAutofit lnSpcReduction="10000"/>
+            <a:normAutofit/>
           </a:bodyPr>
           <a:lstStyle/>
           <a:p>
@@ -37386,7 +35632,17 @@
                 <a:latin typeface="微软雅黑" pitchFamily="34" charset="-122"/>
                 <a:ea typeface="微软雅黑" pitchFamily="34" charset="-122"/>
               </a:rPr>
-              <a:t>可以考虑现代浏览器支持的高级体验</a:t>
+              <a:t>考虑现代浏览器</a:t>
+            </a:r>
+            <a:r>
+              <a:rPr lang="zh-CN" altLang="en-US" dirty="0" smtClean="0">
+                <a:solidFill>
+                  <a:schemeClr val="bg1"/>
+                </a:solidFill>
+                <a:latin typeface="微软雅黑" pitchFamily="34" charset="-122"/>
+                <a:ea typeface="微软雅黑" pitchFamily="34" charset="-122"/>
+              </a:rPr>
+              <a:t>支持的高级体验</a:t>
             </a:r>
             <a:endParaRPr lang="en-US" altLang="zh-CN" dirty="0" smtClean="0">
               <a:solidFill>
@@ -37405,56 +35661,7 @@
                 <a:latin typeface="微软雅黑" pitchFamily="34" charset="-122"/>
                 <a:ea typeface="微软雅黑" pitchFamily="34" charset="-122"/>
               </a:rPr>
-              <a:t>不同浏览器的效果不同，这是合</a:t>
-            </a:r>
-            <a:r>
-              <a:rPr lang="zh-CN" altLang="en-US" smtClean="0">
-                <a:solidFill>
-                  <a:schemeClr val="bg1"/>
-                </a:solidFill>
-                <a:latin typeface="微软雅黑" pitchFamily="34" charset="-122"/>
-                <a:ea typeface="微软雅黑" pitchFamily="34" charset="-122"/>
-              </a:rPr>
-              <a:t>理</a:t>
-            </a:r>
-            <a:r>
-              <a:rPr lang="zh-CN" altLang="en-US" smtClean="0">
-                <a:solidFill>
-                  <a:schemeClr val="bg1"/>
-                </a:solidFill>
-                <a:latin typeface="微软雅黑" pitchFamily="34" charset="-122"/>
-                <a:ea typeface="微软雅黑" pitchFamily="34" charset="-122"/>
-              </a:rPr>
-              <a:t>的</a:t>
-            </a:r>
-            <a:endParaRPr lang="en-US" altLang="zh-CN" smtClean="0">
-              <a:solidFill>
-                <a:schemeClr val="bg1"/>
-              </a:solidFill>
-              <a:latin typeface="微软雅黑" pitchFamily="34" charset="-122"/>
-              <a:ea typeface="微软雅黑" pitchFamily="34" charset="-122"/>
-            </a:endParaRPr>
-          </a:p>
-          <a:p>
-            <a:r>
-              <a:rPr lang="zh-CN" altLang="en-US" smtClean="0">
-                <a:solidFill>
-                  <a:schemeClr val="bg1"/>
-                </a:solidFill>
-                <a:latin typeface="微软雅黑" pitchFamily="34" charset="-122"/>
-                <a:ea typeface="微软雅黑" pitchFamily="34" charset="-122"/>
-              </a:rPr>
-              <a:t>渐</a:t>
-            </a:r>
-            <a:r>
-              <a:rPr lang="zh-CN" altLang="en-US" smtClean="0">
-                <a:solidFill>
-                  <a:schemeClr val="bg1"/>
-                </a:solidFill>
-                <a:latin typeface="微软雅黑" pitchFamily="34" charset="-122"/>
-                <a:ea typeface="微软雅黑" pitchFamily="34" charset="-122"/>
-              </a:rPr>
-              <a:t>进增强也需要渐进增强</a:t>
+              <a:t>不同浏览器的效果不同，这是合理的</a:t>
             </a:r>
             <a:endParaRPr lang="en-US" altLang="zh-CN" dirty="0" smtClean="0">
               <a:solidFill>
@@ -37473,27 +35680,7 @@
                 <a:latin typeface="微软雅黑" pitchFamily="34" charset="-122"/>
                 <a:ea typeface="微软雅黑" pitchFamily="34" charset="-122"/>
               </a:rPr>
-              <a:t>推动</a:t>
-            </a:r>
-            <a:r>
-              <a:rPr lang="en-US" altLang="zh-CN" dirty="0" smtClean="0">
-                <a:solidFill>
-                  <a:schemeClr val="bg1"/>
-                </a:solidFill>
-                <a:latin typeface="微软雅黑" pitchFamily="34" charset="-122"/>
-                <a:ea typeface="微软雅黑" pitchFamily="34" charset="-122"/>
-              </a:rPr>
-              <a:t>Web</a:t>
-            </a:r>
-            <a:r>
-              <a:rPr lang="zh-CN" altLang="en-US" dirty="0" smtClean="0">
-                <a:solidFill>
-                  <a:schemeClr val="bg1"/>
-                </a:solidFill>
-                <a:latin typeface="微软雅黑" pitchFamily="34" charset="-122"/>
-                <a:ea typeface="微软雅黑" pitchFamily="34" charset="-122"/>
-              </a:rPr>
-              <a:t>发展，是我们的职责</a:t>
+              <a:t>渐进增强也需要渐进增强</a:t>
             </a:r>
             <a:endParaRPr lang="en-US" altLang="zh-CN" dirty="0" smtClean="0">
               <a:solidFill>
@@ -37504,17 +35691,10 @@
             </a:endParaRPr>
           </a:p>
           <a:p>
-            <a:r>
-              <a:rPr lang="zh-CN" altLang="en-US" dirty="0" smtClean="0">
-                <a:solidFill>
-                  <a:schemeClr val="bg1"/>
-                </a:solidFill>
-                <a:latin typeface="微软雅黑" pitchFamily="34" charset="-122"/>
-                <a:ea typeface="微软雅黑" pitchFamily="34" charset="-122"/>
-              </a:rPr>
-              <a:t>把握前沿知识，引领业界潮流</a:t>
-            </a:r>
-            <a:endParaRPr lang="zh-CN" altLang="en-US" dirty="0">
+            <a:pPr marL="0" indent="0">
+              <a:buNone/>
+            </a:pPr>
+            <a:endParaRPr lang="en-US" altLang="zh-CN" dirty="0" smtClean="0">
               <a:solidFill>
                 <a:schemeClr val="bg1"/>
               </a:solidFill>
@@ -37529,11 +35709,11 @@
   <p:clrMapOvr>
     <a:masterClrMapping/>
   </p:clrMapOvr>
-  <p:transition/>
+  <p:transition xmlns:p14="http://schemas.microsoft.com/office/powerpoint/2010/main"/>
   <p:timing>
     <p:tnLst>
       <p:par>
-        <p:cTn id="1" dur="indefinite" restart="never" nodeType="tmRoot">
+        <p:cTn xmlns:p14="http://schemas.microsoft.com/office/powerpoint/2010/main" id="1" dur="indefinite" restart="never" nodeType="tmRoot">
           <p:childTnLst>
             <p:seq concurrent="1" nextAc="seek">
               <p:cTn id="2" dur="indefinite" nodeType="mainSeq">
@@ -37950,212 +36130,6 @@
                       </p:childTnLst>
                     </p:cTn>
                   </p:par>
-                  <p:par>
-                    <p:cTn id="27" fill="hold">
-                      <p:stCondLst>
-                        <p:cond delay="indefinite"/>
-                      </p:stCondLst>
-                      <p:childTnLst>
-                        <p:par>
-                          <p:cTn id="28" fill="hold">
-                            <p:stCondLst>
-                              <p:cond delay="0"/>
-                            </p:stCondLst>
-                            <p:childTnLst>
-                              <p:par>
-                                <p:cTn id="29" presetID="2" presetClass="entr" presetSubtype="4" fill="hold" nodeType="clickEffect">
-                                  <p:stCondLst>
-                                    <p:cond delay="0"/>
-                                  </p:stCondLst>
-                                  <p:childTnLst>
-                                    <p:set>
-                                      <p:cBhvr>
-                                        <p:cTn id="30" dur="1" fill="hold">
-                                          <p:stCondLst>
-                                            <p:cond delay="0"/>
-                                          </p:stCondLst>
-                                        </p:cTn>
-                                        <p:tgtEl>
-                                          <p:spTgt spid="6">
-                                            <p:txEl>
-                                              <p:pRg st="4" end="4"/>
-                                            </p:txEl>
-                                          </p:spTgt>
-                                        </p:tgtEl>
-                                        <p:attrNameLst>
-                                          <p:attrName>style.visibility</p:attrName>
-                                        </p:attrNameLst>
-                                      </p:cBhvr>
-                                      <p:to>
-                                        <p:strVal val="visible"/>
-                                      </p:to>
-                                    </p:set>
-                                    <p:anim calcmode="lin" valueType="num">
-                                      <p:cBhvr additive="base">
-                                        <p:cTn id="31" dur="500" fill="hold"/>
-                                        <p:tgtEl>
-                                          <p:spTgt spid="6">
-                                            <p:txEl>
-                                              <p:pRg st="4" end="4"/>
-                                            </p:txEl>
-                                          </p:spTgt>
-                                        </p:tgtEl>
-                                        <p:attrNameLst>
-                                          <p:attrName>ppt_x</p:attrName>
-                                        </p:attrNameLst>
-                                      </p:cBhvr>
-                                      <p:tavLst>
-                                        <p:tav tm="0">
-                                          <p:val>
-                                            <p:strVal val="#ppt_x"/>
-                                          </p:val>
-                                        </p:tav>
-                                        <p:tav tm="100000">
-                                          <p:val>
-                                            <p:strVal val="#ppt_x"/>
-                                          </p:val>
-                                        </p:tav>
-                                      </p:tavLst>
-                                    </p:anim>
-                                    <p:anim calcmode="lin" valueType="num">
-                                      <p:cBhvr additive="base">
-                                        <p:cTn id="32" dur="500" fill="hold"/>
-                                        <p:tgtEl>
-                                          <p:spTgt spid="6">
-                                            <p:txEl>
-                                              <p:pRg st="4" end="4"/>
-                                            </p:txEl>
-                                          </p:spTgt>
-                                        </p:tgtEl>
-                                        <p:attrNameLst>
-                                          <p:attrName>ppt_y</p:attrName>
-                                        </p:attrNameLst>
-                                      </p:cBhvr>
-                                      <p:tavLst>
-                                        <p:tav tm="0">
-                                          <p:val>
-                                            <p:strVal val="1+#ppt_h/2"/>
-                                          </p:val>
-                                        </p:tav>
-                                        <p:tav tm="100000">
-                                          <p:val>
-                                            <p:strVal val="#ppt_y"/>
-                                          </p:val>
-                                        </p:tav>
-                                      </p:tavLst>
-                                    </p:anim>
-                                  </p:childTnLst>
-                                </p:cTn>
-                              </p:par>
-                            </p:childTnLst>
-                          </p:cTn>
-                        </p:par>
-                      </p:childTnLst>
-                    </p:cTn>
-                  </p:par>
-                  <p:par>
-                    <p:cTn id="33" fill="hold">
-                      <p:stCondLst>
-                        <p:cond delay="indefinite"/>
-                      </p:stCondLst>
-                      <p:childTnLst>
-                        <p:par>
-                          <p:cTn id="34" fill="hold">
-                            <p:stCondLst>
-                              <p:cond delay="0"/>
-                            </p:stCondLst>
-                            <p:childTnLst>
-                              <p:par>
-                                <p:cTn id="35" presetID="2" presetClass="entr" presetSubtype="4" fill="hold" nodeType="clickEffect">
-                                  <p:stCondLst>
-                                    <p:cond delay="0"/>
-                                  </p:stCondLst>
-                                  <p:childTnLst>
-                                    <p:set>
-                                      <p:cBhvr>
-                                        <p:cTn id="36" dur="1" fill="hold">
-                                          <p:stCondLst>
-                                            <p:cond delay="0"/>
-                                          </p:stCondLst>
-                                        </p:cTn>
-                                        <p:tgtEl>
-                                          <p:spTgt spid="6">
-                                            <p:txEl>
-                                              <p:pRg st="5" end="5"/>
-                                            </p:txEl>
-                                          </p:spTgt>
-                                        </p:tgtEl>
-                                        <p:attrNameLst>
-                                          <p:attrName>style.visibility</p:attrName>
-                                        </p:attrNameLst>
-                                      </p:cBhvr>
-                                      <p:to>
-                                        <p:strVal val="visible"/>
-                                      </p:to>
-                                    </p:set>
-                                    <p:anim calcmode="lin" valueType="num">
-                                      <p:cBhvr additive="base">
-                                        <p:cTn id="37" dur="500" fill="hold"/>
-                                        <p:tgtEl>
-                                          <p:spTgt spid="6">
-                                            <p:txEl>
-                                              <p:pRg st="5" end="5"/>
-                                            </p:txEl>
-                                          </p:spTgt>
-                                        </p:tgtEl>
-                                        <p:attrNameLst>
-                                          <p:attrName>ppt_x</p:attrName>
-                                        </p:attrNameLst>
-                                      </p:cBhvr>
-                                      <p:tavLst>
-                                        <p:tav tm="0">
-                                          <p:val>
-                                            <p:strVal val="#ppt_x"/>
-                                          </p:val>
-                                        </p:tav>
-                                        <p:tav tm="100000">
-                                          <p:val>
-                                            <p:strVal val="#ppt_x"/>
-                                          </p:val>
-                                        </p:tav>
-                                      </p:tavLst>
-                                    </p:anim>
-                                    <p:anim calcmode="lin" valueType="num">
-                                      <p:cBhvr additive="base">
-                                        <p:cTn id="38" dur="500" fill="hold"/>
-                                        <p:tgtEl>
-                                          <p:spTgt spid="6">
-                                            <p:txEl>
-                                              <p:pRg st="5" end="5"/>
-                                            </p:txEl>
-                                          </p:spTgt>
-                                        </p:tgtEl>
-                                        <p:attrNameLst>
-                                          <p:attrName>ppt_y</p:attrName>
-                                        </p:attrNameLst>
-                                      </p:cBhvr>
-                                      <p:tavLst>
-                                        <p:tav tm="0">
-                                          <p:val>
-                                            <p:strVal val="1+#ppt_h/2"/>
-                                          </p:val>
-                                        </p:tav>
-                                        <p:tav tm="100000">
-                                          <p:val>
-                                            <p:strVal val="#ppt_y"/>
-                                          </p:val>
-                                        </p:tav>
-                                      </p:tavLst>
-                                    </p:anim>
-                                  </p:childTnLst>
-                                </p:cTn>
-                              </p:par>
-                            </p:childTnLst>
-                          </p:cTn>
-                        </p:par>
-                      </p:childTnLst>
-                    </p:cTn>
-                  </p:par>
                 </p:childTnLst>
               </p:cTn>
               <p:prevCondLst>
@@ -38181,7 +36155,124 @@
 </p:sld>
 </file>
 
-<file path=ppt/slides/slide27.xml><?xml version="1.0" encoding="utf-8"?>
+<file path=ppt/slides/slide3.xml><?xml version="1.0" encoding="utf-8"?>
+<p:sld xmlns:a="http://schemas.openxmlformats.org/drawingml/2006/main" xmlns:r="http://schemas.openxmlformats.org/officeDocument/2006/relationships" xmlns:p="http://schemas.openxmlformats.org/presentationml/2006/main">
+  <p:cSld>
+    <p:spTree>
+      <p:nvGrpSpPr>
+        <p:cNvPr id="1" name=""/>
+        <p:cNvGrpSpPr/>
+        <p:nvPr/>
+      </p:nvGrpSpPr>
+      <p:grpSpPr>
+        <a:xfrm>
+          <a:off x="0" y="0"/>
+          <a:ext cx="0" cy="0"/>
+          <a:chOff x="0" y="0"/>
+          <a:chExt cx="0" cy="0"/>
+        </a:xfrm>
+      </p:grpSpPr>
+      <p:sp>
+        <p:nvSpPr>
+          <p:cNvPr id="7" name="标题 1"/>
+          <p:cNvSpPr txBox="1">
+            <a:spLocks/>
+          </p:cNvSpPr>
+          <p:nvPr/>
+        </p:nvSpPr>
+        <p:spPr>
+          <a:xfrm>
+            <a:off x="500034" y="2643182"/>
+            <a:ext cx="8229600" cy="1143000"/>
+          </a:xfrm>
+          <a:prstGeom prst="rect">
+            <a:avLst/>
+          </a:prstGeom>
+        </p:spPr>
+        <p:txBody>
+          <a:bodyPr vert="horz" lIns="91440" tIns="45720" rIns="91440" bIns="45720" rtlCol="0" anchor="ctr">
+            <a:normAutofit/>
+          </a:bodyPr>
+          <a:lstStyle/>
+          <a:p>
+            <a:pPr marL="0" marR="0" lvl="0" indent="0" algn="ctr" defTabSz="914400" rtl="0" eaLnBrk="1" fontAlgn="auto" latinLnBrk="0" hangingPunct="1">
+              <a:lnSpc>
+                <a:spcPct val="100000"/>
+              </a:lnSpc>
+              <a:spcBef>
+                <a:spcPct val="0"/>
+              </a:spcBef>
+              <a:spcAft>
+                <a:spcPts val="0"/>
+              </a:spcAft>
+              <a:buClrTx/>
+              <a:buSzTx/>
+              <a:buFontTx/>
+              <a:buNone/>
+              <a:tabLst/>
+              <a:defRPr/>
+            </a:pPr>
+            <a:r>
+              <a:rPr lang="zh-CN" altLang="en-US" sz="4400" dirty="0" smtClean="0">
+                <a:solidFill>
+                  <a:schemeClr val="bg1"/>
+                </a:solidFill>
+                <a:latin typeface="微软雅黑" pitchFamily="34" charset="-122"/>
+                <a:ea typeface="微软雅黑" pitchFamily="34" charset="-122"/>
+                <a:cs typeface="+mj-cs"/>
+              </a:rPr>
+              <a:t>一、</a:t>
+            </a:r>
+            <a:r>
+              <a:rPr kumimoji="0" lang="zh-CN" altLang="en-US" sz="4400" b="0" i="0" u="none" strike="noStrike" kern="1200" cap="none" spc="0" normalizeH="0" baseline="0" noProof="0" dirty="0" smtClean="0">
+                <a:ln>
+                  <a:noFill/>
+                </a:ln>
+                <a:solidFill>
+                  <a:schemeClr val="bg1"/>
+                </a:solidFill>
+                <a:effectLst/>
+                <a:uLnTx/>
+                <a:uFillTx/>
+                <a:latin typeface="微软雅黑" pitchFamily="34" charset="-122"/>
+                <a:ea typeface="微软雅黑" pitchFamily="34" charset="-122"/>
+                <a:cs typeface="+mj-cs"/>
+              </a:rPr>
+              <a:t>渐进增强是什么？</a:t>
+            </a:r>
+            <a:endParaRPr kumimoji="0" lang="zh-CN" altLang="en-US" sz="4400" b="0" i="0" u="none" strike="noStrike" kern="1200" cap="none" spc="0" normalizeH="0" baseline="0" noProof="0" dirty="0">
+              <a:ln>
+                <a:noFill/>
+              </a:ln>
+              <a:solidFill>
+                <a:schemeClr val="tx1"/>
+              </a:solidFill>
+              <a:effectLst/>
+              <a:uLnTx/>
+              <a:uFillTx/>
+              <a:latin typeface="+mj-lt"/>
+              <a:ea typeface="+mj-ea"/>
+              <a:cs typeface="+mj-cs"/>
+            </a:endParaRPr>
+          </a:p>
+        </p:txBody>
+      </p:sp>
+    </p:spTree>
+  </p:cSld>
+  <p:clrMapOvr>
+    <a:masterClrMapping/>
+  </p:clrMapOvr>
+  <p:timing>
+    <p:tnLst>
+      <p:par>
+        <p:cTn xmlns:p14="http://schemas.microsoft.com/office/powerpoint/2010/main" id="1" dur="indefinite" restart="never" nodeType="tmRoot"/>
+      </p:par>
+    </p:tnLst>
+  </p:timing>
+</p:sld>
+</file>
+
+<file path=ppt/slides/slide30.xml><?xml version="1.0" encoding="utf-8"?>
 <p:sld xmlns:a="http://schemas.openxmlformats.org/drawingml/2006/main" xmlns:r="http://schemas.openxmlformats.org/officeDocument/2006/relationships" xmlns:p="http://schemas.openxmlformats.org/presentationml/2006/main">
   <p:cSld>
     <p:spTree>
@@ -38304,14 +36395,14 @@
   <p:timing>
     <p:tnLst>
       <p:par>
-        <p:cTn id="1" dur="indefinite" restart="never" nodeType="tmRoot"/>
+        <p:cTn xmlns:p14="http://schemas.microsoft.com/office/powerpoint/2010/main" id="1" dur="indefinite" restart="never" nodeType="tmRoot"/>
       </p:par>
     </p:tnLst>
   </p:timing>
 </p:sld>
 </file>
 
-<file path=ppt/slides/slide28.xml><?xml version="1.0" encoding="utf-8"?>
+<file path=ppt/slides/slide31.xml><?xml version="1.0" encoding="utf-8"?>
 <p:sld xmlns:a="http://schemas.openxmlformats.org/drawingml/2006/main" xmlns:r="http://schemas.openxmlformats.org/officeDocument/2006/relationships" xmlns:p="http://schemas.openxmlformats.org/presentationml/2006/main">
   <p:cSld>
     <p:spTree>
@@ -38644,14 +36735,14 @@
   <p:timing>
     <p:tnLst>
       <p:par>
-        <p:cTn id="1" dur="indefinite" restart="never" nodeType="tmRoot"/>
+        <p:cTn xmlns:p14="http://schemas.microsoft.com/office/powerpoint/2010/main" id="1" dur="indefinite" restart="never" nodeType="tmRoot"/>
       </p:par>
     </p:tnLst>
   </p:timing>
 </p:sld>
 </file>
 
-<file path=ppt/slides/slide29.xml><?xml version="1.0" encoding="utf-8"?>
+<file path=ppt/slides/slide32.xml><?xml version="1.0" encoding="utf-8"?>
 <p:sld xmlns:a="http://schemas.openxmlformats.org/drawingml/2006/main" xmlns:r="http://schemas.openxmlformats.org/officeDocument/2006/relationships" xmlns:p="http://schemas.openxmlformats.org/presentationml/2006/main">
   <p:cSld>
     <p:spTree>
@@ -38823,7 +36914,35 @@
                 <a:ea typeface="微软雅黑" pitchFamily="34" charset="-122"/>
                 <a:cs typeface="+mj-cs"/>
               </a:rPr>
-              <a:t>http://lifesinger.org/</a:t>
+              <a:t>http://</a:t>
+            </a:r>
+            <a:r>
+              <a:rPr lang="en-US" altLang="zh-CN" sz="2400" dirty="0" err="1" smtClean="0">
+                <a:solidFill>
+                  <a:schemeClr val="accent1">
+                    <a:lumMod val="40000"/>
+                    <a:lumOff val="60000"/>
+                  </a:schemeClr>
+                </a:solidFill>
+                <a:latin typeface="微软雅黑" pitchFamily="34" charset="-122"/>
+                <a:ea typeface="微软雅黑" pitchFamily="34" charset="-122"/>
+                <a:cs typeface="+mj-cs"/>
+              </a:rPr>
+              <a:t>lifesinger.wordpress.com</a:t>
+            </a:r>
+            <a:r>
+              <a:rPr lang="en-US" altLang="zh-CN" sz="2400" dirty="0" smtClean="0">
+                <a:solidFill>
+                  <a:schemeClr val="accent1">
+                    <a:lumMod val="40000"/>
+                    <a:lumOff val="60000"/>
+                  </a:schemeClr>
+                </a:solidFill>
+                <a:latin typeface="微软雅黑" pitchFamily="34" charset="-122"/>
+                <a:ea typeface="微软雅黑" pitchFamily="34" charset="-122"/>
+                <a:cs typeface="+mj-cs"/>
+              </a:rPr>
+              <a:t>/</a:t>
             </a:r>
             <a:endParaRPr kumimoji="0" lang="zh-CN" altLang="en-US" sz="2400" b="0" i="0" u="none" strike="noStrike" kern="1200" cap="none" spc="0" normalizeH="0" baseline="0" noProof="0" dirty="0">
               <a:ln>
@@ -38853,124 +36972,7 @@
   <p:timing>
     <p:tnLst>
       <p:par>
-        <p:cTn id="1" dur="indefinite" restart="never" nodeType="tmRoot"/>
-      </p:par>
-    </p:tnLst>
-  </p:timing>
-</p:sld>
-</file>
-
-<file path=ppt/slides/slide3.xml><?xml version="1.0" encoding="utf-8"?>
-<p:sld xmlns:a="http://schemas.openxmlformats.org/drawingml/2006/main" xmlns:r="http://schemas.openxmlformats.org/officeDocument/2006/relationships" xmlns:p="http://schemas.openxmlformats.org/presentationml/2006/main">
-  <p:cSld>
-    <p:spTree>
-      <p:nvGrpSpPr>
-        <p:cNvPr id="1" name=""/>
-        <p:cNvGrpSpPr/>
-        <p:nvPr/>
-      </p:nvGrpSpPr>
-      <p:grpSpPr>
-        <a:xfrm>
-          <a:off x="0" y="0"/>
-          <a:ext cx="0" cy="0"/>
-          <a:chOff x="0" y="0"/>
-          <a:chExt cx="0" cy="0"/>
-        </a:xfrm>
-      </p:grpSpPr>
-      <p:sp>
-        <p:nvSpPr>
-          <p:cNvPr id="7" name="标题 1"/>
-          <p:cNvSpPr txBox="1">
-            <a:spLocks/>
-          </p:cNvSpPr>
-          <p:nvPr/>
-        </p:nvSpPr>
-        <p:spPr>
-          <a:xfrm>
-            <a:off x="500034" y="2643182"/>
-            <a:ext cx="8229600" cy="1143000"/>
-          </a:xfrm>
-          <a:prstGeom prst="rect">
-            <a:avLst/>
-          </a:prstGeom>
-        </p:spPr>
-        <p:txBody>
-          <a:bodyPr vert="horz" lIns="91440" tIns="45720" rIns="91440" bIns="45720" rtlCol="0" anchor="ctr">
-            <a:normAutofit/>
-          </a:bodyPr>
-          <a:lstStyle/>
-          <a:p>
-            <a:pPr marL="0" marR="0" lvl="0" indent="0" algn="ctr" defTabSz="914400" rtl="0" eaLnBrk="1" fontAlgn="auto" latinLnBrk="0" hangingPunct="1">
-              <a:lnSpc>
-                <a:spcPct val="100000"/>
-              </a:lnSpc>
-              <a:spcBef>
-                <a:spcPct val="0"/>
-              </a:spcBef>
-              <a:spcAft>
-                <a:spcPts val="0"/>
-              </a:spcAft>
-              <a:buClrTx/>
-              <a:buSzTx/>
-              <a:buFontTx/>
-              <a:buNone/>
-              <a:tabLst/>
-              <a:defRPr/>
-            </a:pPr>
-            <a:r>
-              <a:rPr lang="zh-CN" altLang="en-US" sz="4400" dirty="0" smtClean="0">
-                <a:solidFill>
-                  <a:schemeClr val="bg1"/>
-                </a:solidFill>
-                <a:latin typeface="微软雅黑" pitchFamily="34" charset="-122"/>
-                <a:ea typeface="微软雅黑" pitchFamily="34" charset="-122"/>
-                <a:cs typeface="+mj-cs"/>
-              </a:rPr>
-              <a:t>一、</a:t>
-            </a:r>
-            <a:r>
-              <a:rPr kumimoji="0" lang="zh-CN" altLang="en-US" sz="4400" b="0" i="0" u="none" strike="noStrike" kern="1200" cap="none" spc="0" normalizeH="0" baseline="0" noProof="0" dirty="0" smtClean="0">
-                <a:ln>
-                  <a:noFill/>
-                </a:ln>
-                <a:solidFill>
-                  <a:schemeClr val="bg1"/>
-                </a:solidFill>
-                <a:effectLst/>
-                <a:uLnTx/>
-                <a:uFillTx/>
-                <a:latin typeface="微软雅黑" pitchFamily="34" charset="-122"/>
-                <a:ea typeface="微软雅黑" pitchFamily="34" charset="-122"/>
-                <a:cs typeface="+mj-cs"/>
-              </a:rPr>
-              <a:t>渐进增强是什么？</a:t>
-            </a:r>
-            <a:endParaRPr kumimoji="0" lang="zh-CN" altLang="en-US" sz="4400" b="0" i="0" u="none" strike="noStrike" kern="1200" cap="none" spc="0" normalizeH="0" baseline="0" noProof="0" dirty="0">
-              <a:ln>
-                <a:noFill/>
-              </a:ln>
-              <a:solidFill>
-                <a:schemeClr val="tx1"/>
-              </a:solidFill>
-              <a:effectLst/>
-              <a:uLnTx/>
-              <a:uFillTx/>
-              <a:latin typeface="+mj-lt"/>
-              <a:ea typeface="+mj-ea"/>
-              <a:cs typeface="+mj-cs"/>
-            </a:endParaRPr>
-          </a:p>
-        </p:txBody>
-      </p:sp>
-    </p:spTree>
-  </p:cSld>
-  <p:clrMapOvr>
-    <a:masterClrMapping/>
-  </p:clrMapOvr>
-  <p:timing>
-    <p:tnLst>
-      <p:par>
-        <p:cTn id="1" dur="indefinite" restart="never" nodeType="tmRoot"/>
+        <p:cTn xmlns:p14="http://schemas.microsoft.com/office/powerpoint/2010/main" id="1" dur="indefinite" restart="never" nodeType="tmRoot"/>
       </p:par>
     </p:tnLst>
   </p:timing>
@@ -39168,7 +37170,7 @@
   <p:timing>
     <p:tnLst>
       <p:par>
-        <p:cTn id="1" dur="indefinite" restart="never" nodeType="tmRoot"/>
+        <p:cTn xmlns:p14="http://schemas.microsoft.com/office/powerpoint/2010/main" id="1" dur="indefinite" restart="never" nodeType="tmRoot"/>
       </p:par>
     </p:tnLst>
   </p:timing>
@@ -39224,7 +37226,7 @@
   <p:timing>
     <p:tnLst>
       <p:par>
-        <p:cTn id="1" dur="indefinite" restart="never" nodeType="tmRoot"/>
+        <p:cTn xmlns:p14="http://schemas.microsoft.com/office/powerpoint/2010/main" id="1" dur="indefinite" restart="never" nodeType="tmRoot"/>
       </p:par>
     </p:tnLst>
   </p:timing>
@@ -39342,7 +37344,7 @@
   <p:timing>
     <p:tnLst>
       <p:par>
-        <p:cTn id="1" dur="indefinite" restart="never" nodeType="tmRoot"/>
+        <p:cTn xmlns:p14="http://schemas.microsoft.com/office/powerpoint/2010/main" id="1" dur="indefinite" restart="never" nodeType="tmRoot"/>
       </p:par>
     </p:tnLst>
   </p:timing>
@@ -39522,7 +37524,7 @@
   <p:timing>
     <p:tnLst>
       <p:par>
-        <p:cTn id="1" dur="indefinite" restart="never" nodeType="tmRoot"/>
+        <p:cTn xmlns:p14="http://schemas.microsoft.com/office/powerpoint/2010/main" id="1" dur="indefinite" restart="never" nodeType="tmRoot"/>
       </p:par>
     </p:tnLst>
   </p:timing>
@@ -39969,7 +37971,7 @@
   <p:timing>
     <p:tnLst>
       <p:par>
-        <p:cTn id="1" dur="indefinite" restart="never" nodeType="tmRoot">
+        <p:cTn xmlns:p14="http://schemas.microsoft.com/office/powerpoint/2010/main" id="1" dur="indefinite" restart="never" nodeType="tmRoot">
           <p:childTnLst>
             <p:seq concurrent="1" nextAc="seek">
               <p:cTn id="2" dur="indefinite" nodeType="mainSeq">
@@ -40617,7 +38619,7 @@
   <p:timing>
     <p:tnLst>
       <p:par>
-        <p:cTn id="1" dur="indefinite" restart="never" nodeType="tmRoot"/>
+        <p:cTn xmlns:p14="http://schemas.microsoft.com/office/powerpoint/2010/main" id="1" dur="indefinite" restart="never" nodeType="tmRoot"/>
       </p:par>
     </p:tnLst>
   </p:timing>
